--- a/Presentations/data_presentation_20250703.pptx
+++ b/Presentations/data_presentation_20250703.pptx
@@ -204,7 +204,7 @@
           <a:p>
             <a:fld id="{20FE7400-C293-EA48-B8E6-D467DD4C8176}" type="datetimeFigureOut">
               <a:rPr lang="en-US" smtClean="0"/>
-              <a:t>6/28/25</a:t>
+              <a:t>7/2/25</a:t>
             </a:fld>
             <a:endParaRPr lang="en-US"/>
           </a:p>
@@ -1044,7 +1044,7 @@
           <a:p>
             <a:fld id="{1127FE35-B012-804B-86A9-13B9276DEBED}" type="datetimeFigureOut">
               <a:rPr lang="en-US" smtClean="0"/>
-              <a:t>6/28/25</a:t>
+              <a:t>7/2/25</a:t>
             </a:fld>
             <a:endParaRPr lang="en-US"/>
           </a:p>
@@ -1242,7 +1242,7 @@
           <a:p>
             <a:fld id="{1127FE35-B012-804B-86A9-13B9276DEBED}" type="datetimeFigureOut">
               <a:rPr lang="en-US" smtClean="0"/>
-              <a:t>6/28/25</a:t>
+              <a:t>7/2/25</a:t>
             </a:fld>
             <a:endParaRPr lang="en-US"/>
           </a:p>
@@ -1450,7 +1450,7 @@
           <a:p>
             <a:fld id="{1127FE35-B012-804B-86A9-13B9276DEBED}" type="datetimeFigureOut">
               <a:rPr lang="en-US" smtClean="0"/>
-              <a:t>6/28/25</a:t>
+              <a:t>7/2/25</a:t>
             </a:fld>
             <a:endParaRPr lang="en-US"/>
           </a:p>
@@ -1648,7 +1648,7 @@
           <a:p>
             <a:fld id="{1127FE35-B012-804B-86A9-13B9276DEBED}" type="datetimeFigureOut">
               <a:rPr lang="en-US" smtClean="0"/>
-              <a:t>6/28/25</a:t>
+              <a:t>7/2/25</a:t>
             </a:fld>
             <a:endParaRPr lang="en-US"/>
           </a:p>
@@ -1923,7 +1923,7 @@
           <a:p>
             <a:fld id="{1127FE35-B012-804B-86A9-13B9276DEBED}" type="datetimeFigureOut">
               <a:rPr lang="en-US" smtClean="0"/>
-              <a:t>6/28/25</a:t>
+              <a:t>7/2/25</a:t>
             </a:fld>
             <a:endParaRPr lang="en-US"/>
           </a:p>
@@ -2188,7 +2188,7 @@
           <a:p>
             <a:fld id="{1127FE35-B012-804B-86A9-13B9276DEBED}" type="datetimeFigureOut">
               <a:rPr lang="en-US" smtClean="0"/>
-              <a:t>6/28/25</a:t>
+              <a:t>7/2/25</a:t>
             </a:fld>
             <a:endParaRPr lang="en-US"/>
           </a:p>
@@ -2600,7 +2600,7 @@
           <a:p>
             <a:fld id="{1127FE35-B012-804B-86A9-13B9276DEBED}" type="datetimeFigureOut">
               <a:rPr lang="en-US" smtClean="0"/>
-              <a:t>6/28/25</a:t>
+              <a:t>7/2/25</a:t>
             </a:fld>
             <a:endParaRPr lang="en-US"/>
           </a:p>
@@ -2741,7 +2741,7 @@
           <a:p>
             <a:fld id="{1127FE35-B012-804B-86A9-13B9276DEBED}" type="datetimeFigureOut">
               <a:rPr lang="en-US" smtClean="0"/>
-              <a:t>6/28/25</a:t>
+              <a:t>7/2/25</a:t>
             </a:fld>
             <a:endParaRPr lang="en-US"/>
           </a:p>
@@ -2854,7 +2854,7 @@
           <a:p>
             <a:fld id="{1127FE35-B012-804B-86A9-13B9276DEBED}" type="datetimeFigureOut">
               <a:rPr lang="en-US" smtClean="0"/>
-              <a:t>6/28/25</a:t>
+              <a:t>7/2/25</a:t>
             </a:fld>
             <a:endParaRPr lang="en-US"/>
           </a:p>
@@ -3165,7 +3165,7 @@
           <a:p>
             <a:fld id="{1127FE35-B012-804B-86A9-13B9276DEBED}" type="datetimeFigureOut">
               <a:rPr lang="en-US" smtClean="0"/>
-              <a:t>6/28/25</a:t>
+              <a:t>7/2/25</a:t>
             </a:fld>
             <a:endParaRPr lang="en-US"/>
           </a:p>
@@ -3453,7 +3453,7 @@
           <a:p>
             <a:fld id="{1127FE35-B012-804B-86A9-13B9276DEBED}" type="datetimeFigureOut">
               <a:rPr lang="en-US" smtClean="0"/>
-              <a:t>6/28/25</a:t>
+              <a:t>7/2/25</a:t>
             </a:fld>
             <a:endParaRPr lang="en-US"/>
           </a:p>
@@ -3694,7 +3694,7 @@
           <a:p>
             <a:fld id="{1127FE35-B012-804B-86A9-13B9276DEBED}" type="datetimeFigureOut">
               <a:rPr lang="en-US" smtClean="0"/>
-              <a:t>6/28/25</a:t>
+              <a:t>7/2/25</a:t>
             </a:fld>
             <a:endParaRPr lang="en-US"/>
           </a:p>

--- a/Presentations/data_presentation_20250703.pptx
+++ b/Presentations/data_presentation_20250703.pptx
@@ -5,17 +5,26 @@
     <p:sldMasterId id="2147483648" r:id="rId1"/>
   </p:sldMasterIdLst>
   <p:notesMasterIdLst>
-    <p:notesMasterId r:id="rId10"/>
+    <p:notesMasterId r:id="rId19"/>
   </p:notesMasterIdLst>
   <p:sldIdLst>
     <p:sldId id="256" r:id="rId2"/>
-    <p:sldId id="257" r:id="rId3"/>
-    <p:sldId id="262" r:id="rId4"/>
-    <p:sldId id="261" r:id="rId5"/>
-    <p:sldId id="258" r:id="rId6"/>
-    <p:sldId id="260" r:id="rId7"/>
-    <p:sldId id="259" r:id="rId8"/>
-    <p:sldId id="263" r:id="rId9"/>
+    <p:sldId id="268" r:id="rId3"/>
+    <p:sldId id="269" r:id="rId4"/>
+    <p:sldId id="270" r:id="rId5"/>
+    <p:sldId id="271" r:id="rId6"/>
+    <p:sldId id="272" r:id="rId7"/>
+    <p:sldId id="273" r:id="rId8"/>
+    <p:sldId id="274" r:id="rId9"/>
+    <p:sldId id="257" r:id="rId10"/>
+    <p:sldId id="258" r:id="rId11"/>
+    <p:sldId id="260" r:id="rId12"/>
+    <p:sldId id="259" r:id="rId13"/>
+    <p:sldId id="265" r:id="rId14"/>
+    <p:sldId id="266" r:id="rId15"/>
+    <p:sldId id="267" r:id="rId16"/>
+    <p:sldId id="263" r:id="rId17"/>
+    <p:sldId id="264" r:id="rId18"/>
   </p:sldIdLst>
   <p:sldSz cx="12192000" cy="6858000"/>
   <p:notesSz cx="6858000" cy="9144000"/>
@@ -599,10 +608,7 @@
           <a:bodyPr/>
           <a:lstStyle/>
           <a:p>
-            <a:r>
-              <a:rPr lang="en-US" dirty="0"/>
-              <a:t>BACKGROUND</a:t>
-            </a:r>
+            <a:endParaRPr lang="en-US" dirty="0"/>
           </a:p>
         </p:txBody>
       </p:sp>
@@ -623,7 +629,7 @@
           <a:p>
             <a:fld id="{D984E0C7-4FAE-DF41-A5B4-0D4F28BFF05D}" type="slidenum">
               <a:rPr lang="en-US" smtClean="0"/>
-              <a:t>3</a:t>
+              <a:t>16</a:t>
             </a:fld>
             <a:endParaRPr lang="en-US"/>
           </a:p>
@@ -632,7 +638,7 @@
     </p:spTree>
     <p:extLst>
       <p:ext uri="{BB962C8B-B14F-4D97-AF65-F5344CB8AC3E}">
-        <p14:creationId xmlns:p14="http://schemas.microsoft.com/office/powerpoint/2010/main" val="2459055638"/>
+        <p14:creationId xmlns:p14="http://schemas.microsoft.com/office/powerpoint/2010/main" val="1813334106"/>
       </p:ext>
     </p:extLst>
   </p:cSld>
@@ -647,7 +653,13 @@
   <p:cSld>
     <p:spTree>
       <p:nvGrpSpPr>
-        <p:cNvPr id="1" name=""/>
+        <p:cNvPr id="1" name="">
+          <a:extLst>
+            <a:ext uri="{FF2B5EF4-FFF2-40B4-BE49-F238E27FC236}">
+              <a16:creationId xmlns:a16="http://schemas.microsoft.com/office/drawing/2014/main" id="{63CECBB4-1D5E-E61B-9FE1-4DBF8095DCED}"/>
+            </a:ext>
+          </a:extLst>
+        </p:cNvPr>
         <p:cNvGrpSpPr/>
         <p:nvPr/>
       </p:nvGrpSpPr>
@@ -661,7 +673,13 @@
       </p:grpSpPr>
       <p:sp>
         <p:nvSpPr>
-          <p:cNvPr id="2" name="Slide Image Placeholder 1"/>
+          <p:cNvPr id="2" name="Slide Image Placeholder 1">
+            <a:extLst>
+              <a:ext uri="{FF2B5EF4-FFF2-40B4-BE49-F238E27FC236}">
+                <a16:creationId xmlns:a16="http://schemas.microsoft.com/office/drawing/2014/main" id="{6DDC81FB-DA3F-970A-2112-CCE6231EF794}"/>
+              </a:ext>
+            </a:extLst>
+          </p:cNvPr>
           <p:cNvSpPr>
             <a:spLocks noGrp="1" noRot="1" noChangeAspect="1"/>
           </p:cNvSpPr>
@@ -673,7 +691,13 @@
       </p:sp>
       <p:sp>
         <p:nvSpPr>
-          <p:cNvPr id="3" name="Notes Placeholder 2"/>
+          <p:cNvPr id="3" name="Notes Placeholder 2">
+            <a:extLst>
+              <a:ext uri="{FF2B5EF4-FFF2-40B4-BE49-F238E27FC236}">
+                <a16:creationId xmlns:a16="http://schemas.microsoft.com/office/drawing/2014/main" id="{5C5FE685-9893-2DD6-E21D-75DCF70490FE}"/>
+              </a:ext>
+            </a:extLst>
+          </p:cNvPr>
           <p:cNvSpPr>
             <a:spLocks noGrp="1"/>
           </p:cNvSpPr>
@@ -686,91 +710,19 @@
           <a:bodyPr/>
           <a:lstStyle/>
           <a:p>
-            <a:r>
-              <a:rPr lang="en-CA" sz="1200" b="1" kern="1200" dirty="0">
-                <a:solidFill>
-                  <a:schemeClr val="tx1"/>
-                </a:solidFill>
-                <a:effectLst/>
-                <a:latin typeface="+mn-lt"/>
-                <a:ea typeface="+mn-ea"/>
-                <a:cs typeface="+mn-cs"/>
-              </a:rPr>
-              <a:t>Figure 1:</a:t>
-            </a:r>
-            <a:r>
-              <a:rPr lang="en-CA" sz="1200" kern="1200" dirty="0">
-                <a:solidFill>
-                  <a:schemeClr val="tx1"/>
-                </a:solidFill>
-                <a:effectLst/>
-                <a:latin typeface="+mn-lt"/>
-                <a:ea typeface="+mn-ea"/>
-                <a:cs typeface="+mn-cs"/>
-              </a:rPr>
-              <a:t> </a:t>
-            </a:r>
-            <a:r>
-              <a:rPr lang="en-CA" sz="1200" b="1" kern="1200" dirty="0">
-                <a:solidFill>
-                  <a:schemeClr val="tx1"/>
-                </a:solidFill>
-                <a:effectLst/>
-                <a:latin typeface="+mn-lt"/>
-                <a:ea typeface="+mn-ea"/>
-                <a:cs typeface="+mn-cs"/>
-              </a:rPr>
-              <a:t>Recording of live neuron.</a:t>
-            </a:r>
-            <a:r>
-              <a:rPr lang="en-CA" sz="1200" kern="1200" dirty="0">
-                <a:solidFill>
-                  <a:schemeClr val="tx1"/>
-                </a:solidFill>
-                <a:effectLst/>
-                <a:latin typeface="+mn-lt"/>
-                <a:ea typeface="+mn-ea"/>
-                <a:cs typeface="+mn-cs"/>
-              </a:rPr>
-              <a:t> Stimulating electrode (light blue) stimulates DMH neurons</a:t>
-            </a:r>
-          </a:p>
-          <a:p>
-            <a:r>
-              <a:rPr lang="en-CA" sz="1200" kern="1200" dirty="0">
-                <a:solidFill>
-                  <a:schemeClr val="tx1"/>
-                </a:solidFill>
-                <a:effectLst/>
-                <a:latin typeface="+mn-lt"/>
-                <a:ea typeface="+mn-ea"/>
-                <a:cs typeface="+mn-cs"/>
-              </a:rPr>
-              <a:t>(gray) in the surrounding tissue to release neurotransmitter, while the recording electrode (dark</a:t>
-            </a:r>
-          </a:p>
-          <a:p>
-            <a:r>
-              <a:rPr lang="en-CA" sz="1200" kern="1200" dirty="0">
-                <a:solidFill>
-                  <a:schemeClr val="tx1"/>
-                </a:solidFill>
-                <a:effectLst/>
-                <a:latin typeface="+mn-lt"/>
-                <a:ea typeface="+mn-ea"/>
-                <a:cs typeface="+mn-cs"/>
-              </a:rPr>
-              <a:t>blue) records from the target DMH neuron (pink), visualized at 40X magnification.</a:t>
-            </a:r>
-          </a:p>
-          <a:p>
             <a:endParaRPr lang="en-US" dirty="0"/>
           </a:p>
         </p:txBody>
       </p:sp>
       <p:sp>
         <p:nvSpPr>
-          <p:cNvPr id="4" name="Slide Number Placeholder 3"/>
+          <p:cNvPr id="4" name="Slide Number Placeholder 3">
+            <a:extLst>
+              <a:ext uri="{FF2B5EF4-FFF2-40B4-BE49-F238E27FC236}">
+                <a16:creationId xmlns:a16="http://schemas.microsoft.com/office/drawing/2014/main" id="{E65E989A-67A9-1B5E-1082-2D47B3B3C91C}"/>
+              </a:ext>
+            </a:extLst>
+          </p:cNvPr>
           <p:cNvSpPr>
             <a:spLocks noGrp="1"/>
           </p:cNvSpPr>
@@ -785,7 +737,7 @@
           <a:p>
             <a:fld id="{D984E0C7-4FAE-DF41-A5B4-0D4F28BFF05D}" type="slidenum">
               <a:rPr lang="en-US" smtClean="0"/>
-              <a:t>4</a:t>
+              <a:t>17</a:t>
             </a:fld>
             <a:endParaRPr lang="en-US"/>
           </a:p>
@@ -794,100 +746,7 @@
     </p:spTree>
     <p:extLst>
       <p:ext uri="{BB962C8B-B14F-4D97-AF65-F5344CB8AC3E}">
-        <p14:creationId xmlns:p14="http://schemas.microsoft.com/office/powerpoint/2010/main" val="2026842032"/>
-      </p:ext>
-    </p:extLst>
-  </p:cSld>
-  <p:clrMapOvr>
-    <a:masterClrMapping/>
-  </p:clrMapOvr>
-</p:notes>
-</file>
-
-<file path=ppt/notesSlides/notesSlide4.xml><?xml version="1.0" encoding="utf-8"?>
-<p:notes xmlns:a="http://schemas.openxmlformats.org/drawingml/2006/main" xmlns:r="http://schemas.openxmlformats.org/officeDocument/2006/relationships" xmlns:p="http://schemas.openxmlformats.org/presentationml/2006/main">
-  <p:cSld>
-    <p:spTree>
-      <p:nvGrpSpPr>
-        <p:cNvPr id="1" name=""/>
-        <p:cNvGrpSpPr/>
-        <p:nvPr/>
-      </p:nvGrpSpPr>
-      <p:grpSpPr>
-        <a:xfrm>
-          <a:off x="0" y="0"/>
-          <a:ext cx="0" cy="0"/>
-          <a:chOff x="0" y="0"/>
-          <a:chExt cx="0" cy="0"/>
-        </a:xfrm>
-      </p:grpSpPr>
-      <p:sp>
-        <p:nvSpPr>
-          <p:cNvPr id="2" name="Slide Image Placeholder 1"/>
-          <p:cNvSpPr>
-            <a:spLocks noGrp="1" noRot="1" noChangeAspect="1"/>
-          </p:cNvSpPr>
-          <p:nvPr>
-            <p:ph type="sldImg"/>
-          </p:nvPr>
-        </p:nvSpPr>
-        <p:spPr/>
-      </p:sp>
-      <p:sp>
-        <p:nvSpPr>
-          <p:cNvPr id="3" name="Notes Placeholder 2"/>
-          <p:cNvSpPr>
-            <a:spLocks noGrp="1"/>
-          </p:cNvSpPr>
-          <p:nvPr>
-            <p:ph type="body" idx="1"/>
-          </p:nvPr>
-        </p:nvSpPr>
-        <p:spPr/>
-        <p:txBody>
-          <a:bodyPr/>
-          <a:lstStyle/>
-          <a:p>
-            <a:r>
-              <a:rPr lang="en-US" dirty="0"/>
-              <a:t>Next steps: repeated group</a:t>
-            </a:r>
-          </a:p>
-          <a:p>
-            <a:r>
-              <a:rPr lang="en-US" dirty="0"/>
-              <a:t>Live injections of the medication that blocks corticosterone</a:t>
-            </a:r>
-          </a:p>
-        </p:txBody>
-      </p:sp>
-      <p:sp>
-        <p:nvSpPr>
-          <p:cNvPr id="4" name="Slide Number Placeholder 3"/>
-          <p:cNvSpPr>
-            <a:spLocks noGrp="1"/>
-          </p:cNvSpPr>
-          <p:nvPr>
-            <p:ph type="sldNum" sz="quarter" idx="5"/>
-          </p:nvPr>
-        </p:nvSpPr>
-        <p:spPr/>
-        <p:txBody>
-          <a:bodyPr/>
-          <a:lstStyle/>
-          <a:p>
-            <a:fld id="{D984E0C7-4FAE-DF41-A5B4-0D4F28BFF05D}" type="slidenum">
-              <a:rPr lang="en-US" smtClean="0"/>
-              <a:t>8</a:t>
-            </a:fld>
-            <a:endParaRPr lang="en-US"/>
-          </a:p>
-        </p:txBody>
-      </p:sp>
-    </p:spTree>
-    <p:extLst>
-      <p:ext uri="{BB962C8B-B14F-4D97-AF65-F5344CB8AC3E}">
-        <p14:creationId xmlns:p14="http://schemas.microsoft.com/office/powerpoint/2010/main" val="1813334106"/>
+        <p14:creationId xmlns:p14="http://schemas.microsoft.com/office/powerpoint/2010/main" val="1246048484"/>
       </p:ext>
     </p:extLst>
   </p:cSld>
@@ -4219,182 +4078,7 @@
 </p:sld>
 </file>
 
-<file path=ppt/slides/slide2.xml><?xml version="1.0" encoding="utf-8"?>
-<p:sld xmlns:a="http://schemas.openxmlformats.org/drawingml/2006/main" xmlns:r="http://schemas.openxmlformats.org/officeDocument/2006/relationships" xmlns:p="http://schemas.openxmlformats.org/presentationml/2006/main">
-  <p:cSld>
-    <p:bg>
-      <p:bgPr>
-        <a:solidFill>
-          <a:schemeClr val="bg1"/>
-        </a:solidFill>
-        <a:effectLst/>
-      </p:bgPr>
-    </p:bg>
-    <p:spTree>
-      <p:nvGrpSpPr>
-        <p:cNvPr id="1" name=""/>
-        <p:cNvGrpSpPr/>
-        <p:nvPr/>
-      </p:nvGrpSpPr>
-      <p:grpSpPr>
-        <a:xfrm>
-          <a:off x="0" y="0"/>
-          <a:ext cx="0" cy="0"/>
-          <a:chOff x="0" y="0"/>
-          <a:chExt cx="0" cy="0"/>
-        </a:xfrm>
-      </p:grpSpPr>
-      <p:pic>
-        <p:nvPicPr>
-          <p:cNvPr id="1026" name="Picture 2" descr="A collage of a person in a red jacket&#10;&#10;AI-generated content may be incorrect.">
-            <a:extLst>
-              <a:ext uri="{FF2B5EF4-FFF2-40B4-BE49-F238E27FC236}">
-                <a16:creationId xmlns:a16="http://schemas.microsoft.com/office/drawing/2014/main" id="{B8282E48-87F3-E77C-7745-EC1C93361B9D}"/>
-              </a:ext>
-            </a:extLst>
-          </p:cNvPr>
-          <p:cNvPicPr>
-            <a:picLocks noChangeAspect="1" noChangeArrowheads="1"/>
-          </p:cNvPicPr>
-          <p:nvPr/>
-        </p:nvPicPr>
-        <p:blipFill rotWithShape="1">
-          <a:blip r:embed="rId2">
-            <a:extLst>
-              <a:ext uri="{28A0092B-C50C-407E-A947-70E740481C1C}">
-                <a14:useLocalDpi xmlns:a14="http://schemas.microsoft.com/office/drawing/2010/main" val="0"/>
-              </a:ext>
-            </a:extLst>
-          </a:blip>
-          <a:srcRect t="761" b="851"/>
-          <a:stretch>
-            <a:fillRect/>
-          </a:stretch>
-        </p:blipFill>
-        <p:spPr bwMode="auto">
-          <a:xfrm>
-            <a:off x="1964265" y="85395"/>
-            <a:ext cx="8263469" cy="6687210"/>
-          </a:xfrm>
-          <a:prstGeom prst="rect">
-            <a:avLst/>
-          </a:prstGeom>
-          <a:noFill/>
-          <a:extLst>
-            <a:ext uri="{909E8E84-426E-40DD-AFC4-6F175D3DCCD1}">
-              <a14:hiddenFill xmlns:a14="http://schemas.microsoft.com/office/drawing/2010/main">
-                <a:solidFill>
-                  <a:srgbClr val="FFFFFF"/>
-                </a:solidFill>
-              </a14:hiddenFill>
-            </a:ext>
-          </a:extLst>
-        </p:spPr>
-      </p:pic>
-    </p:spTree>
-    <p:extLst>
-      <p:ext uri="{BB962C8B-B14F-4D97-AF65-F5344CB8AC3E}">
-        <p14:creationId xmlns:p14="http://schemas.microsoft.com/office/powerpoint/2010/main" val="3363339562"/>
-      </p:ext>
-    </p:extLst>
-  </p:cSld>
-  <p:clrMapOvr>
-    <a:masterClrMapping/>
-  </p:clrMapOvr>
-</p:sld>
-</file>
-
-<file path=ppt/slides/slide3.xml><?xml version="1.0" encoding="utf-8"?>
-<p:sld xmlns:a="http://schemas.openxmlformats.org/drawingml/2006/main" xmlns:r="http://schemas.openxmlformats.org/officeDocument/2006/relationships" xmlns:p="http://schemas.openxmlformats.org/presentationml/2006/main">
-  <p:cSld>
-    <p:spTree>
-      <p:nvGrpSpPr>
-        <p:cNvPr id="1" name=""/>
-        <p:cNvGrpSpPr/>
-        <p:nvPr/>
-      </p:nvGrpSpPr>
-      <p:grpSpPr>
-        <a:xfrm>
-          <a:off x="0" y="0"/>
-          <a:ext cx="0" cy="0"/>
-          <a:chOff x="0" y="0"/>
-          <a:chExt cx="0" cy="0"/>
-        </a:xfrm>
-      </p:grpSpPr>
-    </p:spTree>
-    <p:extLst>
-      <p:ext uri="{BB962C8B-B14F-4D97-AF65-F5344CB8AC3E}">
-        <p14:creationId xmlns:p14="http://schemas.microsoft.com/office/powerpoint/2010/main" val="2856039230"/>
-      </p:ext>
-    </p:extLst>
-  </p:cSld>
-  <p:clrMapOvr>
-    <a:masterClrMapping/>
-  </p:clrMapOvr>
-</p:sld>
-</file>
-
-<file path=ppt/slides/slide4.xml><?xml version="1.0" encoding="utf-8"?>
-<p:sld xmlns:a="http://schemas.openxmlformats.org/drawingml/2006/main" xmlns:r="http://schemas.openxmlformats.org/officeDocument/2006/relationships" xmlns:p="http://schemas.openxmlformats.org/presentationml/2006/main">
-  <p:cSld>
-    <p:spTree>
-      <p:nvGrpSpPr>
-        <p:cNvPr id="1" name=""/>
-        <p:cNvGrpSpPr/>
-        <p:nvPr/>
-      </p:nvGrpSpPr>
-      <p:grpSpPr>
-        <a:xfrm>
-          <a:off x="0" y="0"/>
-          <a:ext cx="0" cy="0"/>
-          <a:chOff x="0" y="0"/>
-          <a:chExt cx="0" cy="0"/>
-        </a:xfrm>
-      </p:grpSpPr>
-      <p:pic>
-        <p:nvPicPr>
-          <p:cNvPr id="3" name="Picture 2" descr="A close-up of a cell&#10;&#10;AI-generated content may be incorrect.">
-            <a:extLst>
-              <a:ext uri="{FF2B5EF4-FFF2-40B4-BE49-F238E27FC236}">
-                <a16:creationId xmlns:a16="http://schemas.microsoft.com/office/drawing/2014/main" id="{50231ADA-EF4C-5599-D32E-C510C2BAD69E}"/>
-              </a:ext>
-            </a:extLst>
-          </p:cNvPr>
-          <p:cNvPicPr>
-            <a:picLocks noChangeAspect="1"/>
-          </p:cNvPicPr>
-          <p:nvPr/>
-        </p:nvPicPr>
-        <p:blipFill>
-          <a:blip r:embed="rId3"/>
-          <a:stretch>
-            <a:fillRect/>
-          </a:stretch>
-        </p:blipFill>
-        <p:spPr>
-          <a:xfrm>
-            <a:off x="258323" y="1302418"/>
-            <a:ext cx="11675353" cy="4253164"/>
-          </a:xfrm>
-          <a:prstGeom prst="rect">
-            <a:avLst/>
-          </a:prstGeom>
-        </p:spPr>
-      </p:pic>
-    </p:spTree>
-    <p:extLst>
-      <p:ext uri="{BB962C8B-B14F-4D97-AF65-F5344CB8AC3E}">
-        <p14:creationId xmlns:p14="http://schemas.microsoft.com/office/powerpoint/2010/main" val="558435855"/>
-      </p:ext>
-    </p:extLst>
-  </p:cSld>
-  <p:clrMapOvr>
-    <a:masterClrMapping/>
-  </p:clrMapOvr>
-</p:sld>
-</file>
-
-<file path=ppt/slides/slide5.xml><?xml version="1.0" encoding="utf-8"?>
+<file path=ppt/slides/slide10.xml><?xml version="1.0" encoding="utf-8"?>
 <p:sld xmlns:a="http://schemas.openxmlformats.org/drawingml/2006/main" xmlns:r="http://schemas.openxmlformats.org/officeDocument/2006/relationships" xmlns:p="http://schemas.openxmlformats.org/presentationml/2006/main">
   <p:cSld>
     <p:bg>
@@ -4606,7 +4290,7 @@
 </p:sld>
 </file>
 
-<file path=ppt/slides/slide6.xml><?xml version="1.0" encoding="utf-8"?>
+<file path=ppt/slides/slide11.xml><?xml version="1.0" encoding="utf-8"?>
 <p:sld xmlns:a="http://schemas.openxmlformats.org/drawingml/2006/main" xmlns:r="http://schemas.openxmlformats.org/officeDocument/2006/relationships" xmlns:p="http://schemas.openxmlformats.org/presentationml/2006/main">
   <p:cSld>
     <p:bg>
@@ -4832,7 +4516,7 @@
 </p:sld>
 </file>
 
-<file path=ppt/slides/slide7.xml><?xml version="1.0" encoding="utf-8"?>
+<file path=ppt/slides/slide12.xml><?xml version="1.0" encoding="utf-8"?>
 <p:sld xmlns:a="http://schemas.openxmlformats.org/drawingml/2006/main" xmlns:r="http://schemas.openxmlformats.org/officeDocument/2006/relationships" xmlns:p="http://schemas.openxmlformats.org/presentationml/2006/main">
   <p:cSld>
     <p:bg>
@@ -4975,7 +4659,7 @@
         <p:spPr>
           <a:xfrm>
             <a:off x="2346828" y="5407783"/>
-            <a:ext cx="7279105" cy="830997"/>
+            <a:ext cx="8440621" cy="830997"/>
           </a:xfrm>
           <a:prstGeom prst="rect">
             <a:avLst/>
@@ -4994,6 +4678,15 @@
                 <a:latin typeface="Trebuchet MS" panose="020B0703020202090204" pitchFamily="34" charset="0"/>
               </a:rPr>
               <a:t>Acute stress decreases evoked excitatory current amplitude after HFS </a:t>
+            </a:r>
+            <a:r>
+              <a:rPr lang="en-US" sz="2400" dirty="0">
+                <a:solidFill>
+                  <a:srgbClr val="FF0000"/>
+                </a:solidFill>
+                <a:latin typeface="Trebuchet MS" panose="020B0703020202090204" pitchFamily="34" charset="0"/>
+              </a:rPr>
+              <a:t>(statistically) </a:t>
             </a:r>
             <a:r>
               <a:rPr lang="en-US" sz="2400" dirty="0">
@@ -5002,8 +4695,14 @@
                 </a:solidFill>
                 <a:latin typeface="Trebuchet MS" panose="020B0703020202090204" pitchFamily="34" charset="0"/>
               </a:rPr>
-              <a:t>independently of CB1Rs</a:t>
-            </a:r>
+              <a:t>depending on CB1Rs</a:t>
+            </a:r>
+            <a:endParaRPr lang="en-US" sz="2400" dirty="0">
+              <a:solidFill>
+                <a:srgbClr val="FF0000"/>
+              </a:solidFill>
+              <a:latin typeface="Trebuchet MS" panose="020B0703020202090204" pitchFamily="34" charset="0"/>
+            </a:endParaRPr>
           </a:p>
         </p:txBody>
       </p:sp>
@@ -5058,7 +4757,7 @@
 </p:sld>
 </file>
 
-<file path=ppt/slides/slide8.xml><?xml version="1.0" encoding="utf-8"?>
+<file path=ppt/slides/slide13.xml><?xml version="1.0" encoding="utf-8"?>
 <p:sld xmlns:a="http://schemas.openxmlformats.org/drawingml/2006/main" xmlns:r="http://schemas.openxmlformats.org/officeDocument/2006/relationships" xmlns:p="http://schemas.openxmlformats.org/presentationml/2006/main">
   <p:cSld>
     <p:spTree>
@@ -5075,10 +4774,5938 @@
           <a:chExt cx="0" cy="0"/>
         </a:xfrm>
       </p:grpSpPr>
+      <p:pic>
+        <p:nvPicPr>
+          <p:cNvPr id="3" name="Picture 2" descr="A graph of a number of dots&#10;&#10;AI-generated content may be incorrect.">
+            <a:extLst>
+              <a:ext uri="{FF2B5EF4-FFF2-40B4-BE49-F238E27FC236}">
+                <a16:creationId xmlns:a16="http://schemas.microsoft.com/office/drawing/2014/main" id="{BB076852-7D8E-E0DE-8A6B-94CD2F71B861}"/>
+              </a:ext>
+            </a:extLst>
+          </p:cNvPr>
+          <p:cNvPicPr>
+            <a:picLocks noChangeAspect="1"/>
+          </p:cNvPicPr>
+          <p:nvPr/>
+        </p:nvPicPr>
+        <p:blipFill>
+          <a:blip r:embed="rId2"/>
+          <a:stretch>
+            <a:fillRect/>
+          </a:stretch>
+        </p:blipFill>
+        <p:spPr>
+          <a:xfrm>
+            <a:off x="1641389" y="1053658"/>
+            <a:ext cx="7772400" cy="5551714"/>
+          </a:xfrm>
+          <a:prstGeom prst="rect">
+            <a:avLst/>
+          </a:prstGeom>
+        </p:spPr>
+      </p:pic>
+      <p:sp>
+        <p:nvSpPr>
+          <p:cNvPr id="4" name="TextBox 3">
+            <a:extLst>
+              <a:ext uri="{FF2B5EF4-FFF2-40B4-BE49-F238E27FC236}">
+                <a16:creationId xmlns:a16="http://schemas.microsoft.com/office/drawing/2014/main" id="{73BC7780-6C86-85E7-64A6-9A9D917E5249}"/>
+              </a:ext>
+            </a:extLst>
+          </p:cNvPr>
+          <p:cNvSpPr txBox="1"/>
+          <p:nvPr/>
+        </p:nvSpPr>
+        <p:spPr>
+          <a:xfrm>
+            <a:off x="3892379" y="1121620"/>
+            <a:ext cx="4073708" cy="369332"/>
+          </a:xfrm>
+          <a:prstGeom prst="rect">
+            <a:avLst/>
+          </a:prstGeom>
+          <a:noFill/>
+        </p:spPr>
+        <p:txBody>
+          <a:bodyPr wrap="square" rtlCol="0">
+            <a:spAutoFit/>
+          </a:bodyPr>
+          <a:lstStyle/>
+          <a:p>
+            <a:pPr algn="ctr"/>
+            <a:r>
+              <a:rPr lang="en-US" dirty="0">
+                <a:latin typeface="Trebuchet MS" panose="020B0703020202090204" pitchFamily="34" charset="0"/>
+              </a:rPr>
+              <a:t>Repeated Stress + Control Treatment</a:t>
+            </a:r>
+          </a:p>
+        </p:txBody>
+      </p:sp>
+    </p:spTree>
+    <p:extLst>
+      <p:ext uri="{BB962C8B-B14F-4D97-AF65-F5344CB8AC3E}">
+        <p14:creationId xmlns:p14="http://schemas.microsoft.com/office/powerpoint/2010/main" val="2338657142"/>
+      </p:ext>
+    </p:extLst>
+  </p:cSld>
+  <p:clrMapOvr>
+    <a:masterClrMapping/>
+  </p:clrMapOvr>
+</p:sld>
+</file>
+
+<file path=ppt/slides/slide14.xml><?xml version="1.0" encoding="utf-8"?>
+<p:sld xmlns:a="http://schemas.openxmlformats.org/drawingml/2006/main" xmlns:r="http://schemas.openxmlformats.org/officeDocument/2006/relationships" xmlns:p="http://schemas.openxmlformats.org/presentationml/2006/main">
+  <p:cSld>
+    <p:spTree>
+      <p:nvGrpSpPr>
+        <p:cNvPr id="1" name=""/>
+        <p:cNvGrpSpPr/>
+        <p:nvPr/>
+      </p:nvGrpSpPr>
+      <p:grpSpPr>
+        <a:xfrm>
+          <a:off x="0" y="0"/>
+          <a:ext cx="0" cy="0"/>
+          <a:chOff x="0" y="0"/>
+          <a:chExt cx="0" cy="0"/>
+        </a:xfrm>
+      </p:grpSpPr>
+      <p:pic>
+        <p:nvPicPr>
+          <p:cNvPr id="3" name="Picture 2">
+            <a:extLst>
+              <a:ext uri="{FF2B5EF4-FFF2-40B4-BE49-F238E27FC236}">
+                <a16:creationId xmlns:a16="http://schemas.microsoft.com/office/drawing/2014/main" id="{D3C50A49-8A5E-9ADF-FBA0-0C571A872CA0}"/>
+              </a:ext>
+            </a:extLst>
+          </p:cNvPr>
+          <p:cNvPicPr>
+            <a:picLocks noChangeAspect="1"/>
+          </p:cNvPicPr>
+          <p:nvPr/>
+        </p:nvPicPr>
+        <p:blipFill>
+          <a:blip r:embed="rId2"/>
+          <a:stretch>
+            <a:fillRect/>
+          </a:stretch>
+        </p:blipFill>
+        <p:spPr>
+          <a:xfrm>
+            <a:off x="578710" y="829926"/>
+            <a:ext cx="7772400" cy="5551714"/>
+          </a:xfrm>
+          <a:prstGeom prst="rect">
+            <a:avLst/>
+          </a:prstGeom>
+        </p:spPr>
+      </p:pic>
+      <p:sp>
+        <p:nvSpPr>
+          <p:cNvPr id="5" name="TextBox 4">
+            <a:extLst>
+              <a:ext uri="{FF2B5EF4-FFF2-40B4-BE49-F238E27FC236}">
+                <a16:creationId xmlns:a16="http://schemas.microsoft.com/office/drawing/2014/main" id="{C952D33C-B622-DA5A-5874-55495DDD6983}"/>
+              </a:ext>
+            </a:extLst>
+          </p:cNvPr>
+          <p:cNvSpPr txBox="1"/>
+          <p:nvPr/>
+        </p:nvSpPr>
+        <p:spPr>
+          <a:xfrm>
+            <a:off x="8649729" y="2266955"/>
+            <a:ext cx="2592859" cy="2677656"/>
+          </a:xfrm>
+          <a:prstGeom prst="rect">
+            <a:avLst/>
+          </a:prstGeom>
+          <a:noFill/>
+        </p:spPr>
+        <p:txBody>
+          <a:bodyPr wrap="square" rtlCol="0">
+            <a:spAutoFit/>
+          </a:bodyPr>
+          <a:lstStyle/>
+          <a:p>
+            <a:pPr algn="ctr"/>
+            <a:r>
+              <a:rPr lang="en-US" sz="2400" dirty="0">
+                <a:latin typeface="Trebuchet MS" panose="020B0703020202090204" pitchFamily="34" charset="0"/>
+              </a:rPr>
+              <a:t>Acute stress decreases the probability of glutamate release after HFS </a:t>
+            </a:r>
+            <a:r>
+              <a:rPr lang="en-US" sz="2400" dirty="0">
+                <a:solidFill>
+                  <a:srgbClr val="EB647E"/>
+                </a:solidFill>
+                <a:latin typeface="Trebuchet MS" panose="020B0703020202090204" pitchFamily="34" charset="0"/>
+              </a:rPr>
+              <a:t>in females but not males</a:t>
+            </a:r>
+          </a:p>
+        </p:txBody>
+      </p:sp>
+      <p:sp>
+        <p:nvSpPr>
+          <p:cNvPr id="6" name="TextBox 5">
+            <a:extLst>
+              <a:ext uri="{FF2B5EF4-FFF2-40B4-BE49-F238E27FC236}">
+                <a16:creationId xmlns:a16="http://schemas.microsoft.com/office/drawing/2014/main" id="{9C4E838A-CA6F-5658-E2C5-0B5C8001BC15}"/>
+              </a:ext>
+            </a:extLst>
+          </p:cNvPr>
+          <p:cNvSpPr txBox="1"/>
+          <p:nvPr/>
+        </p:nvSpPr>
+        <p:spPr>
+          <a:xfrm>
+            <a:off x="3296534" y="645260"/>
+            <a:ext cx="3705726" cy="369332"/>
+          </a:xfrm>
+          <a:prstGeom prst="rect">
+            <a:avLst/>
+          </a:prstGeom>
+          <a:noFill/>
+        </p:spPr>
+        <p:txBody>
+          <a:bodyPr wrap="square" rtlCol="0">
+            <a:spAutoFit/>
+          </a:bodyPr>
+          <a:lstStyle/>
+          <a:p>
+            <a:pPr algn="ctr"/>
+            <a:r>
+              <a:rPr lang="en-US" dirty="0">
+                <a:latin typeface="Trebuchet MS" panose="020B0703020202090204" pitchFamily="34" charset="0"/>
+              </a:rPr>
+              <a:t>Acute Stress + Control Treatment</a:t>
+            </a:r>
+          </a:p>
+        </p:txBody>
+      </p:sp>
+    </p:spTree>
+    <p:extLst>
+      <p:ext uri="{BB962C8B-B14F-4D97-AF65-F5344CB8AC3E}">
+        <p14:creationId xmlns:p14="http://schemas.microsoft.com/office/powerpoint/2010/main" val="3176065296"/>
+      </p:ext>
+    </p:extLst>
+  </p:cSld>
+  <p:clrMapOvr>
+    <a:masterClrMapping/>
+  </p:clrMapOvr>
+</p:sld>
+</file>
+
+<file path=ppt/slides/slide15.xml><?xml version="1.0" encoding="utf-8"?>
+<p:sld xmlns:a="http://schemas.openxmlformats.org/drawingml/2006/main" xmlns:r="http://schemas.openxmlformats.org/officeDocument/2006/relationships" xmlns:p="http://schemas.openxmlformats.org/presentationml/2006/main">
+  <p:cSld>
+    <p:spTree>
+      <p:nvGrpSpPr>
+        <p:cNvPr id="1" name=""/>
+        <p:cNvGrpSpPr/>
+        <p:nvPr/>
+      </p:nvGrpSpPr>
+      <p:grpSpPr>
+        <a:xfrm>
+          <a:off x="0" y="0"/>
+          <a:ext cx="0" cy="0"/>
+          <a:chOff x="0" y="0"/>
+          <a:chExt cx="0" cy="0"/>
+        </a:xfrm>
+      </p:grpSpPr>
+      <p:pic>
+        <p:nvPicPr>
+          <p:cNvPr id="3" name="Picture 2" descr="A graph of a patient's reaction&#10;&#10;AI-generated content may be incorrect.">
+            <a:extLst>
+              <a:ext uri="{FF2B5EF4-FFF2-40B4-BE49-F238E27FC236}">
+                <a16:creationId xmlns:a16="http://schemas.microsoft.com/office/drawing/2014/main" id="{7246BB3C-DCE2-5A14-573C-CE9664D4B08B}"/>
+              </a:ext>
+            </a:extLst>
+          </p:cNvPr>
+          <p:cNvPicPr>
+            <a:picLocks noChangeAspect="1"/>
+          </p:cNvPicPr>
+          <p:nvPr/>
+        </p:nvPicPr>
+        <p:blipFill>
+          <a:blip r:embed="rId2"/>
+          <a:stretch>
+            <a:fillRect/>
+          </a:stretch>
+        </p:blipFill>
+        <p:spPr>
+          <a:xfrm>
+            <a:off x="471618" y="825991"/>
+            <a:ext cx="7980403" cy="5700288"/>
+          </a:xfrm>
+          <a:prstGeom prst="rect">
+            <a:avLst/>
+          </a:prstGeom>
+        </p:spPr>
+      </p:pic>
+      <p:sp>
+        <p:nvSpPr>
+          <p:cNvPr id="4" name="TextBox 3">
+            <a:extLst>
+              <a:ext uri="{FF2B5EF4-FFF2-40B4-BE49-F238E27FC236}">
+                <a16:creationId xmlns:a16="http://schemas.microsoft.com/office/drawing/2014/main" id="{32EC8C99-F61D-D00D-7AC3-28C58ACB6FCB}"/>
+              </a:ext>
+            </a:extLst>
+          </p:cNvPr>
+          <p:cNvSpPr txBox="1"/>
+          <p:nvPr/>
+        </p:nvSpPr>
+        <p:spPr>
+          <a:xfrm>
+            <a:off x="8452021" y="2090172"/>
+            <a:ext cx="2667000" cy="2677656"/>
+          </a:xfrm>
+          <a:prstGeom prst="rect">
+            <a:avLst/>
+          </a:prstGeom>
+          <a:noFill/>
+        </p:spPr>
+        <p:txBody>
+          <a:bodyPr wrap="square" rtlCol="0">
+            <a:spAutoFit/>
+          </a:bodyPr>
+          <a:lstStyle/>
+          <a:p>
+            <a:pPr algn="ctr"/>
+            <a:r>
+              <a:rPr lang="en-US" sz="2400" dirty="0">
+                <a:latin typeface="Trebuchet MS" panose="020B0703020202090204" pitchFamily="34" charset="0"/>
+              </a:rPr>
+              <a:t>The effect of acute stress on the probability of glutamate release after HFS </a:t>
+            </a:r>
+            <a:r>
+              <a:rPr lang="en-US" sz="2400" dirty="0">
+                <a:solidFill>
+                  <a:srgbClr val="C11C84"/>
+                </a:solidFill>
+                <a:latin typeface="Trebuchet MS" panose="020B0703020202090204" pitchFamily="34" charset="0"/>
+              </a:rPr>
+              <a:t>is dependent on CB1Rs</a:t>
+            </a:r>
+          </a:p>
+        </p:txBody>
+      </p:sp>
+    </p:spTree>
+    <p:extLst>
+      <p:ext uri="{BB962C8B-B14F-4D97-AF65-F5344CB8AC3E}">
+        <p14:creationId xmlns:p14="http://schemas.microsoft.com/office/powerpoint/2010/main" val="651577082"/>
+      </p:ext>
+    </p:extLst>
+  </p:cSld>
+  <p:clrMapOvr>
+    <a:masterClrMapping/>
+  </p:clrMapOvr>
+</p:sld>
+</file>
+
+<file path=ppt/slides/slide16.xml><?xml version="1.0" encoding="utf-8"?>
+<p:sld xmlns:a="http://schemas.openxmlformats.org/drawingml/2006/main" xmlns:r="http://schemas.openxmlformats.org/officeDocument/2006/relationships" xmlns:p="http://schemas.openxmlformats.org/presentationml/2006/main">
+  <p:cSld>
+    <p:bg>
+      <p:bgPr>
+        <a:solidFill>
+          <a:schemeClr val="bg1"/>
+        </a:solidFill>
+        <a:effectLst/>
+      </p:bgPr>
+    </p:bg>
+    <p:spTree>
+      <p:nvGrpSpPr>
+        <p:cNvPr id="1" name=""/>
+        <p:cNvGrpSpPr/>
+        <p:nvPr/>
+      </p:nvGrpSpPr>
+      <p:grpSpPr>
+        <a:xfrm>
+          <a:off x="0" y="0"/>
+          <a:ext cx="0" cy="0"/>
+          <a:chOff x="0" y="0"/>
+          <a:chExt cx="0" cy="0"/>
+        </a:xfrm>
+      </p:grpSpPr>
+      <p:pic>
+        <p:nvPicPr>
+          <p:cNvPr id="3" name="Picture 2">
+            <a:extLst>
+              <a:ext uri="{FF2B5EF4-FFF2-40B4-BE49-F238E27FC236}">
+                <a16:creationId xmlns:a16="http://schemas.microsoft.com/office/drawing/2014/main" id="{FE531048-2B54-F0B6-0F8C-528288219B25}"/>
+              </a:ext>
+            </a:extLst>
+          </p:cNvPr>
+          <p:cNvPicPr>
+            <a:picLocks noChangeAspect="1"/>
+          </p:cNvPicPr>
+          <p:nvPr/>
+        </p:nvPicPr>
+        <p:blipFill>
+          <a:blip r:embed="rId3"/>
+          <a:srcRect/>
+          <a:stretch/>
+        </p:blipFill>
+        <p:spPr>
+          <a:xfrm>
+            <a:off x="396105" y="1130198"/>
+            <a:ext cx="5985747" cy="4277584"/>
+          </a:xfrm>
+          <a:prstGeom prst="rect">
+            <a:avLst/>
+          </a:prstGeom>
+        </p:spPr>
+      </p:pic>
+      <p:pic>
+        <p:nvPicPr>
+          <p:cNvPr id="5" name="Picture 4">
+            <a:extLst>
+              <a:ext uri="{FF2B5EF4-FFF2-40B4-BE49-F238E27FC236}">
+                <a16:creationId xmlns:a16="http://schemas.microsoft.com/office/drawing/2014/main" id="{6E9B4E67-B7D3-D138-FD0D-0D896435A8CB}"/>
+              </a:ext>
+            </a:extLst>
+          </p:cNvPr>
+          <p:cNvPicPr>
+            <a:picLocks noChangeAspect="1"/>
+          </p:cNvPicPr>
+          <p:nvPr/>
+        </p:nvPicPr>
+        <p:blipFill>
+          <a:blip r:embed="rId4"/>
+          <a:srcRect/>
+          <a:stretch/>
+        </p:blipFill>
+        <p:spPr>
+          <a:xfrm>
+            <a:off x="6009504" y="1130199"/>
+            <a:ext cx="5985748" cy="4277584"/>
+          </a:xfrm>
+          <a:prstGeom prst="rect">
+            <a:avLst/>
+          </a:prstGeom>
+        </p:spPr>
+      </p:pic>
+      <p:sp>
+        <p:nvSpPr>
+          <p:cNvPr id="9" name="TextBox 8">
+            <a:extLst>
+              <a:ext uri="{FF2B5EF4-FFF2-40B4-BE49-F238E27FC236}">
+                <a16:creationId xmlns:a16="http://schemas.microsoft.com/office/drawing/2014/main" id="{B430AEBE-B90F-B4BF-D5F7-498465A2B060}"/>
+              </a:ext>
+            </a:extLst>
+          </p:cNvPr>
+          <p:cNvSpPr txBox="1"/>
+          <p:nvPr/>
+        </p:nvSpPr>
+        <p:spPr>
+          <a:xfrm>
+            <a:off x="2023788" y="945531"/>
+            <a:ext cx="3705726" cy="369332"/>
+          </a:xfrm>
+          <a:prstGeom prst="rect">
+            <a:avLst/>
+          </a:prstGeom>
+          <a:noFill/>
+        </p:spPr>
+        <p:txBody>
+          <a:bodyPr wrap="square" rtlCol="0">
+            <a:spAutoFit/>
+          </a:bodyPr>
+          <a:lstStyle/>
+          <a:p>
+            <a:pPr algn="ctr"/>
+            <a:r>
+              <a:rPr lang="en-US" dirty="0">
+                <a:latin typeface="Trebuchet MS" panose="020B0703020202090204" pitchFamily="34" charset="0"/>
+              </a:rPr>
+              <a:t>Acute Stress + Control Treatment</a:t>
+            </a:r>
+          </a:p>
+        </p:txBody>
+      </p:sp>
+      <p:sp>
+        <p:nvSpPr>
+          <p:cNvPr id="10" name="TextBox 9">
+            <a:extLst>
+              <a:ext uri="{FF2B5EF4-FFF2-40B4-BE49-F238E27FC236}">
+                <a16:creationId xmlns:a16="http://schemas.microsoft.com/office/drawing/2014/main" id="{A6AC7314-826B-009A-3F89-12DD68716AF6}"/>
+              </a:ext>
+            </a:extLst>
+          </p:cNvPr>
+          <p:cNvSpPr txBox="1"/>
+          <p:nvPr/>
+        </p:nvSpPr>
+        <p:spPr>
+          <a:xfrm>
+            <a:off x="7335689" y="945531"/>
+            <a:ext cx="3705726" cy="369332"/>
+          </a:xfrm>
+          <a:prstGeom prst="rect">
+            <a:avLst/>
+          </a:prstGeom>
+          <a:noFill/>
+        </p:spPr>
+        <p:txBody>
+          <a:bodyPr wrap="square" rtlCol="0">
+            <a:spAutoFit/>
+          </a:bodyPr>
+          <a:lstStyle/>
+          <a:p>
+            <a:pPr algn="ctr"/>
+            <a:r>
+              <a:rPr lang="en-US" dirty="0">
+                <a:latin typeface="Trebuchet MS" panose="020B0703020202090204" pitchFamily="34" charset="0"/>
+              </a:rPr>
+              <a:t>Acute Stress + AM251</a:t>
+            </a:r>
+          </a:p>
+        </p:txBody>
+      </p:sp>
+      <p:sp>
+        <p:nvSpPr>
+          <p:cNvPr id="11" name="TextBox 10">
+            <a:extLst>
+              <a:ext uri="{FF2B5EF4-FFF2-40B4-BE49-F238E27FC236}">
+                <a16:creationId xmlns:a16="http://schemas.microsoft.com/office/drawing/2014/main" id="{1B7896E2-1964-1D22-35B3-91343461D258}"/>
+              </a:ext>
+            </a:extLst>
+          </p:cNvPr>
+          <p:cNvSpPr txBox="1"/>
+          <p:nvPr/>
+        </p:nvSpPr>
+        <p:spPr>
+          <a:xfrm>
+            <a:off x="2346828" y="5407783"/>
+            <a:ext cx="7279105" cy="830997"/>
+          </a:xfrm>
+          <a:prstGeom prst="rect">
+            <a:avLst/>
+          </a:prstGeom>
+          <a:noFill/>
+        </p:spPr>
+        <p:txBody>
+          <a:bodyPr wrap="square" rtlCol="0">
+            <a:spAutoFit/>
+          </a:bodyPr>
+          <a:lstStyle/>
+          <a:p>
+            <a:pPr algn="ctr"/>
+            <a:r>
+              <a:rPr lang="en-US" sz="2400" dirty="0">
+                <a:latin typeface="Trebuchet MS" panose="020B0703020202090204" pitchFamily="34" charset="0"/>
+              </a:rPr>
+              <a:t>Acute stress decreases AP peak amplitude after HFS </a:t>
+            </a:r>
+            <a:r>
+              <a:rPr lang="en-US" sz="2400" dirty="0">
+                <a:solidFill>
+                  <a:srgbClr val="C11C84"/>
+                </a:solidFill>
+                <a:latin typeface="Trebuchet MS" panose="020B0703020202090204" pitchFamily="34" charset="0"/>
+              </a:rPr>
+              <a:t>depending on CB1Rs</a:t>
+            </a:r>
+          </a:p>
+        </p:txBody>
+      </p:sp>
     </p:spTree>
     <p:extLst>
       <p:ext uri="{BB962C8B-B14F-4D97-AF65-F5344CB8AC3E}">
         <p14:creationId xmlns:p14="http://schemas.microsoft.com/office/powerpoint/2010/main" val="4170769558"/>
+      </p:ext>
+    </p:extLst>
+  </p:cSld>
+  <p:clrMapOvr>
+    <a:masterClrMapping/>
+  </p:clrMapOvr>
+</p:sld>
+</file>
+
+<file path=ppt/slides/slide17.xml><?xml version="1.0" encoding="utf-8"?>
+<p:sld xmlns:a="http://schemas.openxmlformats.org/drawingml/2006/main" xmlns:r="http://schemas.openxmlformats.org/officeDocument/2006/relationships" xmlns:p="http://schemas.openxmlformats.org/presentationml/2006/main">
+  <p:cSld>
+    <p:bg>
+      <p:bgPr>
+        <a:solidFill>
+          <a:schemeClr val="bg1"/>
+        </a:solidFill>
+        <a:effectLst/>
+      </p:bgPr>
+    </p:bg>
+    <p:spTree>
+      <p:nvGrpSpPr>
+        <p:cNvPr id="1" name="">
+          <a:extLst>
+            <a:ext uri="{FF2B5EF4-FFF2-40B4-BE49-F238E27FC236}">
+              <a16:creationId xmlns:a16="http://schemas.microsoft.com/office/drawing/2014/main" id="{CEDE5DF8-1F95-5E24-F55C-4DA7994C4E6E}"/>
+            </a:ext>
+          </a:extLst>
+        </p:cNvPr>
+        <p:cNvGrpSpPr/>
+        <p:nvPr/>
+      </p:nvGrpSpPr>
+      <p:grpSpPr>
+        <a:xfrm>
+          <a:off x="0" y="0"/>
+          <a:ext cx="0" cy="0"/>
+          <a:chOff x="0" y="0"/>
+          <a:chExt cx="0" cy="0"/>
+        </a:xfrm>
+      </p:grpSpPr>
+      <p:pic>
+        <p:nvPicPr>
+          <p:cNvPr id="3" name="Picture 2">
+            <a:extLst>
+              <a:ext uri="{FF2B5EF4-FFF2-40B4-BE49-F238E27FC236}">
+                <a16:creationId xmlns:a16="http://schemas.microsoft.com/office/drawing/2014/main" id="{09DA500A-A77A-54DA-C5F3-544E9D0785C4}"/>
+              </a:ext>
+            </a:extLst>
+          </p:cNvPr>
+          <p:cNvPicPr>
+            <a:picLocks noChangeAspect="1"/>
+          </p:cNvPicPr>
+          <p:nvPr/>
+        </p:nvPicPr>
+        <p:blipFill>
+          <a:blip r:embed="rId3"/>
+          <a:srcRect/>
+          <a:stretch/>
+        </p:blipFill>
+        <p:spPr>
+          <a:xfrm>
+            <a:off x="184392" y="1196456"/>
+            <a:ext cx="5976898" cy="4277584"/>
+          </a:xfrm>
+          <a:prstGeom prst="rect">
+            <a:avLst/>
+          </a:prstGeom>
+        </p:spPr>
+      </p:pic>
+      <p:pic>
+        <p:nvPicPr>
+          <p:cNvPr id="5" name="Picture 4">
+            <a:extLst>
+              <a:ext uri="{FF2B5EF4-FFF2-40B4-BE49-F238E27FC236}">
+                <a16:creationId xmlns:a16="http://schemas.microsoft.com/office/drawing/2014/main" id="{E18E5B65-1553-C590-7B36-64E86003B899}"/>
+              </a:ext>
+            </a:extLst>
+          </p:cNvPr>
+          <p:cNvPicPr>
+            <a:picLocks noChangeAspect="1"/>
+          </p:cNvPicPr>
+          <p:nvPr/>
+        </p:nvPicPr>
+        <p:blipFill>
+          <a:blip r:embed="rId4"/>
+          <a:srcRect/>
+          <a:stretch/>
+        </p:blipFill>
+        <p:spPr>
+          <a:xfrm>
+            <a:off x="6096000" y="1206876"/>
+            <a:ext cx="5985748" cy="4267164"/>
+          </a:xfrm>
+          <a:prstGeom prst="rect">
+            <a:avLst/>
+          </a:prstGeom>
+        </p:spPr>
+      </p:pic>
+      <p:sp>
+        <p:nvSpPr>
+          <p:cNvPr id="9" name="TextBox 8">
+            <a:extLst>
+              <a:ext uri="{FF2B5EF4-FFF2-40B4-BE49-F238E27FC236}">
+                <a16:creationId xmlns:a16="http://schemas.microsoft.com/office/drawing/2014/main" id="{4799D4F2-3E70-75FA-3C20-4ED2797414DA}"/>
+              </a:ext>
+            </a:extLst>
+          </p:cNvPr>
+          <p:cNvSpPr txBox="1"/>
+          <p:nvPr/>
+        </p:nvSpPr>
+        <p:spPr>
+          <a:xfrm>
+            <a:off x="2036144" y="1011788"/>
+            <a:ext cx="3705726" cy="369332"/>
+          </a:xfrm>
+          <a:prstGeom prst="rect">
+            <a:avLst/>
+          </a:prstGeom>
+          <a:noFill/>
+        </p:spPr>
+        <p:txBody>
+          <a:bodyPr wrap="square" rtlCol="0">
+            <a:spAutoFit/>
+          </a:bodyPr>
+          <a:lstStyle/>
+          <a:p>
+            <a:pPr algn="ctr"/>
+            <a:r>
+              <a:rPr lang="en-US" dirty="0">
+                <a:latin typeface="Trebuchet MS" panose="020B0703020202090204" pitchFamily="34" charset="0"/>
+              </a:rPr>
+              <a:t>Acute Stress + Control Treatment</a:t>
+            </a:r>
+          </a:p>
+        </p:txBody>
+      </p:sp>
+      <p:sp>
+        <p:nvSpPr>
+          <p:cNvPr id="10" name="TextBox 9">
+            <a:extLst>
+              <a:ext uri="{FF2B5EF4-FFF2-40B4-BE49-F238E27FC236}">
+                <a16:creationId xmlns:a16="http://schemas.microsoft.com/office/drawing/2014/main" id="{D230A759-29E4-4173-420D-24713BDCD190}"/>
+              </a:ext>
+            </a:extLst>
+          </p:cNvPr>
+          <p:cNvSpPr txBox="1"/>
+          <p:nvPr/>
+        </p:nvSpPr>
+        <p:spPr>
+          <a:xfrm>
+            <a:off x="7348045" y="1011788"/>
+            <a:ext cx="3705726" cy="369332"/>
+          </a:xfrm>
+          <a:prstGeom prst="rect">
+            <a:avLst/>
+          </a:prstGeom>
+          <a:noFill/>
+        </p:spPr>
+        <p:txBody>
+          <a:bodyPr wrap="square" rtlCol="0">
+            <a:spAutoFit/>
+          </a:bodyPr>
+          <a:lstStyle/>
+          <a:p>
+            <a:pPr algn="ctr"/>
+            <a:r>
+              <a:rPr lang="en-US" dirty="0">
+                <a:latin typeface="Trebuchet MS" panose="020B0703020202090204" pitchFamily="34" charset="0"/>
+              </a:rPr>
+              <a:t>Acute Stress + AM251</a:t>
+            </a:r>
+          </a:p>
+        </p:txBody>
+      </p:sp>
+      <p:sp>
+        <p:nvSpPr>
+          <p:cNvPr id="8" name="TextBox 7">
+            <a:extLst>
+              <a:ext uri="{FF2B5EF4-FFF2-40B4-BE49-F238E27FC236}">
+                <a16:creationId xmlns:a16="http://schemas.microsoft.com/office/drawing/2014/main" id="{23985F55-6E8D-6DEF-536A-07667C78B25B}"/>
+              </a:ext>
+            </a:extLst>
+          </p:cNvPr>
+          <p:cNvSpPr txBox="1"/>
+          <p:nvPr/>
+        </p:nvSpPr>
+        <p:spPr>
+          <a:xfrm>
+            <a:off x="2346828" y="5407783"/>
+            <a:ext cx="7279105" cy="830997"/>
+          </a:xfrm>
+          <a:prstGeom prst="rect">
+            <a:avLst/>
+          </a:prstGeom>
+          <a:noFill/>
+        </p:spPr>
+        <p:txBody>
+          <a:bodyPr wrap="square" rtlCol="0">
+            <a:spAutoFit/>
+          </a:bodyPr>
+          <a:lstStyle/>
+          <a:p>
+            <a:pPr algn="ctr"/>
+            <a:r>
+              <a:rPr lang="en-US" sz="2400" dirty="0">
+                <a:latin typeface="Trebuchet MS" panose="020B0703020202090204" pitchFamily="34" charset="0"/>
+              </a:rPr>
+              <a:t>Acute stress increases AP frequency after HFS </a:t>
+            </a:r>
+            <a:r>
+              <a:rPr lang="en-US" sz="2400" dirty="0">
+                <a:solidFill>
+                  <a:srgbClr val="C11C84"/>
+                </a:solidFill>
+                <a:latin typeface="Trebuchet MS" panose="020B0703020202090204" pitchFamily="34" charset="0"/>
+              </a:rPr>
+              <a:t>depending on CB1Rs</a:t>
+            </a:r>
+          </a:p>
+        </p:txBody>
+      </p:sp>
+    </p:spTree>
+    <p:extLst>
+      <p:ext uri="{BB962C8B-B14F-4D97-AF65-F5344CB8AC3E}">
+        <p14:creationId xmlns:p14="http://schemas.microsoft.com/office/powerpoint/2010/main" val="3582390299"/>
+      </p:ext>
+    </p:extLst>
+  </p:cSld>
+  <p:clrMapOvr>
+    <a:masterClrMapping/>
+  </p:clrMapOvr>
+</p:sld>
+</file>
+
+<file path=ppt/slides/slide2.xml><?xml version="1.0" encoding="utf-8"?>
+<p:sld xmlns:a="http://schemas.openxmlformats.org/drawingml/2006/main" xmlns:r="http://schemas.openxmlformats.org/officeDocument/2006/relationships" xmlns:p="http://schemas.openxmlformats.org/presentationml/2006/main">
+  <p:cSld>
+    <p:spTree>
+      <p:nvGrpSpPr>
+        <p:cNvPr id="1" name=""/>
+        <p:cNvGrpSpPr/>
+        <p:nvPr/>
+      </p:nvGrpSpPr>
+      <p:grpSpPr>
+        <a:xfrm>
+          <a:off x="0" y="0"/>
+          <a:ext cx="0" cy="0"/>
+          <a:chOff x="0" y="0"/>
+          <a:chExt cx="0" cy="0"/>
+        </a:xfrm>
+      </p:grpSpPr>
+      <p:sp>
+        <p:nvSpPr>
+          <p:cNvPr id="2" name="TextBox 1">
+            <a:extLst>
+              <a:ext uri="{FF2B5EF4-FFF2-40B4-BE49-F238E27FC236}">
+                <a16:creationId xmlns:a16="http://schemas.microsoft.com/office/drawing/2014/main" id="{D12C5304-BDE6-1328-DD99-83503317722A}"/>
+              </a:ext>
+            </a:extLst>
+          </p:cNvPr>
+          <p:cNvSpPr txBox="1"/>
+          <p:nvPr/>
+        </p:nvSpPr>
+        <p:spPr>
+          <a:xfrm>
+            <a:off x="2629446" y="286378"/>
+            <a:ext cx="7279105" cy="707886"/>
+          </a:xfrm>
+          <a:prstGeom prst="rect">
+            <a:avLst/>
+          </a:prstGeom>
+          <a:noFill/>
+        </p:spPr>
+        <p:txBody>
+          <a:bodyPr wrap="square" rtlCol="0">
+            <a:spAutoFit/>
+          </a:bodyPr>
+          <a:lstStyle/>
+          <a:p>
+            <a:pPr algn="ctr"/>
+            <a:r>
+              <a:rPr lang="en-US" sz="4000" b="1" dirty="0">
+                <a:latin typeface="Trebuchet MS" panose="020B0703020202090204" pitchFamily="34" charset="0"/>
+              </a:rPr>
+              <a:t>May &amp; June Wrapped</a:t>
+            </a:r>
+          </a:p>
+        </p:txBody>
+      </p:sp>
+      <p:sp>
+        <p:nvSpPr>
+          <p:cNvPr id="3" name="TextBox 2">
+            <a:extLst>
+              <a:ext uri="{FF2B5EF4-FFF2-40B4-BE49-F238E27FC236}">
+                <a16:creationId xmlns:a16="http://schemas.microsoft.com/office/drawing/2014/main" id="{57D98C03-A32E-F42A-ABB6-9E6E9B868032}"/>
+              </a:ext>
+            </a:extLst>
+          </p:cNvPr>
+          <p:cNvSpPr txBox="1"/>
+          <p:nvPr/>
+        </p:nvSpPr>
+        <p:spPr>
+          <a:xfrm>
+            <a:off x="1807245" y="2888934"/>
+            <a:ext cx="2212815" cy="830997"/>
+          </a:xfrm>
+          <a:prstGeom prst="rect">
+            <a:avLst/>
+          </a:prstGeom>
+          <a:noFill/>
+        </p:spPr>
+        <p:txBody>
+          <a:bodyPr wrap="square" rtlCol="0">
+            <a:spAutoFit/>
+          </a:bodyPr>
+          <a:lstStyle/>
+          <a:p>
+            <a:pPr algn="ctr"/>
+            <a:r>
+              <a:rPr lang="en-US" sz="2400" dirty="0">
+                <a:latin typeface="Trebuchet MS" panose="020B0703020202090204" pitchFamily="34" charset="0"/>
+              </a:rPr>
+              <a:t>Full-length cells recorded</a:t>
+            </a:r>
+          </a:p>
+        </p:txBody>
+      </p:sp>
+      <p:sp>
+        <p:nvSpPr>
+          <p:cNvPr id="4" name="TextBox 3">
+            <a:extLst>
+              <a:ext uri="{FF2B5EF4-FFF2-40B4-BE49-F238E27FC236}">
+                <a16:creationId xmlns:a16="http://schemas.microsoft.com/office/drawing/2014/main" id="{F2A17707-33C9-AC21-9AC9-BF9F61F67E69}"/>
+              </a:ext>
+            </a:extLst>
+          </p:cNvPr>
+          <p:cNvSpPr txBox="1"/>
+          <p:nvPr/>
+        </p:nvSpPr>
+        <p:spPr>
+          <a:xfrm>
+            <a:off x="4989593" y="2874647"/>
+            <a:ext cx="2212815" cy="830997"/>
+          </a:xfrm>
+          <a:prstGeom prst="rect">
+            <a:avLst/>
+          </a:prstGeom>
+          <a:noFill/>
+        </p:spPr>
+        <p:txBody>
+          <a:bodyPr wrap="square" rtlCol="0">
+            <a:spAutoFit/>
+          </a:bodyPr>
+          <a:lstStyle/>
+          <a:p>
+            <a:pPr algn="ctr"/>
+            <a:r>
+              <a:rPr lang="en-US" sz="2400" dirty="0">
+                <a:latin typeface="Trebuchet MS" panose="020B0703020202090204" pitchFamily="34" charset="0"/>
+              </a:rPr>
+              <a:t>Good full- length cells</a:t>
+            </a:r>
+          </a:p>
+        </p:txBody>
+      </p:sp>
+      <p:sp>
+        <p:nvSpPr>
+          <p:cNvPr id="5" name="TextBox 4">
+            <a:extLst>
+              <a:ext uri="{FF2B5EF4-FFF2-40B4-BE49-F238E27FC236}">
+                <a16:creationId xmlns:a16="http://schemas.microsoft.com/office/drawing/2014/main" id="{B588AB78-06E7-F320-C44D-C33F99447BF8}"/>
+              </a:ext>
+            </a:extLst>
+          </p:cNvPr>
+          <p:cNvSpPr txBox="1"/>
+          <p:nvPr/>
+        </p:nvSpPr>
+        <p:spPr>
+          <a:xfrm>
+            <a:off x="1807245" y="1943870"/>
+            <a:ext cx="2212815" cy="769441"/>
+          </a:xfrm>
+          <a:prstGeom prst="rect">
+            <a:avLst/>
+          </a:prstGeom>
+          <a:noFill/>
+        </p:spPr>
+        <p:txBody>
+          <a:bodyPr wrap="square" rtlCol="0">
+            <a:spAutoFit/>
+          </a:bodyPr>
+          <a:lstStyle/>
+          <a:p>
+            <a:pPr algn="ctr"/>
+            <a:r>
+              <a:rPr lang="en-US" sz="4400" b="1" dirty="0">
+                <a:latin typeface="Trebuchet MS" panose="020B0703020202090204" pitchFamily="34" charset="0"/>
+              </a:rPr>
+              <a:t>19</a:t>
+            </a:r>
+          </a:p>
+        </p:txBody>
+      </p:sp>
+      <p:sp>
+        <p:nvSpPr>
+          <p:cNvPr id="6" name="TextBox 5">
+            <a:extLst>
+              <a:ext uri="{FF2B5EF4-FFF2-40B4-BE49-F238E27FC236}">
+                <a16:creationId xmlns:a16="http://schemas.microsoft.com/office/drawing/2014/main" id="{E3E5251D-4FF6-0B78-E798-1C5DE7735C5E}"/>
+              </a:ext>
+            </a:extLst>
+          </p:cNvPr>
+          <p:cNvSpPr txBox="1"/>
+          <p:nvPr/>
+        </p:nvSpPr>
+        <p:spPr>
+          <a:xfrm>
+            <a:off x="4989592" y="1929584"/>
+            <a:ext cx="2212815" cy="769441"/>
+          </a:xfrm>
+          <a:prstGeom prst="rect">
+            <a:avLst/>
+          </a:prstGeom>
+          <a:noFill/>
+        </p:spPr>
+        <p:txBody>
+          <a:bodyPr wrap="square" rtlCol="0">
+            <a:spAutoFit/>
+          </a:bodyPr>
+          <a:lstStyle/>
+          <a:p>
+            <a:pPr algn="ctr"/>
+            <a:r>
+              <a:rPr lang="en-US" sz="4400" b="1" dirty="0">
+                <a:latin typeface="Trebuchet MS" panose="020B0703020202090204" pitchFamily="34" charset="0"/>
+              </a:rPr>
+              <a:t>17</a:t>
+            </a:r>
+          </a:p>
+        </p:txBody>
+      </p:sp>
+      <p:sp>
+        <p:nvSpPr>
+          <p:cNvPr id="7" name="TextBox 6">
+            <a:extLst>
+              <a:ext uri="{FF2B5EF4-FFF2-40B4-BE49-F238E27FC236}">
+                <a16:creationId xmlns:a16="http://schemas.microsoft.com/office/drawing/2014/main" id="{33C4A44B-C97B-077E-628E-9C06CDEAA564}"/>
+              </a:ext>
+            </a:extLst>
+          </p:cNvPr>
+          <p:cNvSpPr txBox="1"/>
+          <p:nvPr/>
+        </p:nvSpPr>
+        <p:spPr>
+          <a:xfrm>
+            <a:off x="4989593" y="5128753"/>
+            <a:ext cx="2212815" cy="830997"/>
+          </a:xfrm>
+          <a:prstGeom prst="rect">
+            <a:avLst/>
+          </a:prstGeom>
+          <a:noFill/>
+        </p:spPr>
+        <p:txBody>
+          <a:bodyPr wrap="square" rtlCol="0">
+            <a:spAutoFit/>
+          </a:bodyPr>
+          <a:lstStyle/>
+          <a:p>
+            <a:pPr algn="ctr"/>
+            <a:r>
+              <a:rPr lang="en-US" sz="2400" dirty="0" err="1">
+                <a:latin typeface="Trebuchet MS" panose="020B0703020202090204" pitchFamily="34" charset="0"/>
+              </a:rPr>
+              <a:t>Cells:Animal</a:t>
+            </a:r>
+            <a:r>
+              <a:rPr lang="en-US" sz="2400" dirty="0">
+                <a:latin typeface="Trebuchet MS" panose="020B0703020202090204" pitchFamily="34" charset="0"/>
+              </a:rPr>
+              <a:t> </a:t>
+            </a:r>
+          </a:p>
+          <a:p>
+            <a:pPr algn="ctr"/>
+            <a:r>
+              <a:rPr lang="en-US" sz="2400" dirty="0">
+                <a:latin typeface="Trebuchet MS" panose="020B0703020202090204" pitchFamily="34" charset="0"/>
+              </a:rPr>
+              <a:t>ratio</a:t>
+            </a:r>
+          </a:p>
+        </p:txBody>
+      </p:sp>
+      <p:sp>
+        <p:nvSpPr>
+          <p:cNvPr id="8" name="TextBox 7">
+            <a:extLst>
+              <a:ext uri="{FF2B5EF4-FFF2-40B4-BE49-F238E27FC236}">
+                <a16:creationId xmlns:a16="http://schemas.microsoft.com/office/drawing/2014/main" id="{AC3375C9-C739-8998-0C20-0483CEC364E5}"/>
+              </a:ext>
+            </a:extLst>
+          </p:cNvPr>
+          <p:cNvSpPr txBox="1"/>
+          <p:nvPr/>
+        </p:nvSpPr>
+        <p:spPr>
+          <a:xfrm>
+            <a:off x="4989592" y="4183690"/>
+            <a:ext cx="2212815" cy="769441"/>
+          </a:xfrm>
+          <a:prstGeom prst="rect">
+            <a:avLst/>
+          </a:prstGeom>
+          <a:noFill/>
+        </p:spPr>
+        <p:txBody>
+          <a:bodyPr wrap="square" rtlCol="0">
+            <a:spAutoFit/>
+          </a:bodyPr>
+          <a:lstStyle/>
+          <a:p>
+            <a:pPr algn="ctr"/>
+            <a:r>
+              <a:rPr lang="en-US" sz="4400" b="1" dirty="0">
+                <a:latin typeface="Trebuchet MS" panose="020B0703020202090204" pitchFamily="34" charset="0"/>
+              </a:rPr>
+              <a:t>2.1</a:t>
+            </a:r>
+          </a:p>
+        </p:txBody>
+      </p:sp>
+      <p:sp>
+        <p:nvSpPr>
+          <p:cNvPr id="9" name="TextBox 8">
+            <a:extLst>
+              <a:ext uri="{FF2B5EF4-FFF2-40B4-BE49-F238E27FC236}">
+                <a16:creationId xmlns:a16="http://schemas.microsoft.com/office/drawing/2014/main" id="{279143BD-3036-4BA3-CEE6-27234C587663}"/>
+              </a:ext>
+            </a:extLst>
+          </p:cNvPr>
+          <p:cNvSpPr txBox="1"/>
+          <p:nvPr/>
+        </p:nvSpPr>
+        <p:spPr>
+          <a:xfrm>
+            <a:off x="8171941" y="2888933"/>
+            <a:ext cx="2212815" cy="830997"/>
+          </a:xfrm>
+          <a:prstGeom prst="rect">
+            <a:avLst/>
+          </a:prstGeom>
+          <a:noFill/>
+        </p:spPr>
+        <p:txBody>
+          <a:bodyPr wrap="square" rtlCol="0">
+            <a:spAutoFit/>
+          </a:bodyPr>
+          <a:lstStyle/>
+          <a:p>
+            <a:pPr algn="ctr"/>
+            <a:r>
+              <a:rPr lang="en-US" sz="2400" dirty="0">
+                <a:latin typeface="Trebuchet MS" panose="020B0703020202090204" pitchFamily="34" charset="0"/>
+              </a:rPr>
+              <a:t>Record cell day</a:t>
+            </a:r>
+          </a:p>
+        </p:txBody>
+      </p:sp>
+      <p:sp>
+        <p:nvSpPr>
+          <p:cNvPr id="10" name="TextBox 9">
+            <a:extLst>
+              <a:ext uri="{FF2B5EF4-FFF2-40B4-BE49-F238E27FC236}">
+                <a16:creationId xmlns:a16="http://schemas.microsoft.com/office/drawing/2014/main" id="{48140BA9-6388-43F2-A9B1-A8006B307A33}"/>
+              </a:ext>
+            </a:extLst>
+          </p:cNvPr>
+          <p:cNvSpPr txBox="1"/>
+          <p:nvPr/>
+        </p:nvSpPr>
+        <p:spPr>
+          <a:xfrm>
+            <a:off x="8171940" y="1943870"/>
+            <a:ext cx="2212815" cy="769441"/>
+          </a:xfrm>
+          <a:prstGeom prst="rect">
+            <a:avLst/>
+          </a:prstGeom>
+          <a:noFill/>
+        </p:spPr>
+        <p:txBody>
+          <a:bodyPr wrap="square" rtlCol="0">
+            <a:spAutoFit/>
+          </a:bodyPr>
+          <a:lstStyle/>
+          <a:p>
+            <a:pPr algn="ctr"/>
+            <a:r>
+              <a:rPr lang="en-US" sz="4400" b="1" dirty="0">
+                <a:latin typeface="Trebuchet MS" panose="020B0703020202090204" pitchFamily="34" charset="0"/>
+              </a:rPr>
+              <a:t>4</a:t>
+            </a:r>
+          </a:p>
+        </p:txBody>
+      </p:sp>
+      <p:sp>
+        <p:nvSpPr>
+          <p:cNvPr id="11" name="TextBox 10">
+            <a:extLst>
+              <a:ext uri="{FF2B5EF4-FFF2-40B4-BE49-F238E27FC236}">
+                <a16:creationId xmlns:a16="http://schemas.microsoft.com/office/drawing/2014/main" id="{F0471C39-4A98-CB1A-4843-C1DF158EFD5F}"/>
+              </a:ext>
+            </a:extLst>
+          </p:cNvPr>
+          <p:cNvSpPr txBox="1"/>
+          <p:nvPr/>
+        </p:nvSpPr>
+        <p:spPr>
+          <a:xfrm>
+            <a:off x="7908329" y="5128753"/>
+            <a:ext cx="2740036" cy="830997"/>
+          </a:xfrm>
+          <a:prstGeom prst="rect">
+            <a:avLst/>
+          </a:prstGeom>
+          <a:noFill/>
+        </p:spPr>
+        <p:txBody>
+          <a:bodyPr wrap="square" rtlCol="0">
+            <a:spAutoFit/>
+          </a:bodyPr>
+          <a:lstStyle/>
+          <a:p>
+            <a:pPr algn="ctr"/>
+            <a:r>
+              <a:rPr lang="en-US" sz="2400" dirty="0">
+                <a:latin typeface="Trebuchet MS" panose="020B0703020202090204" pitchFamily="34" charset="0"/>
+              </a:rPr>
+              <a:t>Good </a:t>
+            </a:r>
+            <a:r>
+              <a:rPr lang="en-US" sz="2400" dirty="0" err="1">
+                <a:latin typeface="Trebuchet MS" panose="020B0703020202090204" pitchFamily="34" charset="0"/>
+              </a:rPr>
+              <a:t>cells:Animal</a:t>
+            </a:r>
+            <a:r>
+              <a:rPr lang="en-US" sz="2400" dirty="0">
+                <a:latin typeface="Trebuchet MS" panose="020B0703020202090204" pitchFamily="34" charset="0"/>
+              </a:rPr>
+              <a:t> ratio</a:t>
+            </a:r>
+          </a:p>
+        </p:txBody>
+      </p:sp>
+      <p:sp>
+        <p:nvSpPr>
+          <p:cNvPr id="12" name="TextBox 11">
+            <a:extLst>
+              <a:ext uri="{FF2B5EF4-FFF2-40B4-BE49-F238E27FC236}">
+                <a16:creationId xmlns:a16="http://schemas.microsoft.com/office/drawing/2014/main" id="{975C65BA-57C9-99CC-0B80-0783F3F718C4}"/>
+              </a:ext>
+            </a:extLst>
+          </p:cNvPr>
+          <p:cNvSpPr txBox="1"/>
+          <p:nvPr/>
+        </p:nvSpPr>
+        <p:spPr>
+          <a:xfrm>
+            <a:off x="8171940" y="4183690"/>
+            <a:ext cx="2212815" cy="769441"/>
+          </a:xfrm>
+          <a:prstGeom prst="rect">
+            <a:avLst/>
+          </a:prstGeom>
+          <a:noFill/>
+        </p:spPr>
+        <p:txBody>
+          <a:bodyPr wrap="square" rtlCol="0">
+            <a:spAutoFit/>
+          </a:bodyPr>
+          <a:lstStyle/>
+          <a:p>
+            <a:pPr algn="ctr"/>
+            <a:r>
+              <a:rPr lang="en-US" sz="4400" b="1" dirty="0">
+                <a:latin typeface="Trebuchet MS" panose="020B0703020202090204" pitchFamily="34" charset="0"/>
+              </a:rPr>
+              <a:t>1.9</a:t>
+            </a:r>
+          </a:p>
+        </p:txBody>
+      </p:sp>
+      <p:sp>
+        <p:nvSpPr>
+          <p:cNvPr id="13" name="TextBox 12">
+            <a:extLst>
+              <a:ext uri="{FF2B5EF4-FFF2-40B4-BE49-F238E27FC236}">
+                <a16:creationId xmlns:a16="http://schemas.microsoft.com/office/drawing/2014/main" id="{6F29735A-8E2E-3C49-5C6D-71DD3F6C12F2}"/>
+              </a:ext>
+            </a:extLst>
+          </p:cNvPr>
+          <p:cNvSpPr txBox="1"/>
+          <p:nvPr/>
+        </p:nvSpPr>
+        <p:spPr>
+          <a:xfrm>
+            <a:off x="1807245" y="5143039"/>
+            <a:ext cx="2212815" cy="830997"/>
+          </a:xfrm>
+          <a:prstGeom prst="rect">
+            <a:avLst/>
+          </a:prstGeom>
+          <a:noFill/>
+        </p:spPr>
+        <p:txBody>
+          <a:bodyPr wrap="square" rtlCol="0">
+            <a:spAutoFit/>
+          </a:bodyPr>
+          <a:lstStyle/>
+          <a:p>
+            <a:pPr algn="ctr"/>
+            <a:r>
+              <a:rPr lang="en-US" sz="2400" dirty="0">
+                <a:latin typeface="Trebuchet MS" panose="020B0703020202090204" pitchFamily="34" charset="0"/>
+              </a:rPr>
+              <a:t>Minutes spent watching tube</a:t>
+            </a:r>
+          </a:p>
+        </p:txBody>
+      </p:sp>
+      <p:sp>
+        <p:nvSpPr>
+          <p:cNvPr id="14" name="TextBox 13">
+            <a:extLst>
+              <a:ext uri="{FF2B5EF4-FFF2-40B4-BE49-F238E27FC236}">
+                <a16:creationId xmlns:a16="http://schemas.microsoft.com/office/drawing/2014/main" id="{3C5F8AE1-6241-0F98-C3A9-64CE81AD2F02}"/>
+              </a:ext>
+            </a:extLst>
+          </p:cNvPr>
+          <p:cNvSpPr txBox="1"/>
+          <p:nvPr/>
+        </p:nvSpPr>
+        <p:spPr>
+          <a:xfrm>
+            <a:off x="1807245" y="4183690"/>
+            <a:ext cx="2212815" cy="769441"/>
+          </a:xfrm>
+          <a:prstGeom prst="rect">
+            <a:avLst/>
+          </a:prstGeom>
+          <a:noFill/>
+        </p:spPr>
+        <p:txBody>
+          <a:bodyPr wrap="square" rtlCol="0">
+            <a:spAutoFit/>
+          </a:bodyPr>
+          <a:lstStyle/>
+          <a:p>
+            <a:pPr algn="ctr"/>
+            <a:r>
+              <a:rPr lang="en-US" sz="4400" b="1" dirty="0">
+                <a:latin typeface="Trebuchet MS" panose="020B0703020202090204" pitchFamily="34" charset="0"/>
+              </a:rPr>
+              <a:t>450</a:t>
+            </a:r>
+          </a:p>
+        </p:txBody>
+      </p:sp>
+      <p:sp>
+        <p:nvSpPr>
+          <p:cNvPr id="17" name="Explosion 1 16">
+            <a:extLst>
+              <a:ext uri="{FF2B5EF4-FFF2-40B4-BE49-F238E27FC236}">
+                <a16:creationId xmlns:a16="http://schemas.microsoft.com/office/drawing/2014/main" id="{D1A83FFF-59F7-72BA-4EAE-D60EE6ED1486}"/>
+              </a:ext>
+            </a:extLst>
+          </p:cNvPr>
+          <p:cNvSpPr/>
+          <p:nvPr/>
+        </p:nvSpPr>
+        <p:spPr>
+          <a:xfrm>
+            <a:off x="7603518" y="1063061"/>
+            <a:ext cx="3962406" cy="3623172"/>
+          </a:xfrm>
+          <a:prstGeom prst="irregularSeal1">
+            <a:avLst/>
+          </a:prstGeom>
+          <a:solidFill>
+            <a:srgbClr val="F19CAC"/>
+          </a:solidFill>
+          <a:ln>
+            <a:solidFill>
+              <a:srgbClr val="F19CAC"/>
+            </a:solidFill>
+          </a:ln>
+        </p:spPr>
+        <p:style>
+          <a:lnRef idx="2">
+            <a:schemeClr val="accent1">
+              <a:shade val="15000"/>
+            </a:schemeClr>
+          </a:lnRef>
+          <a:fillRef idx="1">
+            <a:schemeClr val="accent1"/>
+          </a:fillRef>
+          <a:effectRef idx="0">
+            <a:schemeClr val="accent1"/>
+          </a:effectRef>
+          <a:fontRef idx="minor">
+            <a:schemeClr val="lt1"/>
+          </a:fontRef>
+        </p:style>
+        <p:txBody>
+          <a:bodyPr rtlCol="0" anchor="ctr"/>
+          <a:lstStyle/>
+          <a:p>
+            <a:pPr algn="ctr"/>
+            <a:endParaRPr lang="en-US"/>
+          </a:p>
+        </p:txBody>
+      </p:sp>
+      <p:sp>
+        <p:nvSpPr>
+          <p:cNvPr id="20" name="Cloud 19">
+            <a:extLst>
+              <a:ext uri="{FF2B5EF4-FFF2-40B4-BE49-F238E27FC236}">
+                <a16:creationId xmlns:a16="http://schemas.microsoft.com/office/drawing/2014/main" id="{7A378DDE-2C4A-48DF-66DF-4AA51A3EE0C9}"/>
+              </a:ext>
+            </a:extLst>
+          </p:cNvPr>
+          <p:cNvSpPr/>
+          <p:nvPr/>
+        </p:nvSpPr>
+        <p:spPr>
+          <a:xfrm>
+            <a:off x="1137708" y="3947022"/>
+            <a:ext cx="4091114" cy="2674310"/>
+          </a:xfrm>
+          <a:prstGeom prst="cloud">
+            <a:avLst/>
+          </a:prstGeom>
+          <a:solidFill>
+            <a:srgbClr val="6497B1"/>
+          </a:solidFill>
+          <a:ln>
+            <a:solidFill>
+              <a:srgbClr val="6497B1"/>
+            </a:solidFill>
+          </a:ln>
+        </p:spPr>
+        <p:style>
+          <a:lnRef idx="2">
+            <a:schemeClr val="accent1">
+              <a:shade val="15000"/>
+            </a:schemeClr>
+          </a:lnRef>
+          <a:fillRef idx="1">
+            <a:schemeClr val="accent1"/>
+          </a:fillRef>
+          <a:effectRef idx="0">
+            <a:schemeClr val="accent1"/>
+          </a:effectRef>
+          <a:fontRef idx="minor">
+            <a:schemeClr val="lt1"/>
+          </a:fontRef>
+        </p:style>
+        <p:txBody>
+          <a:bodyPr rtlCol="0" anchor="ctr"/>
+          <a:lstStyle/>
+          <a:p>
+            <a:pPr algn="ctr"/>
+            <a:endParaRPr lang="en-US"/>
+          </a:p>
+        </p:txBody>
+      </p:sp>
+      <p:sp>
+        <p:nvSpPr>
+          <p:cNvPr id="22" name="Oval Callout 21">
+            <a:extLst>
+              <a:ext uri="{FF2B5EF4-FFF2-40B4-BE49-F238E27FC236}">
+                <a16:creationId xmlns:a16="http://schemas.microsoft.com/office/drawing/2014/main" id="{4764130C-AA2D-F919-179E-ADD77BEC916F}"/>
+              </a:ext>
+            </a:extLst>
+          </p:cNvPr>
+          <p:cNvSpPr/>
+          <p:nvPr/>
+        </p:nvSpPr>
+        <p:spPr>
+          <a:xfrm>
+            <a:off x="7554443" y="3922213"/>
+            <a:ext cx="3719384" cy="2512200"/>
+          </a:xfrm>
+          <a:prstGeom prst="wedgeEllipseCallout">
+            <a:avLst/>
+          </a:prstGeom>
+          <a:solidFill>
+            <a:srgbClr val="005B96"/>
+          </a:solidFill>
+          <a:ln>
+            <a:solidFill>
+              <a:srgbClr val="005B96"/>
+            </a:solidFill>
+          </a:ln>
+        </p:spPr>
+        <p:style>
+          <a:lnRef idx="2">
+            <a:schemeClr val="accent1">
+              <a:shade val="15000"/>
+            </a:schemeClr>
+          </a:lnRef>
+          <a:fillRef idx="1">
+            <a:schemeClr val="accent1"/>
+          </a:fillRef>
+          <a:effectRef idx="0">
+            <a:schemeClr val="accent1"/>
+          </a:effectRef>
+          <a:fontRef idx="minor">
+            <a:schemeClr val="lt1"/>
+          </a:fontRef>
+        </p:style>
+        <p:txBody>
+          <a:bodyPr rtlCol="0" anchor="ctr"/>
+          <a:lstStyle/>
+          <a:p>
+            <a:pPr algn="ctr"/>
+            <a:endParaRPr lang="en-US"/>
+          </a:p>
+        </p:txBody>
+      </p:sp>
+      <p:sp>
+        <p:nvSpPr>
+          <p:cNvPr id="25" name="Heart 24">
+            <a:extLst>
+              <a:ext uri="{FF2B5EF4-FFF2-40B4-BE49-F238E27FC236}">
+                <a16:creationId xmlns:a16="http://schemas.microsoft.com/office/drawing/2014/main" id="{E3B56A7D-2D82-7C22-1F50-A9F4AFA5D761}"/>
+              </a:ext>
+            </a:extLst>
+          </p:cNvPr>
+          <p:cNvSpPr/>
+          <p:nvPr/>
+        </p:nvSpPr>
+        <p:spPr>
+          <a:xfrm>
+            <a:off x="4464913" y="1306037"/>
+            <a:ext cx="3608173" cy="3039763"/>
+          </a:xfrm>
+          <a:prstGeom prst="heart">
+            <a:avLst/>
+          </a:prstGeom>
+          <a:solidFill>
+            <a:srgbClr val="FFADFF"/>
+          </a:solidFill>
+          <a:ln>
+            <a:solidFill>
+              <a:srgbClr val="FFADFF"/>
+            </a:solidFill>
+          </a:ln>
+        </p:spPr>
+        <p:style>
+          <a:lnRef idx="2">
+            <a:schemeClr val="accent1">
+              <a:shade val="15000"/>
+            </a:schemeClr>
+          </a:lnRef>
+          <a:fillRef idx="1">
+            <a:schemeClr val="accent1"/>
+          </a:fillRef>
+          <a:effectRef idx="0">
+            <a:schemeClr val="accent1"/>
+          </a:effectRef>
+          <a:fontRef idx="minor">
+            <a:schemeClr val="lt1"/>
+          </a:fontRef>
+        </p:style>
+        <p:txBody>
+          <a:bodyPr rtlCol="0" anchor="ctr"/>
+          <a:lstStyle/>
+          <a:p>
+            <a:pPr algn="ctr"/>
+            <a:endParaRPr lang="en-US"/>
+          </a:p>
+        </p:txBody>
+      </p:sp>
+      <p:sp>
+        <p:nvSpPr>
+          <p:cNvPr id="29" name="Explosion 1 28">
+            <a:extLst>
+              <a:ext uri="{FF2B5EF4-FFF2-40B4-BE49-F238E27FC236}">
+                <a16:creationId xmlns:a16="http://schemas.microsoft.com/office/drawing/2014/main" id="{22D711CC-C406-ADDF-CA62-0DBF522F480B}"/>
+              </a:ext>
+            </a:extLst>
+          </p:cNvPr>
+          <p:cNvSpPr/>
+          <p:nvPr/>
+        </p:nvSpPr>
+        <p:spPr>
+          <a:xfrm rot="10605610">
+            <a:off x="3158726" y="3587815"/>
+            <a:ext cx="5874544" cy="3081876"/>
+          </a:xfrm>
+          <a:prstGeom prst="irregularSeal1">
+            <a:avLst/>
+          </a:prstGeom>
+          <a:solidFill>
+            <a:srgbClr val="C11C84"/>
+          </a:solidFill>
+          <a:ln>
+            <a:solidFill>
+              <a:srgbClr val="C11C84"/>
+            </a:solidFill>
+          </a:ln>
+        </p:spPr>
+        <p:style>
+          <a:lnRef idx="2">
+            <a:schemeClr val="accent1">
+              <a:shade val="15000"/>
+            </a:schemeClr>
+          </a:lnRef>
+          <a:fillRef idx="1">
+            <a:schemeClr val="accent1"/>
+          </a:fillRef>
+          <a:effectRef idx="0">
+            <a:schemeClr val="accent1"/>
+          </a:effectRef>
+          <a:fontRef idx="minor">
+            <a:schemeClr val="lt1"/>
+          </a:fontRef>
+        </p:style>
+        <p:txBody>
+          <a:bodyPr rtlCol="0" anchor="ctr"/>
+          <a:lstStyle/>
+          <a:p>
+            <a:pPr algn="ctr"/>
+            <a:endParaRPr lang="en-US" dirty="0"/>
+          </a:p>
+        </p:txBody>
+      </p:sp>
+      <p:sp>
+        <p:nvSpPr>
+          <p:cNvPr id="30" name="5-Point Star 29">
+            <a:extLst>
+              <a:ext uri="{FF2B5EF4-FFF2-40B4-BE49-F238E27FC236}">
+                <a16:creationId xmlns:a16="http://schemas.microsoft.com/office/drawing/2014/main" id="{781D6365-D552-9C5B-FA1B-49BF08D6C066}"/>
+              </a:ext>
+            </a:extLst>
+          </p:cNvPr>
+          <p:cNvSpPr/>
+          <p:nvPr/>
+        </p:nvSpPr>
+        <p:spPr>
+          <a:xfrm>
+            <a:off x="154524" y="394771"/>
+            <a:ext cx="5518255" cy="4782026"/>
+          </a:xfrm>
+          <a:prstGeom prst="star5">
+            <a:avLst/>
+          </a:prstGeom>
+          <a:solidFill>
+            <a:srgbClr val="EB647E"/>
+          </a:solidFill>
+          <a:ln>
+            <a:solidFill>
+              <a:srgbClr val="EB647E"/>
+            </a:solidFill>
+          </a:ln>
+        </p:spPr>
+        <p:style>
+          <a:lnRef idx="2">
+            <a:schemeClr val="accent1">
+              <a:shade val="15000"/>
+            </a:schemeClr>
+          </a:lnRef>
+          <a:fillRef idx="1">
+            <a:schemeClr val="accent1"/>
+          </a:fillRef>
+          <a:effectRef idx="0">
+            <a:schemeClr val="accent1"/>
+          </a:effectRef>
+          <a:fontRef idx="minor">
+            <a:schemeClr val="lt1"/>
+          </a:fontRef>
+        </p:style>
+        <p:txBody>
+          <a:bodyPr rtlCol="0" anchor="ctr"/>
+          <a:lstStyle/>
+          <a:p>
+            <a:pPr algn="ctr"/>
+            <a:endParaRPr lang="en-US">
+              <a:solidFill>
+                <a:srgbClr val="C11C84"/>
+              </a:solidFill>
+            </a:endParaRPr>
+          </a:p>
+        </p:txBody>
+      </p:sp>
+    </p:spTree>
+    <p:extLst>
+      <p:ext uri="{BB962C8B-B14F-4D97-AF65-F5344CB8AC3E}">
+        <p14:creationId xmlns:p14="http://schemas.microsoft.com/office/powerpoint/2010/main" val="1739653017"/>
+      </p:ext>
+    </p:extLst>
+  </p:cSld>
+  <p:clrMapOvr>
+    <a:masterClrMapping/>
+  </p:clrMapOvr>
+</p:sld>
+</file>
+
+<file path=ppt/slides/slide3.xml><?xml version="1.0" encoding="utf-8"?>
+<p:sld xmlns:a="http://schemas.openxmlformats.org/drawingml/2006/main" xmlns:r="http://schemas.openxmlformats.org/officeDocument/2006/relationships" xmlns:p="http://schemas.openxmlformats.org/presentationml/2006/main">
+  <p:cSld>
+    <p:bg>
+      <p:bgPr>
+        <a:solidFill>
+          <a:srgbClr val="EB647E"/>
+        </a:solidFill>
+        <a:effectLst/>
+      </p:bgPr>
+    </p:bg>
+    <p:spTree>
+      <p:nvGrpSpPr>
+        <p:cNvPr id="1" name="">
+          <a:extLst>
+            <a:ext uri="{FF2B5EF4-FFF2-40B4-BE49-F238E27FC236}">
+              <a16:creationId xmlns:a16="http://schemas.microsoft.com/office/drawing/2014/main" id="{B25461A3-A481-CB17-6F22-53D0D33131B2}"/>
+            </a:ext>
+          </a:extLst>
+        </p:cNvPr>
+        <p:cNvGrpSpPr/>
+        <p:nvPr/>
+      </p:nvGrpSpPr>
+      <p:grpSpPr>
+        <a:xfrm>
+          <a:off x="0" y="0"/>
+          <a:ext cx="0" cy="0"/>
+          <a:chOff x="0" y="0"/>
+          <a:chExt cx="0" cy="0"/>
+        </a:xfrm>
+      </p:grpSpPr>
+      <p:sp>
+        <p:nvSpPr>
+          <p:cNvPr id="3" name="TextBox 2">
+            <a:extLst>
+              <a:ext uri="{FF2B5EF4-FFF2-40B4-BE49-F238E27FC236}">
+                <a16:creationId xmlns:a16="http://schemas.microsoft.com/office/drawing/2014/main" id="{A7F364B1-9E53-757D-F6B3-C29025DEEAFD}"/>
+              </a:ext>
+            </a:extLst>
+          </p:cNvPr>
+          <p:cNvSpPr txBox="1"/>
+          <p:nvPr/>
+        </p:nvSpPr>
+        <p:spPr>
+          <a:xfrm>
+            <a:off x="1807245" y="2888934"/>
+            <a:ext cx="2212815" cy="830997"/>
+          </a:xfrm>
+          <a:prstGeom prst="rect">
+            <a:avLst/>
+          </a:prstGeom>
+          <a:noFill/>
+        </p:spPr>
+        <p:txBody>
+          <a:bodyPr wrap="square" rtlCol="0">
+            <a:spAutoFit/>
+          </a:bodyPr>
+          <a:lstStyle/>
+          <a:p>
+            <a:pPr algn="ctr"/>
+            <a:r>
+              <a:rPr lang="en-US" sz="2400" dirty="0">
+                <a:latin typeface="Trebuchet MS" panose="020B0703020202090204" pitchFamily="34" charset="0"/>
+              </a:rPr>
+              <a:t>Full-length cells recorded</a:t>
+            </a:r>
+          </a:p>
+        </p:txBody>
+      </p:sp>
+      <p:sp>
+        <p:nvSpPr>
+          <p:cNvPr id="4" name="TextBox 3">
+            <a:extLst>
+              <a:ext uri="{FF2B5EF4-FFF2-40B4-BE49-F238E27FC236}">
+                <a16:creationId xmlns:a16="http://schemas.microsoft.com/office/drawing/2014/main" id="{61BF1E3E-7A8A-E870-76C9-1B9B08C53EA8}"/>
+              </a:ext>
+            </a:extLst>
+          </p:cNvPr>
+          <p:cNvSpPr txBox="1"/>
+          <p:nvPr/>
+        </p:nvSpPr>
+        <p:spPr>
+          <a:xfrm>
+            <a:off x="4989593" y="2874647"/>
+            <a:ext cx="2212815" cy="830997"/>
+          </a:xfrm>
+          <a:prstGeom prst="rect">
+            <a:avLst/>
+          </a:prstGeom>
+          <a:noFill/>
+        </p:spPr>
+        <p:txBody>
+          <a:bodyPr wrap="square" rtlCol="0">
+            <a:spAutoFit/>
+          </a:bodyPr>
+          <a:lstStyle/>
+          <a:p>
+            <a:pPr algn="ctr"/>
+            <a:r>
+              <a:rPr lang="en-US" sz="2400" dirty="0">
+                <a:latin typeface="Trebuchet MS" panose="020B0703020202090204" pitchFamily="34" charset="0"/>
+              </a:rPr>
+              <a:t>Good full- length cells</a:t>
+            </a:r>
+          </a:p>
+        </p:txBody>
+      </p:sp>
+      <p:sp>
+        <p:nvSpPr>
+          <p:cNvPr id="5" name="TextBox 4">
+            <a:extLst>
+              <a:ext uri="{FF2B5EF4-FFF2-40B4-BE49-F238E27FC236}">
+                <a16:creationId xmlns:a16="http://schemas.microsoft.com/office/drawing/2014/main" id="{8410BEB2-21C1-E5A4-ED59-BADD3990655F}"/>
+              </a:ext>
+            </a:extLst>
+          </p:cNvPr>
+          <p:cNvSpPr txBox="1"/>
+          <p:nvPr/>
+        </p:nvSpPr>
+        <p:spPr>
+          <a:xfrm>
+            <a:off x="1807245" y="1943870"/>
+            <a:ext cx="2212815" cy="769441"/>
+          </a:xfrm>
+          <a:prstGeom prst="rect">
+            <a:avLst/>
+          </a:prstGeom>
+          <a:noFill/>
+        </p:spPr>
+        <p:txBody>
+          <a:bodyPr wrap="square" rtlCol="0">
+            <a:spAutoFit/>
+          </a:bodyPr>
+          <a:lstStyle/>
+          <a:p>
+            <a:pPr algn="ctr"/>
+            <a:r>
+              <a:rPr lang="en-US" sz="4400" b="1" dirty="0">
+                <a:latin typeface="Trebuchet MS" panose="020B0703020202090204" pitchFamily="34" charset="0"/>
+              </a:rPr>
+              <a:t>19</a:t>
+            </a:r>
+          </a:p>
+        </p:txBody>
+      </p:sp>
+      <p:sp>
+        <p:nvSpPr>
+          <p:cNvPr id="6" name="TextBox 5">
+            <a:extLst>
+              <a:ext uri="{FF2B5EF4-FFF2-40B4-BE49-F238E27FC236}">
+                <a16:creationId xmlns:a16="http://schemas.microsoft.com/office/drawing/2014/main" id="{37E4F295-76D5-B73B-11CF-BF57B2787D5C}"/>
+              </a:ext>
+            </a:extLst>
+          </p:cNvPr>
+          <p:cNvSpPr txBox="1"/>
+          <p:nvPr/>
+        </p:nvSpPr>
+        <p:spPr>
+          <a:xfrm>
+            <a:off x="4989592" y="1929584"/>
+            <a:ext cx="2212815" cy="769441"/>
+          </a:xfrm>
+          <a:prstGeom prst="rect">
+            <a:avLst/>
+          </a:prstGeom>
+          <a:noFill/>
+        </p:spPr>
+        <p:txBody>
+          <a:bodyPr wrap="square" rtlCol="0">
+            <a:spAutoFit/>
+          </a:bodyPr>
+          <a:lstStyle/>
+          <a:p>
+            <a:pPr algn="ctr"/>
+            <a:r>
+              <a:rPr lang="en-US" sz="4400" b="1" dirty="0">
+                <a:latin typeface="Trebuchet MS" panose="020B0703020202090204" pitchFamily="34" charset="0"/>
+              </a:rPr>
+              <a:t>17</a:t>
+            </a:r>
+          </a:p>
+        </p:txBody>
+      </p:sp>
+      <p:sp>
+        <p:nvSpPr>
+          <p:cNvPr id="7" name="TextBox 6">
+            <a:extLst>
+              <a:ext uri="{FF2B5EF4-FFF2-40B4-BE49-F238E27FC236}">
+                <a16:creationId xmlns:a16="http://schemas.microsoft.com/office/drawing/2014/main" id="{CB8F4CED-1D7E-53E6-5AEC-0FBE49380A87}"/>
+              </a:ext>
+            </a:extLst>
+          </p:cNvPr>
+          <p:cNvSpPr txBox="1"/>
+          <p:nvPr/>
+        </p:nvSpPr>
+        <p:spPr>
+          <a:xfrm>
+            <a:off x="4989593" y="5128753"/>
+            <a:ext cx="2212815" cy="830997"/>
+          </a:xfrm>
+          <a:prstGeom prst="rect">
+            <a:avLst/>
+          </a:prstGeom>
+          <a:noFill/>
+        </p:spPr>
+        <p:txBody>
+          <a:bodyPr wrap="square" rtlCol="0">
+            <a:spAutoFit/>
+          </a:bodyPr>
+          <a:lstStyle/>
+          <a:p>
+            <a:pPr algn="ctr"/>
+            <a:r>
+              <a:rPr lang="en-US" sz="2400" dirty="0" err="1">
+                <a:latin typeface="Trebuchet MS" panose="020B0703020202090204" pitchFamily="34" charset="0"/>
+              </a:rPr>
+              <a:t>Cells:Animal</a:t>
+            </a:r>
+            <a:r>
+              <a:rPr lang="en-US" sz="2400" dirty="0">
+                <a:latin typeface="Trebuchet MS" panose="020B0703020202090204" pitchFamily="34" charset="0"/>
+              </a:rPr>
+              <a:t> </a:t>
+            </a:r>
+          </a:p>
+          <a:p>
+            <a:pPr algn="ctr"/>
+            <a:r>
+              <a:rPr lang="en-US" sz="2400" dirty="0">
+                <a:latin typeface="Trebuchet MS" panose="020B0703020202090204" pitchFamily="34" charset="0"/>
+              </a:rPr>
+              <a:t>ratio</a:t>
+            </a:r>
+          </a:p>
+        </p:txBody>
+      </p:sp>
+      <p:sp>
+        <p:nvSpPr>
+          <p:cNvPr id="8" name="TextBox 7">
+            <a:extLst>
+              <a:ext uri="{FF2B5EF4-FFF2-40B4-BE49-F238E27FC236}">
+                <a16:creationId xmlns:a16="http://schemas.microsoft.com/office/drawing/2014/main" id="{FDBB4666-4468-8B55-9669-5CBD8F3590C5}"/>
+              </a:ext>
+            </a:extLst>
+          </p:cNvPr>
+          <p:cNvSpPr txBox="1"/>
+          <p:nvPr/>
+        </p:nvSpPr>
+        <p:spPr>
+          <a:xfrm>
+            <a:off x="4989592" y="4183690"/>
+            <a:ext cx="2212815" cy="769441"/>
+          </a:xfrm>
+          <a:prstGeom prst="rect">
+            <a:avLst/>
+          </a:prstGeom>
+          <a:noFill/>
+        </p:spPr>
+        <p:txBody>
+          <a:bodyPr wrap="square" rtlCol="0">
+            <a:spAutoFit/>
+          </a:bodyPr>
+          <a:lstStyle/>
+          <a:p>
+            <a:pPr algn="ctr"/>
+            <a:r>
+              <a:rPr lang="en-US" sz="4400" b="1" dirty="0">
+                <a:latin typeface="Trebuchet MS" panose="020B0703020202090204" pitchFamily="34" charset="0"/>
+              </a:rPr>
+              <a:t>2.1</a:t>
+            </a:r>
+          </a:p>
+        </p:txBody>
+      </p:sp>
+      <p:sp>
+        <p:nvSpPr>
+          <p:cNvPr id="9" name="TextBox 8">
+            <a:extLst>
+              <a:ext uri="{FF2B5EF4-FFF2-40B4-BE49-F238E27FC236}">
+                <a16:creationId xmlns:a16="http://schemas.microsoft.com/office/drawing/2014/main" id="{3BAEC67A-08FC-2D9E-EE4E-A9DC4A3F2CD0}"/>
+              </a:ext>
+            </a:extLst>
+          </p:cNvPr>
+          <p:cNvSpPr txBox="1"/>
+          <p:nvPr/>
+        </p:nvSpPr>
+        <p:spPr>
+          <a:xfrm>
+            <a:off x="8171941" y="2888933"/>
+            <a:ext cx="2212815" cy="830997"/>
+          </a:xfrm>
+          <a:prstGeom prst="rect">
+            <a:avLst/>
+          </a:prstGeom>
+          <a:noFill/>
+        </p:spPr>
+        <p:txBody>
+          <a:bodyPr wrap="square" rtlCol="0">
+            <a:spAutoFit/>
+          </a:bodyPr>
+          <a:lstStyle/>
+          <a:p>
+            <a:pPr algn="ctr"/>
+            <a:r>
+              <a:rPr lang="en-US" sz="2400" dirty="0">
+                <a:latin typeface="Trebuchet MS" panose="020B0703020202090204" pitchFamily="34" charset="0"/>
+              </a:rPr>
+              <a:t>Record cell day</a:t>
+            </a:r>
+          </a:p>
+        </p:txBody>
+      </p:sp>
+      <p:sp>
+        <p:nvSpPr>
+          <p:cNvPr id="10" name="TextBox 9">
+            <a:extLst>
+              <a:ext uri="{FF2B5EF4-FFF2-40B4-BE49-F238E27FC236}">
+                <a16:creationId xmlns:a16="http://schemas.microsoft.com/office/drawing/2014/main" id="{F820FE48-817C-187C-7D7A-A67DDD7B5376}"/>
+              </a:ext>
+            </a:extLst>
+          </p:cNvPr>
+          <p:cNvSpPr txBox="1"/>
+          <p:nvPr/>
+        </p:nvSpPr>
+        <p:spPr>
+          <a:xfrm>
+            <a:off x="8171940" y="1943870"/>
+            <a:ext cx="2212815" cy="769441"/>
+          </a:xfrm>
+          <a:prstGeom prst="rect">
+            <a:avLst/>
+          </a:prstGeom>
+          <a:noFill/>
+        </p:spPr>
+        <p:txBody>
+          <a:bodyPr wrap="square" rtlCol="0">
+            <a:spAutoFit/>
+          </a:bodyPr>
+          <a:lstStyle/>
+          <a:p>
+            <a:pPr algn="ctr"/>
+            <a:r>
+              <a:rPr lang="en-US" sz="4400" b="1" dirty="0">
+                <a:latin typeface="Trebuchet MS" panose="020B0703020202090204" pitchFamily="34" charset="0"/>
+              </a:rPr>
+              <a:t>4</a:t>
+            </a:r>
+          </a:p>
+        </p:txBody>
+      </p:sp>
+      <p:sp>
+        <p:nvSpPr>
+          <p:cNvPr id="11" name="TextBox 10">
+            <a:extLst>
+              <a:ext uri="{FF2B5EF4-FFF2-40B4-BE49-F238E27FC236}">
+                <a16:creationId xmlns:a16="http://schemas.microsoft.com/office/drawing/2014/main" id="{7A755202-8CDE-90DA-2E5B-4827ABA34F17}"/>
+              </a:ext>
+            </a:extLst>
+          </p:cNvPr>
+          <p:cNvSpPr txBox="1"/>
+          <p:nvPr/>
+        </p:nvSpPr>
+        <p:spPr>
+          <a:xfrm>
+            <a:off x="7908329" y="5128753"/>
+            <a:ext cx="2740036" cy="830997"/>
+          </a:xfrm>
+          <a:prstGeom prst="rect">
+            <a:avLst/>
+          </a:prstGeom>
+          <a:noFill/>
+        </p:spPr>
+        <p:txBody>
+          <a:bodyPr wrap="square" rtlCol="0">
+            <a:spAutoFit/>
+          </a:bodyPr>
+          <a:lstStyle/>
+          <a:p>
+            <a:pPr algn="ctr"/>
+            <a:r>
+              <a:rPr lang="en-US" sz="2400" dirty="0">
+                <a:latin typeface="Trebuchet MS" panose="020B0703020202090204" pitchFamily="34" charset="0"/>
+              </a:rPr>
+              <a:t>Good </a:t>
+            </a:r>
+            <a:r>
+              <a:rPr lang="en-US" sz="2400" dirty="0" err="1">
+                <a:latin typeface="Trebuchet MS" panose="020B0703020202090204" pitchFamily="34" charset="0"/>
+              </a:rPr>
+              <a:t>cells:Animal</a:t>
+            </a:r>
+            <a:r>
+              <a:rPr lang="en-US" sz="2400" dirty="0">
+                <a:latin typeface="Trebuchet MS" panose="020B0703020202090204" pitchFamily="34" charset="0"/>
+              </a:rPr>
+              <a:t> ratio</a:t>
+            </a:r>
+          </a:p>
+        </p:txBody>
+      </p:sp>
+      <p:sp>
+        <p:nvSpPr>
+          <p:cNvPr id="12" name="TextBox 11">
+            <a:extLst>
+              <a:ext uri="{FF2B5EF4-FFF2-40B4-BE49-F238E27FC236}">
+                <a16:creationId xmlns:a16="http://schemas.microsoft.com/office/drawing/2014/main" id="{E9E9603F-875B-F5F1-55A6-EAC039B9C0F5}"/>
+              </a:ext>
+            </a:extLst>
+          </p:cNvPr>
+          <p:cNvSpPr txBox="1"/>
+          <p:nvPr/>
+        </p:nvSpPr>
+        <p:spPr>
+          <a:xfrm>
+            <a:off x="8171940" y="4183690"/>
+            <a:ext cx="2212815" cy="769441"/>
+          </a:xfrm>
+          <a:prstGeom prst="rect">
+            <a:avLst/>
+          </a:prstGeom>
+          <a:noFill/>
+        </p:spPr>
+        <p:txBody>
+          <a:bodyPr wrap="square" rtlCol="0">
+            <a:spAutoFit/>
+          </a:bodyPr>
+          <a:lstStyle/>
+          <a:p>
+            <a:pPr algn="ctr"/>
+            <a:r>
+              <a:rPr lang="en-US" sz="4400" b="1" dirty="0">
+                <a:latin typeface="Trebuchet MS" panose="020B0703020202090204" pitchFamily="34" charset="0"/>
+              </a:rPr>
+              <a:t>1.9</a:t>
+            </a:r>
+          </a:p>
+        </p:txBody>
+      </p:sp>
+      <p:sp>
+        <p:nvSpPr>
+          <p:cNvPr id="13" name="TextBox 12">
+            <a:extLst>
+              <a:ext uri="{FF2B5EF4-FFF2-40B4-BE49-F238E27FC236}">
+                <a16:creationId xmlns:a16="http://schemas.microsoft.com/office/drawing/2014/main" id="{24FF90E6-8453-D45C-C998-61024A4CFB74}"/>
+              </a:ext>
+            </a:extLst>
+          </p:cNvPr>
+          <p:cNvSpPr txBox="1"/>
+          <p:nvPr/>
+        </p:nvSpPr>
+        <p:spPr>
+          <a:xfrm>
+            <a:off x="1807245" y="5143039"/>
+            <a:ext cx="2212815" cy="830997"/>
+          </a:xfrm>
+          <a:prstGeom prst="rect">
+            <a:avLst/>
+          </a:prstGeom>
+          <a:noFill/>
+        </p:spPr>
+        <p:txBody>
+          <a:bodyPr wrap="square" rtlCol="0">
+            <a:spAutoFit/>
+          </a:bodyPr>
+          <a:lstStyle/>
+          <a:p>
+            <a:pPr algn="ctr"/>
+            <a:r>
+              <a:rPr lang="en-US" sz="2400" dirty="0">
+                <a:latin typeface="Trebuchet MS" panose="020B0703020202090204" pitchFamily="34" charset="0"/>
+              </a:rPr>
+              <a:t>Minutes spent watching tube</a:t>
+            </a:r>
+          </a:p>
+        </p:txBody>
+      </p:sp>
+      <p:sp>
+        <p:nvSpPr>
+          <p:cNvPr id="14" name="TextBox 13">
+            <a:extLst>
+              <a:ext uri="{FF2B5EF4-FFF2-40B4-BE49-F238E27FC236}">
+                <a16:creationId xmlns:a16="http://schemas.microsoft.com/office/drawing/2014/main" id="{A5546F3F-AC6C-58D9-65AF-2DB9B6ADCDBC}"/>
+              </a:ext>
+            </a:extLst>
+          </p:cNvPr>
+          <p:cNvSpPr txBox="1"/>
+          <p:nvPr/>
+        </p:nvSpPr>
+        <p:spPr>
+          <a:xfrm>
+            <a:off x="1807245" y="4183690"/>
+            <a:ext cx="2212815" cy="769441"/>
+          </a:xfrm>
+          <a:prstGeom prst="rect">
+            <a:avLst/>
+          </a:prstGeom>
+          <a:noFill/>
+        </p:spPr>
+        <p:txBody>
+          <a:bodyPr wrap="square" rtlCol="0">
+            <a:spAutoFit/>
+          </a:bodyPr>
+          <a:lstStyle/>
+          <a:p>
+            <a:pPr algn="ctr"/>
+            <a:r>
+              <a:rPr lang="en-US" sz="4400" b="1" dirty="0">
+                <a:latin typeface="Trebuchet MS" panose="020B0703020202090204" pitchFamily="34" charset="0"/>
+              </a:rPr>
+              <a:t>450</a:t>
+            </a:r>
+          </a:p>
+        </p:txBody>
+      </p:sp>
+      <p:sp>
+        <p:nvSpPr>
+          <p:cNvPr id="17" name="Explosion 1 16">
+            <a:extLst>
+              <a:ext uri="{FF2B5EF4-FFF2-40B4-BE49-F238E27FC236}">
+                <a16:creationId xmlns:a16="http://schemas.microsoft.com/office/drawing/2014/main" id="{55569BB4-2FF0-40FA-6A36-DB1C31C525A7}"/>
+              </a:ext>
+            </a:extLst>
+          </p:cNvPr>
+          <p:cNvSpPr/>
+          <p:nvPr/>
+        </p:nvSpPr>
+        <p:spPr>
+          <a:xfrm>
+            <a:off x="7603518" y="1063061"/>
+            <a:ext cx="3962406" cy="3623172"/>
+          </a:xfrm>
+          <a:prstGeom prst="irregularSeal1">
+            <a:avLst/>
+          </a:prstGeom>
+          <a:solidFill>
+            <a:srgbClr val="F19CAC"/>
+          </a:solidFill>
+          <a:ln>
+            <a:solidFill>
+              <a:srgbClr val="F19CAC"/>
+            </a:solidFill>
+          </a:ln>
+        </p:spPr>
+        <p:style>
+          <a:lnRef idx="2">
+            <a:schemeClr val="accent1">
+              <a:shade val="15000"/>
+            </a:schemeClr>
+          </a:lnRef>
+          <a:fillRef idx="1">
+            <a:schemeClr val="accent1"/>
+          </a:fillRef>
+          <a:effectRef idx="0">
+            <a:schemeClr val="accent1"/>
+          </a:effectRef>
+          <a:fontRef idx="minor">
+            <a:schemeClr val="lt1"/>
+          </a:fontRef>
+        </p:style>
+        <p:txBody>
+          <a:bodyPr rtlCol="0" anchor="ctr"/>
+          <a:lstStyle/>
+          <a:p>
+            <a:pPr algn="ctr"/>
+            <a:endParaRPr lang="en-US"/>
+          </a:p>
+        </p:txBody>
+      </p:sp>
+      <p:sp>
+        <p:nvSpPr>
+          <p:cNvPr id="20" name="Cloud 19">
+            <a:extLst>
+              <a:ext uri="{FF2B5EF4-FFF2-40B4-BE49-F238E27FC236}">
+                <a16:creationId xmlns:a16="http://schemas.microsoft.com/office/drawing/2014/main" id="{A7328B56-1670-1154-4DB4-DBFFA70C6135}"/>
+              </a:ext>
+            </a:extLst>
+          </p:cNvPr>
+          <p:cNvSpPr/>
+          <p:nvPr/>
+        </p:nvSpPr>
+        <p:spPr>
+          <a:xfrm>
+            <a:off x="1137708" y="3947022"/>
+            <a:ext cx="4091114" cy="2674310"/>
+          </a:xfrm>
+          <a:prstGeom prst="cloud">
+            <a:avLst/>
+          </a:prstGeom>
+          <a:solidFill>
+            <a:srgbClr val="6497B1"/>
+          </a:solidFill>
+          <a:ln>
+            <a:solidFill>
+              <a:srgbClr val="6497B1"/>
+            </a:solidFill>
+          </a:ln>
+        </p:spPr>
+        <p:style>
+          <a:lnRef idx="2">
+            <a:schemeClr val="accent1">
+              <a:shade val="15000"/>
+            </a:schemeClr>
+          </a:lnRef>
+          <a:fillRef idx="1">
+            <a:schemeClr val="accent1"/>
+          </a:fillRef>
+          <a:effectRef idx="0">
+            <a:schemeClr val="accent1"/>
+          </a:effectRef>
+          <a:fontRef idx="minor">
+            <a:schemeClr val="lt1"/>
+          </a:fontRef>
+        </p:style>
+        <p:txBody>
+          <a:bodyPr rtlCol="0" anchor="ctr"/>
+          <a:lstStyle/>
+          <a:p>
+            <a:pPr algn="ctr"/>
+            <a:endParaRPr lang="en-US"/>
+          </a:p>
+        </p:txBody>
+      </p:sp>
+      <p:sp>
+        <p:nvSpPr>
+          <p:cNvPr id="22" name="Oval Callout 21">
+            <a:extLst>
+              <a:ext uri="{FF2B5EF4-FFF2-40B4-BE49-F238E27FC236}">
+                <a16:creationId xmlns:a16="http://schemas.microsoft.com/office/drawing/2014/main" id="{2AD21570-441D-0CE6-C5EB-A35AC4F11635}"/>
+              </a:ext>
+            </a:extLst>
+          </p:cNvPr>
+          <p:cNvSpPr/>
+          <p:nvPr/>
+        </p:nvSpPr>
+        <p:spPr>
+          <a:xfrm>
+            <a:off x="7554443" y="3922213"/>
+            <a:ext cx="3719384" cy="2512200"/>
+          </a:xfrm>
+          <a:prstGeom prst="wedgeEllipseCallout">
+            <a:avLst/>
+          </a:prstGeom>
+          <a:solidFill>
+            <a:srgbClr val="005B96"/>
+          </a:solidFill>
+          <a:ln>
+            <a:solidFill>
+              <a:srgbClr val="005B96"/>
+            </a:solidFill>
+          </a:ln>
+        </p:spPr>
+        <p:style>
+          <a:lnRef idx="2">
+            <a:schemeClr val="accent1">
+              <a:shade val="15000"/>
+            </a:schemeClr>
+          </a:lnRef>
+          <a:fillRef idx="1">
+            <a:schemeClr val="accent1"/>
+          </a:fillRef>
+          <a:effectRef idx="0">
+            <a:schemeClr val="accent1"/>
+          </a:effectRef>
+          <a:fontRef idx="minor">
+            <a:schemeClr val="lt1"/>
+          </a:fontRef>
+        </p:style>
+        <p:txBody>
+          <a:bodyPr rtlCol="0" anchor="ctr"/>
+          <a:lstStyle/>
+          <a:p>
+            <a:pPr algn="ctr"/>
+            <a:endParaRPr lang="en-US"/>
+          </a:p>
+        </p:txBody>
+      </p:sp>
+      <p:sp>
+        <p:nvSpPr>
+          <p:cNvPr id="25" name="Heart 24">
+            <a:extLst>
+              <a:ext uri="{FF2B5EF4-FFF2-40B4-BE49-F238E27FC236}">
+                <a16:creationId xmlns:a16="http://schemas.microsoft.com/office/drawing/2014/main" id="{9A61A11A-3BD5-46D9-18EB-9E5212D13A41}"/>
+              </a:ext>
+            </a:extLst>
+          </p:cNvPr>
+          <p:cNvSpPr/>
+          <p:nvPr/>
+        </p:nvSpPr>
+        <p:spPr>
+          <a:xfrm>
+            <a:off x="4464913" y="1306037"/>
+            <a:ext cx="3608173" cy="3039763"/>
+          </a:xfrm>
+          <a:prstGeom prst="heart">
+            <a:avLst/>
+          </a:prstGeom>
+          <a:solidFill>
+            <a:srgbClr val="FFADFF"/>
+          </a:solidFill>
+          <a:ln>
+            <a:solidFill>
+              <a:srgbClr val="FFADFF"/>
+            </a:solidFill>
+          </a:ln>
+        </p:spPr>
+        <p:style>
+          <a:lnRef idx="2">
+            <a:schemeClr val="accent1">
+              <a:shade val="15000"/>
+            </a:schemeClr>
+          </a:lnRef>
+          <a:fillRef idx="1">
+            <a:schemeClr val="accent1"/>
+          </a:fillRef>
+          <a:effectRef idx="0">
+            <a:schemeClr val="accent1"/>
+          </a:effectRef>
+          <a:fontRef idx="minor">
+            <a:schemeClr val="lt1"/>
+          </a:fontRef>
+        </p:style>
+        <p:txBody>
+          <a:bodyPr rtlCol="0" anchor="ctr"/>
+          <a:lstStyle/>
+          <a:p>
+            <a:pPr algn="ctr"/>
+            <a:endParaRPr lang="en-US"/>
+          </a:p>
+        </p:txBody>
+      </p:sp>
+      <p:sp>
+        <p:nvSpPr>
+          <p:cNvPr id="15" name="Explosion 1 14">
+            <a:extLst>
+              <a:ext uri="{FF2B5EF4-FFF2-40B4-BE49-F238E27FC236}">
+                <a16:creationId xmlns:a16="http://schemas.microsoft.com/office/drawing/2014/main" id="{9E8F3090-60A0-D53C-30D6-7F0230437F5B}"/>
+              </a:ext>
+            </a:extLst>
+          </p:cNvPr>
+          <p:cNvSpPr/>
+          <p:nvPr/>
+        </p:nvSpPr>
+        <p:spPr>
+          <a:xfrm rot="10605610">
+            <a:off x="3158726" y="3587815"/>
+            <a:ext cx="5874544" cy="3081876"/>
+          </a:xfrm>
+          <a:prstGeom prst="irregularSeal1">
+            <a:avLst/>
+          </a:prstGeom>
+          <a:solidFill>
+            <a:srgbClr val="C11C84"/>
+          </a:solidFill>
+          <a:ln>
+            <a:solidFill>
+              <a:srgbClr val="C11C84"/>
+            </a:solidFill>
+          </a:ln>
+        </p:spPr>
+        <p:style>
+          <a:lnRef idx="2">
+            <a:schemeClr val="accent1">
+              <a:shade val="15000"/>
+            </a:schemeClr>
+          </a:lnRef>
+          <a:fillRef idx="1">
+            <a:schemeClr val="accent1"/>
+          </a:fillRef>
+          <a:effectRef idx="0">
+            <a:schemeClr val="accent1"/>
+          </a:effectRef>
+          <a:fontRef idx="minor">
+            <a:schemeClr val="lt1"/>
+          </a:fontRef>
+        </p:style>
+        <p:txBody>
+          <a:bodyPr rtlCol="0" anchor="ctr"/>
+          <a:lstStyle/>
+          <a:p>
+            <a:pPr algn="ctr"/>
+            <a:endParaRPr lang="en-US" dirty="0"/>
+          </a:p>
+        </p:txBody>
+      </p:sp>
+      <p:sp>
+        <p:nvSpPr>
+          <p:cNvPr id="16" name="TextBox 15">
+            <a:extLst>
+              <a:ext uri="{FF2B5EF4-FFF2-40B4-BE49-F238E27FC236}">
+                <a16:creationId xmlns:a16="http://schemas.microsoft.com/office/drawing/2014/main" id="{67032529-A2C6-00E9-393C-5AA534842221}"/>
+              </a:ext>
+            </a:extLst>
+          </p:cNvPr>
+          <p:cNvSpPr txBox="1"/>
+          <p:nvPr/>
+        </p:nvSpPr>
+        <p:spPr>
+          <a:xfrm>
+            <a:off x="2629446" y="286378"/>
+            <a:ext cx="7279105" cy="707886"/>
+          </a:xfrm>
+          <a:prstGeom prst="rect">
+            <a:avLst/>
+          </a:prstGeom>
+          <a:noFill/>
+        </p:spPr>
+        <p:txBody>
+          <a:bodyPr wrap="square" rtlCol="0">
+            <a:spAutoFit/>
+          </a:bodyPr>
+          <a:lstStyle/>
+          <a:p>
+            <a:pPr algn="ctr"/>
+            <a:r>
+              <a:rPr lang="en-US" sz="4000" b="1" dirty="0">
+                <a:latin typeface="Trebuchet MS" panose="020B0703020202090204" pitchFamily="34" charset="0"/>
+              </a:rPr>
+              <a:t>May &amp; June Wrapped</a:t>
+            </a:r>
+          </a:p>
+        </p:txBody>
+      </p:sp>
+    </p:spTree>
+    <p:extLst>
+      <p:ext uri="{BB962C8B-B14F-4D97-AF65-F5344CB8AC3E}">
+        <p14:creationId xmlns:p14="http://schemas.microsoft.com/office/powerpoint/2010/main" val="246995678"/>
+      </p:ext>
+    </p:extLst>
+  </p:cSld>
+  <p:clrMapOvr>
+    <a:masterClrMapping/>
+  </p:clrMapOvr>
+</p:sld>
+</file>
+
+<file path=ppt/slides/slide4.xml><?xml version="1.0" encoding="utf-8"?>
+<p:sld xmlns:a="http://schemas.openxmlformats.org/drawingml/2006/main" xmlns:r="http://schemas.openxmlformats.org/officeDocument/2006/relationships" xmlns:p="http://schemas.openxmlformats.org/presentationml/2006/main">
+  <p:cSld>
+    <p:bg>
+      <p:bgPr>
+        <a:solidFill>
+          <a:srgbClr val="FFADFF"/>
+        </a:solidFill>
+        <a:effectLst/>
+      </p:bgPr>
+    </p:bg>
+    <p:spTree>
+      <p:nvGrpSpPr>
+        <p:cNvPr id="1" name="">
+          <a:extLst>
+            <a:ext uri="{FF2B5EF4-FFF2-40B4-BE49-F238E27FC236}">
+              <a16:creationId xmlns:a16="http://schemas.microsoft.com/office/drawing/2014/main" id="{F5916B4F-19EE-1580-8095-C0DF2317BAC8}"/>
+            </a:ext>
+          </a:extLst>
+        </p:cNvPr>
+        <p:cNvGrpSpPr/>
+        <p:nvPr/>
+      </p:nvGrpSpPr>
+      <p:grpSpPr>
+        <a:xfrm>
+          <a:off x="0" y="0"/>
+          <a:ext cx="0" cy="0"/>
+          <a:chOff x="0" y="0"/>
+          <a:chExt cx="0" cy="0"/>
+        </a:xfrm>
+      </p:grpSpPr>
+      <p:sp>
+        <p:nvSpPr>
+          <p:cNvPr id="3" name="TextBox 2">
+            <a:extLst>
+              <a:ext uri="{FF2B5EF4-FFF2-40B4-BE49-F238E27FC236}">
+                <a16:creationId xmlns:a16="http://schemas.microsoft.com/office/drawing/2014/main" id="{CF6B43EA-5564-F0F3-4567-FB45E6030AE4}"/>
+              </a:ext>
+            </a:extLst>
+          </p:cNvPr>
+          <p:cNvSpPr txBox="1"/>
+          <p:nvPr/>
+        </p:nvSpPr>
+        <p:spPr>
+          <a:xfrm>
+            <a:off x="1807245" y="2888934"/>
+            <a:ext cx="2212815" cy="830997"/>
+          </a:xfrm>
+          <a:prstGeom prst="rect">
+            <a:avLst/>
+          </a:prstGeom>
+          <a:noFill/>
+        </p:spPr>
+        <p:txBody>
+          <a:bodyPr wrap="square" rtlCol="0">
+            <a:spAutoFit/>
+          </a:bodyPr>
+          <a:lstStyle/>
+          <a:p>
+            <a:pPr algn="ctr"/>
+            <a:r>
+              <a:rPr lang="en-US" sz="2400" dirty="0">
+                <a:latin typeface="Trebuchet MS" panose="020B0703020202090204" pitchFamily="34" charset="0"/>
+              </a:rPr>
+              <a:t>Full-length cells recorded</a:t>
+            </a:r>
+          </a:p>
+        </p:txBody>
+      </p:sp>
+      <p:sp>
+        <p:nvSpPr>
+          <p:cNvPr id="4" name="TextBox 3">
+            <a:extLst>
+              <a:ext uri="{FF2B5EF4-FFF2-40B4-BE49-F238E27FC236}">
+                <a16:creationId xmlns:a16="http://schemas.microsoft.com/office/drawing/2014/main" id="{7D605F00-2D7D-6B8F-843C-CDF21E10969B}"/>
+              </a:ext>
+            </a:extLst>
+          </p:cNvPr>
+          <p:cNvSpPr txBox="1"/>
+          <p:nvPr/>
+        </p:nvSpPr>
+        <p:spPr>
+          <a:xfrm>
+            <a:off x="4989593" y="2874647"/>
+            <a:ext cx="2212815" cy="830997"/>
+          </a:xfrm>
+          <a:prstGeom prst="rect">
+            <a:avLst/>
+          </a:prstGeom>
+          <a:noFill/>
+        </p:spPr>
+        <p:txBody>
+          <a:bodyPr wrap="square" rtlCol="0">
+            <a:spAutoFit/>
+          </a:bodyPr>
+          <a:lstStyle/>
+          <a:p>
+            <a:pPr algn="ctr"/>
+            <a:r>
+              <a:rPr lang="en-US" sz="2400" dirty="0">
+                <a:latin typeface="Trebuchet MS" panose="020B0703020202090204" pitchFamily="34" charset="0"/>
+              </a:rPr>
+              <a:t>Good full- length cells</a:t>
+            </a:r>
+          </a:p>
+        </p:txBody>
+      </p:sp>
+      <p:sp>
+        <p:nvSpPr>
+          <p:cNvPr id="5" name="TextBox 4">
+            <a:extLst>
+              <a:ext uri="{FF2B5EF4-FFF2-40B4-BE49-F238E27FC236}">
+                <a16:creationId xmlns:a16="http://schemas.microsoft.com/office/drawing/2014/main" id="{116EE2DE-FEC1-B7A6-A033-D6CE14FD5F44}"/>
+              </a:ext>
+            </a:extLst>
+          </p:cNvPr>
+          <p:cNvSpPr txBox="1"/>
+          <p:nvPr/>
+        </p:nvSpPr>
+        <p:spPr>
+          <a:xfrm>
+            <a:off x="1807245" y="1943870"/>
+            <a:ext cx="2212815" cy="769441"/>
+          </a:xfrm>
+          <a:prstGeom prst="rect">
+            <a:avLst/>
+          </a:prstGeom>
+          <a:noFill/>
+        </p:spPr>
+        <p:txBody>
+          <a:bodyPr wrap="square" rtlCol="0">
+            <a:spAutoFit/>
+          </a:bodyPr>
+          <a:lstStyle/>
+          <a:p>
+            <a:pPr algn="ctr"/>
+            <a:r>
+              <a:rPr lang="en-US" sz="4400" b="1" dirty="0">
+                <a:latin typeface="Trebuchet MS" panose="020B0703020202090204" pitchFamily="34" charset="0"/>
+              </a:rPr>
+              <a:t>19</a:t>
+            </a:r>
+          </a:p>
+        </p:txBody>
+      </p:sp>
+      <p:sp>
+        <p:nvSpPr>
+          <p:cNvPr id="6" name="TextBox 5">
+            <a:extLst>
+              <a:ext uri="{FF2B5EF4-FFF2-40B4-BE49-F238E27FC236}">
+                <a16:creationId xmlns:a16="http://schemas.microsoft.com/office/drawing/2014/main" id="{ED8F111A-0344-6C36-D82E-FC5448E9F5D1}"/>
+              </a:ext>
+            </a:extLst>
+          </p:cNvPr>
+          <p:cNvSpPr txBox="1"/>
+          <p:nvPr/>
+        </p:nvSpPr>
+        <p:spPr>
+          <a:xfrm>
+            <a:off x="4989592" y="1929584"/>
+            <a:ext cx="2212815" cy="769441"/>
+          </a:xfrm>
+          <a:prstGeom prst="rect">
+            <a:avLst/>
+          </a:prstGeom>
+          <a:noFill/>
+        </p:spPr>
+        <p:txBody>
+          <a:bodyPr wrap="square" rtlCol="0">
+            <a:spAutoFit/>
+          </a:bodyPr>
+          <a:lstStyle/>
+          <a:p>
+            <a:pPr algn="ctr"/>
+            <a:r>
+              <a:rPr lang="en-US" sz="4400" b="1" dirty="0">
+                <a:latin typeface="Trebuchet MS" panose="020B0703020202090204" pitchFamily="34" charset="0"/>
+              </a:rPr>
+              <a:t>17</a:t>
+            </a:r>
+          </a:p>
+        </p:txBody>
+      </p:sp>
+      <p:sp>
+        <p:nvSpPr>
+          <p:cNvPr id="7" name="TextBox 6">
+            <a:extLst>
+              <a:ext uri="{FF2B5EF4-FFF2-40B4-BE49-F238E27FC236}">
+                <a16:creationId xmlns:a16="http://schemas.microsoft.com/office/drawing/2014/main" id="{D2808EFF-A368-5347-E292-944BE8DC12BD}"/>
+              </a:ext>
+            </a:extLst>
+          </p:cNvPr>
+          <p:cNvSpPr txBox="1"/>
+          <p:nvPr/>
+        </p:nvSpPr>
+        <p:spPr>
+          <a:xfrm>
+            <a:off x="4989593" y="5128753"/>
+            <a:ext cx="2212815" cy="830997"/>
+          </a:xfrm>
+          <a:prstGeom prst="rect">
+            <a:avLst/>
+          </a:prstGeom>
+          <a:noFill/>
+        </p:spPr>
+        <p:txBody>
+          <a:bodyPr wrap="square" rtlCol="0">
+            <a:spAutoFit/>
+          </a:bodyPr>
+          <a:lstStyle/>
+          <a:p>
+            <a:pPr algn="ctr"/>
+            <a:r>
+              <a:rPr lang="en-US" sz="2400" dirty="0" err="1">
+                <a:latin typeface="Trebuchet MS" panose="020B0703020202090204" pitchFamily="34" charset="0"/>
+              </a:rPr>
+              <a:t>Cells:Animal</a:t>
+            </a:r>
+            <a:r>
+              <a:rPr lang="en-US" sz="2400" dirty="0">
+                <a:latin typeface="Trebuchet MS" panose="020B0703020202090204" pitchFamily="34" charset="0"/>
+              </a:rPr>
+              <a:t> </a:t>
+            </a:r>
+          </a:p>
+          <a:p>
+            <a:pPr algn="ctr"/>
+            <a:r>
+              <a:rPr lang="en-US" sz="2400" dirty="0">
+                <a:latin typeface="Trebuchet MS" panose="020B0703020202090204" pitchFamily="34" charset="0"/>
+              </a:rPr>
+              <a:t>ratio</a:t>
+            </a:r>
+          </a:p>
+        </p:txBody>
+      </p:sp>
+      <p:sp>
+        <p:nvSpPr>
+          <p:cNvPr id="8" name="TextBox 7">
+            <a:extLst>
+              <a:ext uri="{FF2B5EF4-FFF2-40B4-BE49-F238E27FC236}">
+                <a16:creationId xmlns:a16="http://schemas.microsoft.com/office/drawing/2014/main" id="{C6682224-AAB5-B9D0-7E7B-151657EFF140}"/>
+              </a:ext>
+            </a:extLst>
+          </p:cNvPr>
+          <p:cNvSpPr txBox="1"/>
+          <p:nvPr/>
+        </p:nvSpPr>
+        <p:spPr>
+          <a:xfrm>
+            <a:off x="4989592" y="4183690"/>
+            <a:ext cx="2212815" cy="769441"/>
+          </a:xfrm>
+          <a:prstGeom prst="rect">
+            <a:avLst/>
+          </a:prstGeom>
+          <a:noFill/>
+        </p:spPr>
+        <p:txBody>
+          <a:bodyPr wrap="square" rtlCol="0">
+            <a:spAutoFit/>
+          </a:bodyPr>
+          <a:lstStyle/>
+          <a:p>
+            <a:pPr algn="ctr"/>
+            <a:r>
+              <a:rPr lang="en-US" sz="4400" b="1" dirty="0">
+                <a:latin typeface="Trebuchet MS" panose="020B0703020202090204" pitchFamily="34" charset="0"/>
+              </a:rPr>
+              <a:t>2.1</a:t>
+            </a:r>
+          </a:p>
+        </p:txBody>
+      </p:sp>
+      <p:sp>
+        <p:nvSpPr>
+          <p:cNvPr id="9" name="TextBox 8">
+            <a:extLst>
+              <a:ext uri="{FF2B5EF4-FFF2-40B4-BE49-F238E27FC236}">
+                <a16:creationId xmlns:a16="http://schemas.microsoft.com/office/drawing/2014/main" id="{3AC0AFFC-C3B2-D02F-F325-FE53921DB3D4}"/>
+              </a:ext>
+            </a:extLst>
+          </p:cNvPr>
+          <p:cNvSpPr txBox="1"/>
+          <p:nvPr/>
+        </p:nvSpPr>
+        <p:spPr>
+          <a:xfrm>
+            <a:off x="8171941" y="2888933"/>
+            <a:ext cx="2212815" cy="830997"/>
+          </a:xfrm>
+          <a:prstGeom prst="rect">
+            <a:avLst/>
+          </a:prstGeom>
+          <a:noFill/>
+        </p:spPr>
+        <p:txBody>
+          <a:bodyPr wrap="square" rtlCol="0">
+            <a:spAutoFit/>
+          </a:bodyPr>
+          <a:lstStyle/>
+          <a:p>
+            <a:pPr algn="ctr"/>
+            <a:r>
+              <a:rPr lang="en-US" sz="2400" dirty="0">
+                <a:latin typeface="Trebuchet MS" panose="020B0703020202090204" pitchFamily="34" charset="0"/>
+              </a:rPr>
+              <a:t>Record cell day</a:t>
+            </a:r>
+          </a:p>
+        </p:txBody>
+      </p:sp>
+      <p:sp>
+        <p:nvSpPr>
+          <p:cNvPr id="10" name="TextBox 9">
+            <a:extLst>
+              <a:ext uri="{FF2B5EF4-FFF2-40B4-BE49-F238E27FC236}">
+                <a16:creationId xmlns:a16="http://schemas.microsoft.com/office/drawing/2014/main" id="{119BB79F-350E-E252-78B8-41FE237E6860}"/>
+              </a:ext>
+            </a:extLst>
+          </p:cNvPr>
+          <p:cNvSpPr txBox="1"/>
+          <p:nvPr/>
+        </p:nvSpPr>
+        <p:spPr>
+          <a:xfrm>
+            <a:off x="8171940" y="1943870"/>
+            <a:ext cx="2212815" cy="769441"/>
+          </a:xfrm>
+          <a:prstGeom prst="rect">
+            <a:avLst/>
+          </a:prstGeom>
+          <a:noFill/>
+        </p:spPr>
+        <p:txBody>
+          <a:bodyPr wrap="square" rtlCol="0">
+            <a:spAutoFit/>
+          </a:bodyPr>
+          <a:lstStyle/>
+          <a:p>
+            <a:pPr algn="ctr"/>
+            <a:r>
+              <a:rPr lang="en-US" sz="4400" b="1" dirty="0">
+                <a:latin typeface="Trebuchet MS" panose="020B0703020202090204" pitchFamily="34" charset="0"/>
+              </a:rPr>
+              <a:t>4</a:t>
+            </a:r>
+          </a:p>
+        </p:txBody>
+      </p:sp>
+      <p:sp>
+        <p:nvSpPr>
+          <p:cNvPr id="11" name="TextBox 10">
+            <a:extLst>
+              <a:ext uri="{FF2B5EF4-FFF2-40B4-BE49-F238E27FC236}">
+                <a16:creationId xmlns:a16="http://schemas.microsoft.com/office/drawing/2014/main" id="{AF09E6B8-6754-7080-F52F-2BE1518075E8}"/>
+              </a:ext>
+            </a:extLst>
+          </p:cNvPr>
+          <p:cNvSpPr txBox="1"/>
+          <p:nvPr/>
+        </p:nvSpPr>
+        <p:spPr>
+          <a:xfrm>
+            <a:off x="7908329" y="5128753"/>
+            <a:ext cx="2740036" cy="830997"/>
+          </a:xfrm>
+          <a:prstGeom prst="rect">
+            <a:avLst/>
+          </a:prstGeom>
+          <a:noFill/>
+        </p:spPr>
+        <p:txBody>
+          <a:bodyPr wrap="square" rtlCol="0">
+            <a:spAutoFit/>
+          </a:bodyPr>
+          <a:lstStyle/>
+          <a:p>
+            <a:pPr algn="ctr"/>
+            <a:r>
+              <a:rPr lang="en-US" sz="2400" dirty="0">
+                <a:latin typeface="Trebuchet MS" panose="020B0703020202090204" pitchFamily="34" charset="0"/>
+              </a:rPr>
+              <a:t>Good </a:t>
+            </a:r>
+            <a:r>
+              <a:rPr lang="en-US" sz="2400" dirty="0" err="1">
+                <a:latin typeface="Trebuchet MS" panose="020B0703020202090204" pitchFamily="34" charset="0"/>
+              </a:rPr>
+              <a:t>cells:Animal</a:t>
+            </a:r>
+            <a:r>
+              <a:rPr lang="en-US" sz="2400" dirty="0">
+                <a:latin typeface="Trebuchet MS" panose="020B0703020202090204" pitchFamily="34" charset="0"/>
+              </a:rPr>
+              <a:t> ratio</a:t>
+            </a:r>
+          </a:p>
+        </p:txBody>
+      </p:sp>
+      <p:sp>
+        <p:nvSpPr>
+          <p:cNvPr id="12" name="TextBox 11">
+            <a:extLst>
+              <a:ext uri="{FF2B5EF4-FFF2-40B4-BE49-F238E27FC236}">
+                <a16:creationId xmlns:a16="http://schemas.microsoft.com/office/drawing/2014/main" id="{8039D5D9-7B6C-841D-C7C1-C55F23E8737D}"/>
+              </a:ext>
+            </a:extLst>
+          </p:cNvPr>
+          <p:cNvSpPr txBox="1"/>
+          <p:nvPr/>
+        </p:nvSpPr>
+        <p:spPr>
+          <a:xfrm>
+            <a:off x="8171940" y="4183690"/>
+            <a:ext cx="2212815" cy="769441"/>
+          </a:xfrm>
+          <a:prstGeom prst="rect">
+            <a:avLst/>
+          </a:prstGeom>
+          <a:noFill/>
+        </p:spPr>
+        <p:txBody>
+          <a:bodyPr wrap="square" rtlCol="0">
+            <a:spAutoFit/>
+          </a:bodyPr>
+          <a:lstStyle/>
+          <a:p>
+            <a:pPr algn="ctr"/>
+            <a:r>
+              <a:rPr lang="en-US" sz="4400" b="1" dirty="0">
+                <a:latin typeface="Trebuchet MS" panose="020B0703020202090204" pitchFamily="34" charset="0"/>
+              </a:rPr>
+              <a:t>1.9</a:t>
+            </a:r>
+          </a:p>
+        </p:txBody>
+      </p:sp>
+      <p:sp>
+        <p:nvSpPr>
+          <p:cNvPr id="13" name="TextBox 12">
+            <a:extLst>
+              <a:ext uri="{FF2B5EF4-FFF2-40B4-BE49-F238E27FC236}">
+                <a16:creationId xmlns:a16="http://schemas.microsoft.com/office/drawing/2014/main" id="{E3A3221C-1000-9CA5-2915-851BA38A3DF4}"/>
+              </a:ext>
+            </a:extLst>
+          </p:cNvPr>
+          <p:cNvSpPr txBox="1"/>
+          <p:nvPr/>
+        </p:nvSpPr>
+        <p:spPr>
+          <a:xfrm>
+            <a:off x="1807245" y="5143039"/>
+            <a:ext cx="2212815" cy="830997"/>
+          </a:xfrm>
+          <a:prstGeom prst="rect">
+            <a:avLst/>
+          </a:prstGeom>
+          <a:noFill/>
+        </p:spPr>
+        <p:txBody>
+          <a:bodyPr wrap="square" rtlCol="0">
+            <a:spAutoFit/>
+          </a:bodyPr>
+          <a:lstStyle/>
+          <a:p>
+            <a:pPr algn="ctr"/>
+            <a:r>
+              <a:rPr lang="en-US" sz="2400" dirty="0">
+                <a:latin typeface="Trebuchet MS" panose="020B0703020202090204" pitchFamily="34" charset="0"/>
+              </a:rPr>
+              <a:t>Minutes spent watching tube</a:t>
+            </a:r>
+          </a:p>
+        </p:txBody>
+      </p:sp>
+      <p:sp>
+        <p:nvSpPr>
+          <p:cNvPr id="14" name="TextBox 13">
+            <a:extLst>
+              <a:ext uri="{FF2B5EF4-FFF2-40B4-BE49-F238E27FC236}">
+                <a16:creationId xmlns:a16="http://schemas.microsoft.com/office/drawing/2014/main" id="{6CC2A661-22CD-5F45-8C11-1A17A1777CF2}"/>
+              </a:ext>
+            </a:extLst>
+          </p:cNvPr>
+          <p:cNvSpPr txBox="1"/>
+          <p:nvPr/>
+        </p:nvSpPr>
+        <p:spPr>
+          <a:xfrm>
+            <a:off x="1807245" y="4183690"/>
+            <a:ext cx="2212815" cy="769441"/>
+          </a:xfrm>
+          <a:prstGeom prst="rect">
+            <a:avLst/>
+          </a:prstGeom>
+          <a:noFill/>
+        </p:spPr>
+        <p:txBody>
+          <a:bodyPr wrap="square" rtlCol="0">
+            <a:spAutoFit/>
+          </a:bodyPr>
+          <a:lstStyle/>
+          <a:p>
+            <a:pPr algn="ctr"/>
+            <a:r>
+              <a:rPr lang="en-US" sz="4400" b="1" dirty="0">
+                <a:latin typeface="Trebuchet MS" panose="020B0703020202090204" pitchFamily="34" charset="0"/>
+              </a:rPr>
+              <a:t>450</a:t>
+            </a:r>
+          </a:p>
+        </p:txBody>
+      </p:sp>
+      <p:sp>
+        <p:nvSpPr>
+          <p:cNvPr id="17" name="Explosion 1 16">
+            <a:extLst>
+              <a:ext uri="{FF2B5EF4-FFF2-40B4-BE49-F238E27FC236}">
+                <a16:creationId xmlns:a16="http://schemas.microsoft.com/office/drawing/2014/main" id="{26D404D3-27A4-AD04-CC3E-5B41D2A1D81F}"/>
+              </a:ext>
+            </a:extLst>
+          </p:cNvPr>
+          <p:cNvSpPr/>
+          <p:nvPr/>
+        </p:nvSpPr>
+        <p:spPr>
+          <a:xfrm>
+            <a:off x="7603518" y="1063061"/>
+            <a:ext cx="3962406" cy="3623172"/>
+          </a:xfrm>
+          <a:prstGeom prst="irregularSeal1">
+            <a:avLst/>
+          </a:prstGeom>
+          <a:solidFill>
+            <a:srgbClr val="F19CAC"/>
+          </a:solidFill>
+          <a:ln>
+            <a:solidFill>
+              <a:srgbClr val="F19CAC"/>
+            </a:solidFill>
+          </a:ln>
+        </p:spPr>
+        <p:style>
+          <a:lnRef idx="2">
+            <a:schemeClr val="accent1">
+              <a:shade val="15000"/>
+            </a:schemeClr>
+          </a:lnRef>
+          <a:fillRef idx="1">
+            <a:schemeClr val="accent1"/>
+          </a:fillRef>
+          <a:effectRef idx="0">
+            <a:schemeClr val="accent1"/>
+          </a:effectRef>
+          <a:fontRef idx="minor">
+            <a:schemeClr val="lt1"/>
+          </a:fontRef>
+        </p:style>
+        <p:txBody>
+          <a:bodyPr rtlCol="0" anchor="ctr"/>
+          <a:lstStyle/>
+          <a:p>
+            <a:pPr algn="ctr"/>
+            <a:endParaRPr lang="en-US"/>
+          </a:p>
+        </p:txBody>
+      </p:sp>
+      <p:sp>
+        <p:nvSpPr>
+          <p:cNvPr id="20" name="Cloud 19">
+            <a:extLst>
+              <a:ext uri="{FF2B5EF4-FFF2-40B4-BE49-F238E27FC236}">
+                <a16:creationId xmlns:a16="http://schemas.microsoft.com/office/drawing/2014/main" id="{27642F40-7CAB-0810-9B71-7662F28C5B91}"/>
+              </a:ext>
+            </a:extLst>
+          </p:cNvPr>
+          <p:cNvSpPr/>
+          <p:nvPr/>
+        </p:nvSpPr>
+        <p:spPr>
+          <a:xfrm>
+            <a:off x="1137708" y="3947022"/>
+            <a:ext cx="4091114" cy="2674310"/>
+          </a:xfrm>
+          <a:prstGeom prst="cloud">
+            <a:avLst/>
+          </a:prstGeom>
+          <a:solidFill>
+            <a:srgbClr val="6497B1"/>
+          </a:solidFill>
+          <a:ln>
+            <a:solidFill>
+              <a:srgbClr val="6497B1"/>
+            </a:solidFill>
+          </a:ln>
+        </p:spPr>
+        <p:style>
+          <a:lnRef idx="2">
+            <a:schemeClr val="accent1">
+              <a:shade val="15000"/>
+            </a:schemeClr>
+          </a:lnRef>
+          <a:fillRef idx="1">
+            <a:schemeClr val="accent1"/>
+          </a:fillRef>
+          <a:effectRef idx="0">
+            <a:schemeClr val="accent1"/>
+          </a:effectRef>
+          <a:fontRef idx="minor">
+            <a:schemeClr val="lt1"/>
+          </a:fontRef>
+        </p:style>
+        <p:txBody>
+          <a:bodyPr rtlCol="0" anchor="ctr"/>
+          <a:lstStyle/>
+          <a:p>
+            <a:pPr algn="ctr"/>
+            <a:endParaRPr lang="en-US"/>
+          </a:p>
+        </p:txBody>
+      </p:sp>
+      <p:sp>
+        <p:nvSpPr>
+          <p:cNvPr id="22" name="Oval Callout 21">
+            <a:extLst>
+              <a:ext uri="{FF2B5EF4-FFF2-40B4-BE49-F238E27FC236}">
+                <a16:creationId xmlns:a16="http://schemas.microsoft.com/office/drawing/2014/main" id="{0749B3B7-16BC-73BD-E52D-D4F1DD61EE68}"/>
+              </a:ext>
+            </a:extLst>
+          </p:cNvPr>
+          <p:cNvSpPr/>
+          <p:nvPr/>
+        </p:nvSpPr>
+        <p:spPr>
+          <a:xfrm>
+            <a:off x="7554443" y="3922213"/>
+            <a:ext cx="3719384" cy="2512200"/>
+          </a:xfrm>
+          <a:prstGeom prst="wedgeEllipseCallout">
+            <a:avLst/>
+          </a:prstGeom>
+          <a:solidFill>
+            <a:srgbClr val="005B96"/>
+          </a:solidFill>
+          <a:ln>
+            <a:solidFill>
+              <a:srgbClr val="005B96"/>
+            </a:solidFill>
+          </a:ln>
+        </p:spPr>
+        <p:style>
+          <a:lnRef idx="2">
+            <a:schemeClr val="accent1">
+              <a:shade val="15000"/>
+            </a:schemeClr>
+          </a:lnRef>
+          <a:fillRef idx="1">
+            <a:schemeClr val="accent1"/>
+          </a:fillRef>
+          <a:effectRef idx="0">
+            <a:schemeClr val="accent1"/>
+          </a:effectRef>
+          <a:fontRef idx="minor">
+            <a:schemeClr val="lt1"/>
+          </a:fontRef>
+        </p:style>
+        <p:txBody>
+          <a:bodyPr rtlCol="0" anchor="ctr"/>
+          <a:lstStyle/>
+          <a:p>
+            <a:pPr algn="ctr"/>
+            <a:endParaRPr lang="en-US"/>
+          </a:p>
+        </p:txBody>
+      </p:sp>
+      <p:sp>
+        <p:nvSpPr>
+          <p:cNvPr id="26" name="Explosion 1 25">
+            <a:extLst>
+              <a:ext uri="{FF2B5EF4-FFF2-40B4-BE49-F238E27FC236}">
+                <a16:creationId xmlns:a16="http://schemas.microsoft.com/office/drawing/2014/main" id="{AADC6EA8-C97C-6EBB-8A0E-2F2D22BD3B40}"/>
+              </a:ext>
+            </a:extLst>
+          </p:cNvPr>
+          <p:cNvSpPr/>
+          <p:nvPr/>
+        </p:nvSpPr>
+        <p:spPr>
+          <a:xfrm rot="10605610">
+            <a:off x="3158726" y="3587815"/>
+            <a:ext cx="5874544" cy="3081876"/>
+          </a:xfrm>
+          <a:prstGeom prst="irregularSeal1">
+            <a:avLst/>
+          </a:prstGeom>
+          <a:solidFill>
+            <a:srgbClr val="C11C84"/>
+          </a:solidFill>
+          <a:ln>
+            <a:solidFill>
+              <a:srgbClr val="C11C84"/>
+            </a:solidFill>
+          </a:ln>
+        </p:spPr>
+        <p:style>
+          <a:lnRef idx="2">
+            <a:schemeClr val="accent1">
+              <a:shade val="15000"/>
+            </a:schemeClr>
+          </a:lnRef>
+          <a:fillRef idx="1">
+            <a:schemeClr val="accent1"/>
+          </a:fillRef>
+          <a:effectRef idx="0">
+            <a:schemeClr val="accent1"/>
+          </a:effectRef>
+          <a:fontRef idx="minor">
+            <a:schemeClr val="lt1"/>
+          </a:fontRef>
+        </p:style>
+        <p:txBody>
+          <a:bodyPr rtlCol="0" anchor="ctr"/>
+          <a:lstStyle/>
+          <a:p>
+            <a:pPr algn="ctr"/>
+            <a:endParaRPr lang="en-US" dirty="0"/>
+          </a:p>
+        </p:txBody>
+      </p:sp>
+      <p:sp>
+        <p:nvSpPr>
+          <p:cNvPr id="15" name="TextBox 14">
+            <a:extLst>
+              <a:ext uri="{FF2B5EF4-FFF2-40B4-BE49-F238E27FC236}">
+                <a16:creationId xmlns:a16="http://schemas.microsoft.com/office/drawing/2014/main" id="{226C6E71-73C9-CC43-47EC-338383CE406A}"/>
+              </a:ext>
+            </a:extLst>
+          </p:cNvPr>
+          <p:cNvSpPr txBox="1"/>
+          <p:nvPr/>
+        </p:nvSpPr>
+        <p:spPr>
+          <a:xfrm>
+            <a:off x="2629446" y="286378"/>
+            <a:ext cx="7279105" cy="707886"/>
+          </a:xfrm>
+          <a:prstGeom prst="rect">
+            <a:avLst/>
+          </a:prstGeom>
+          <a:noFill/>
+        </p:spPr>
+        <p:txBody>
+          <a:bodyPr wrap="square" rtlCol="0">
+            <a:spAutoFit/>
+          </a:bodyPr>
+          <a:lstStyle/>
+          <a:p>
+            <a:pPr algn="ctr"/>
+            <a:r>
+              <a:rPr lang="en-US" sz="4000" b="1" dirty="0">
+                <a:latin typeface="Trebuchet MS" panose="020B0703020202090204" pitchFamily="34" charset="0"/>
+              </a:rPr>
+              <a:t>May &amp; June Wrapped</a:t>
+            </a:r>
+          </a:p>
+        </p:txBody>
+      </p:sp>
+    </p:spTree>
+    <p:extLst>
+      <p:ext uri="{BB962C8B-B14F-4D97-AF65-F5344CB8AC3E}">
+        <p14:creationId xmlns:p14="http://schemas.microsoft.com/office/powerpoint/2010/main" val="3336162723"/>
+      </p:ext>
+    </p:extLst>
+  </p:cSld>
+  <p:clrMapOvr>
+    <a:masterClrMapping/>
+  </p:clrMapOvr>
+</p:sld>
+</file>
+
+<file path=ppt/slides/slide5.xml><?xml version="1.0" encoding="utf-8"?>
+<p:sld xmlns:a="http://schemas.openxmlformats.org/drawingml/2006/main" xmlns:r="http://schemas.openxmlformats.org/officeDocument/2006/relationships" xmlns:p="http://schemas.openxmlformats.org/presentationml/2006/main">
+  <p:cSld>
+    <p:bg>
+      <p:bgPr>
+        <a:solidFill>
+          <a:srgbClr val="F19CAC"/>
+        </a:solidFill>
+        <a:effectLst/>
+      </p:bgPr>
+    </p:bg>
+    <p:spTree>
+      <p:nvGrpSpPr>
+        <p:cNvPr id="1" name="">
+          <a:extLst>
+            <a:ext uri="{FF2B5EF4-FFF2-40B4-BE49-F238E27FC236}">
+              <a16:creationId xmlns:a16="http://schemas.microsoft.com/office/drawing/2014/main" id="{F435AE8F-C48E-5C7A-D690-6756CD9EAD9A}"/>
+            </a:ext>
+          </a:extLst>
+        </p:cNvPr>
+        <p:cNvGrpSpPr/>
+        <p:nvPr/>
+      </p:nvGrpSpPr>
+      <p:grpSpPr>
+        <a:xfrm>
+          <a:off x="0" y="0"/>
+          <a:ext cx="0" cy="0"/>
+          <a:chOff x="0" y="0"/>
+          <a:chExt cx="0" cy="0"/>
+        </a:xfrm>
+      </p:grpSpPr>
+      <p:sp>
+        <p:nvSpPr>
+          <p:cNvPr id="3" name="TextBox 2">
+            <a:extLst>
+              <a:ext uri="{FF2B5EF4-FFF2-40B4-BE49-F238E27FC236}">
+                <a16:creationId xmlns:a16="http://schemas.microsoft.com/office/drawing/2014/main" id="{B18B20C3-9E98-F8D8-26F4-07CED8D639EA}"/>
+              </a:ext>
+            </a:extLst>
+          </p:cNvPr>
+          <p:cNvSpPr txBox="1"/>
+          <p:nvPr/>
+        </p:nvSpPr>
+        <p:spPr>
+          <a:xfrm>
+            <a:off x="1807245" y="2888934"/>
+            <a:ext cx="2212815" cy="830997"/>
+          </a:xfrm>
+          <a:prstGeom prst="rect">
+            <a:avLst/>
+          </a:prstGeom>
+          <a:noFill/>
+        </p:spPr>
+        <p:txBody>
+          <a:bodyPr wrap="square" rtlCol="0">
+            <a:spAutoFit/>
+          </a:bodyPr>
+          <a:lstStyle/>
+          <a:p>
+            <a:pPr algn="ctr"/>
+            <a:r>
+              <a:rPr lang="en-US" sz="2400" dirty="0">
+                <a:latin typeface="Trebuchet MS" panose="020B0703020202090204" pitchFamily="34" charset="0"/>
+              </a:rPr>
+              <a:t>Full-length cells recorded</a:t>
+            </a:r>
+          </a:p>
+        </p:txBody>
+      </p:sp>
+      <p:sp>
+        <p:nvSpPr>
+          <p:cNvPr id="4" name="TextBox 3">
+            <a:extLst>
+              <a:ext uri="{FF2B5EF4-FFF2-40B4-BE49-F238E27FC236}">
+                <a16:creationId xmlns:a16="http://schemas.microsoft.com/office/drawing/2014/main" id="{3049A72C-E6E8-D2E7-0876-1266BCB80E0A}"/>
+              </a:ext>
+            </a:extLst>
+          </p:cNvPr>
+          <p:cNvSpPr txBox="1"/>
+          <p:nvPr/>
+        </p:nvSpPr>
+        <p:spPr>
+          <a:xfrm>
+            <a:off x="4989593" y="2874647"/>
+            <a:ext cx="2212815" cy="830997"/>
+          </a:xfrm>
+          <a:prstGeom prst="rect">
+            <a:avLst/>
+          </a:prstGeom>
+          <a:noFill/>
+        </p:spPr>
+        <p:txBody>
+          <a:bodyPr wrap="square" rtlCol="0">
+            <a:spAutoFit/>
+          </a:bodyPr>
+          <a:lstStyle/>
+          <a:p>
+            <a:pPr algn="ctr"/>
+            <a:r>
+              <a:rPr lang="en-US" sz="2400" dirty="0">
+                <a:latin typeface="Trebuchet MS" panose="020B0703020202090204" pitchFamily="34" charset="0"/>
+              </a:rPr>
+              <a:t>Good full- length cells</a:t>
+            </a:r>
+          </a:p>
+        </p:txBody>
+      </p:sp>
+      <p:sp>
+        <p:nvSpPr>
+          <p:cNvPr id="5" name="TextBox 4">
+            <a:extLst>
+              <a:ext uri="{FF2B5EF4-FFF2-40B4-BE49-F238E27FC236}">
+                <a16:creationId xmlns:a16="http://schemas.microsoft.com/office/drawing/2014/main" id="{4677F245-5AAC-0045-C46E-80D2D4C45D29}"/>
+              </a:ext>
+            </a:extLst>
+          </p:cNvPr>
+          <p:cNvSpPr txBox="1"/>
+          <p:nvPr/>
+        </p:nvSpPr>
+        <p:spPr>
+          <a:xfrm>
+            <a:off x="1807245" y="1943870"/>
+            <a:ext cx="2212815" cy="769441"/>
+          </a:xfrm>
+          <a:prstGeom prst="rect">
+            <a:avLst/>
+          </a:prstGeom>
+          <a:noFill/>
+        </p:spPr>
+        <p:txBody>
+          <a:bodyPr wrap="square" rtlCol="0">
+            <a:spAutoFit/>
+          </a:bodyPr>
+          <a:lstStyle/>
+          <a:p>
+            <a:pPr algn="ctr"/>
+            <a:r>
+              <a:rPr lang="en-US" sz="4400" b="1" dirty="0">
+                <a:latin typeface="Trebuchet MS" panose="020B0703020202090204" pitchFamily="34" charset="0"/>
+              </a:rPr>
+              <a:t>19</a:t>
+            </a:r>
+          </a:p>
+        </p:txBody>
+      </p:sp>
+      <p:sp>
+        <p:nvSpPr>
+          <p:cNvPr id="6" name="TextBox 5">
+            <a:extLst>
+              <a:ext uri="{FF2B5EF4-FFF2-40B4-BE49-F238E27FC236}">
+                <a16:creationId xmlns:a16="http://schemas.microsoft.com/office/drawing/2014/main" id="{3803D54F-22E4-E274-30AF-C01FFCB4EE03}"/>
+              </a:ext>
+            </a:extLst>
+          </p:cNvPr>
+          <p:cNvSpPr txBox="1"/>
+          <p:nvPr/>
+        </p:nvSpPr>
+        <p:spPr>
+          <a:xfrm>
+            <a:off x="4989592" y="1929584"/>
+            <a:ext cx="2212815" cy="769441"/>
+          </a:xfrm>
+          <a:prstGeom prst="rect">
+            <a:avLst/>
+          </a:prstGeom>
+          <a:noFill/>
+        </p:spPr>
+        <p:txBody>
+          <a:bodyPr wrap="square" rtlCol="0">
+            <a:spAutoFit/>
+          </a:bodyPr>
+          <a:lstStyle/>
+          <a:p>
+            <a:pPr algn="ctr"/>
+            <a:r>
+              <a:rPr lang="en-US" sz="4400" b="1" dirty="0">
+                <a:latin typeface="Trebuchet MS" panose="020B0703020202090204" pitchFamily="34" charset="0"/>
+              </a:rPr>
+              <a:t>17</a:t>
+            </a:r>
+          </a:p>
+        </p:txBody>
+      </p:sp>
+      <p:sp>
+        <p:nvSpPr>
+          <p:cNvPr id="7" name="TextBox 6">
+            <a:extLst>
+              <a:ext uri="{FF2B5EF4-FFF2-40B4-BE49-F238E27FC236}">
+                <a16:creationId xmlns:a16="http://schemas.microsoft.com/office/drawing/2014/main" id="{60B17C92-37A3-304C-9956-D1511E13912E}"/>
+              </a:ext>
+            </a:extLst>
+          </p:cNvPr>
+          <p:cNvSpPr txBox="1"/>
+          <p:nvPr/>
+        </p:nvSpPr>
+        <p:spPr>
+          <a:xfrm>
+            <a:off x="4989593" y="5128753"/>
+            <a:ext cx="2212815" cy="830997"/>
+          </a:xfrm>
+          <a:prstGeom prst="rect">
+            <a:avLst/>
+          </a:prstGeom>
+          <a:noFill/>
+        </p:spPr>
+        <p:txBody>
+          <a:bodyPr wrap="square" rtlCol="0">
+            <a:spAutoFit/>
+          </a:bodyPr>
+          <a:lstStyle/>
+          <a:p>
+            <a:pPr algn="ctr"/>
+            <a:r>
+              <a:rPr lang="en-US" sz="2400" dirty="0" err="1">
+                <a:latin typeface="Trebuchet MS" panose="020B0703020202090204" pitchFamily="34" charset="0"/>
+              </a:rPr>
+              <a:t>Cells:Animal</a:t>
+            </a:r>
+            <a:r>
+              <a:rPr lang="en-US" sz="2400" dirty="0">
+                <a:latin typeface="Trebuchet MS" panose="020B0703020202090204" pitchFamily="34" charset="0"/>
+              </a:rPr>
+              <a:t> </a:t>
+            </a:r>
+          </a:p>
+          <a:p>
+            <a:pPr algn="ctr"/>
+            <a:r>
+              <a:rPr lang="en-US" sz="2400" dirty="0">
+                <a:latin typeface="Trebuchet MS" panose="020B0703020202090204" pitchFamily="34" charset="0"/>
+              </a:rPr>
+              <a:t>ratio</a:t>
+            </a:r>
+          </a:p>
+        </p:txBody>
+      </p:sp>
+      <p:sp>
+        <p:nvSpPr>
+          <p:cNvPr id="8" name="TextBox 7">
+            <a:extLst>
+              <a:ext uri="{FF2B5EF4-FFF2-40B4-BE49-F238E27FC236}">
+                <a16:creationId xmlns:a16="http://schemas.microsoft.com/office/drawing/2014/main" id="{67857EA8-A559-7B5D-12CE-A27F2309E168}"/>
+              </a:ext>
+            </a:extLst>
+          </p:cNvPr>
+          <p:cNvSpPr txBox="1"/>
+          <p:nvPr/>
+        </p:nvSpPr>
+        <p:spPr>
+          <a:xfrm>
+            <a:off x="4989592" y="4183690"/>
+            <a:ext cx="2212815" cy="769441"/>
+          </a:xfrm>
+          <a:prstGeom prst="rect">
+            <a:avLst/>
+          </a:prstGeom>
+          <a:noFill/>
+        </p:spPr>
+        <p:txBody>
+          <a:bodyPr wrap="square" rtlCol="0">
+            <a:spAutoFit/>
+          </a:bodyPr>
+          <a:lstStyle/>
+          <a:p>
+            <a:pPr algn="ctr"/>
+            <a:r>
+              <a:rPr lang="en-US" sz="4400" b="1" dirty="0">
+                <a:latin typeface="Trebuchet MS" panose="020B0703020202090204" pitchFamily="34" charset="0"/>
+              </a:rPr>
+              <a:t>2.1</a:t>
+            </a:r>
+          </a:p>
+        </p:txBody>
+      </p:sp>
+      <p:sp>
+        <p:nvSpPr>
+          <p:cNvPr id="9" name="TextBox 8">
+            <a:extLst>
+              <a:ext uri="{FF2B5EF4-FFF2-40B4-BE49-F238E27FC236}">
+                <a16:creationId xmlns:a16="http://schemas.microsoft.com/office/drawing/2014/main" id="{DF8C398C-A61D-FE66-D18E-7BE8F767FAE1}"/>
+              </a:ext>
+            </a:extLst>
+          </p:cNvPr>
+          <p:cNvSpPr txBox="1"/>
+          <p:nvPr/>
+        </p:nvSpPr>
+        <p:spPr>
+          <a:xfrm>
+            <a:off x="8171941" y="2888933"/>
+            <a:ext cx="2212815" cy="830997"/>
+          </a:xfrm>
+          <a:prstGeom prst="rect">
+            <a:avLst/>
+          </a:prstGeom>
+          <a:noFill/>
+        </p:spPr>
+        <p:txBody>
+          <a:bodyPr wrap="square" rtlCol="0">
+            <a:spAutoFit/>
+          </a:bodyPr>
+          <a:lstStyle/>
+          <a:p>
+            <a:pPr algn="ctr"/>
+            <a:r>
+              <a:rPr lang="en-US" sz="2400" dirty="0">
+                <a:latin typeface="Trebuchet MS" panose="020B0703020202090204" pitchFamily="34" charset="0"/>
+              </a:rPr>
+              <a:t>Record cell day</a:t>
+            </a:r>
+          </a:p>
+        </p:txBody>
+      </p:sp>
+      <p:sp>
+        <p:nvSpPr>
+          <p:cNvPr id="10" name="TextBox 9">
+            <a:extLst>
+              <a:ext uri="{FF2B5EF4-FFF2-40B4-BE49-F238E27FC236}">
+                <a16:creationId xmlns:a16="http://schemas.microsoft.com/office/drawing/2014/main" id="{AA36ABA9-660C-2E52-1160-196720F4F04E}"/>
+              </a:ext>
+            </a:extLst>
+          </p:cNvPr>
+          <p:cNvSpPr txBox="1"/>
+          <p:nvPr/>
+        </p:nvSpPr>
+        <p:spPr>
+          <a:xfrm>
+            <a:off x="8171940" y="1943870"/>
+            <a:ext cx="2212815" cy="769441"/>
+          </a:xfrm>
+          <a:prstGeom prst="rect">
+            <a:avLst/>
+          </a:prstGeom>
+          <a:noFill/>
+        </p:spPr>
+        <p:txBody>
+          <a:bodyPr wrap="square" rtlCol="0">
+            <a:spAutoFit/>
+          </a:bodyPr>
+          <a:lstStyle/>
+          <a:p>
+            <a:pPr algn="ctr"/>
+            <a:r>
+              <a:rPr lang="en-US" sz="4400" b="1" dirty="0">
+                <a:latin typeface="Trebuchet MS" panose="020B0703020202090204" pitchFamily="34" charset="0"/>
+              </a:rPr>
+              <a:t>4</a:t>
+            </a:r>
+          </a:p>
+        </p:txBody>
+      </p:sp>
+      <p:sp>
+        <p:nvSpPr>
+          <p:cNvPr id="11" name="TextBox 10">
+            <a:extLst>
+              <a:ext uri="{FF2B5EF4-FFF2-40B4-BE49-F238E27FC236}">
+                <a16:creationId xmlns:a16="http://schemas.microsoft.com/office/drawing/2014/main" id="{2F16363D-73F8-8A76-A0D7-F8C192826735}"/>
+              </a:ext>
+            </a:extLst>
+          </p:cNvPr>
+          <p:cNvSpPr txBox="1"/>
+          <p:nvPr/>
+        </p:nvSpPr>
+        <p:spPr>
+          <a:xfrm>
+            <a:off x="7908329" y="5128753"/>
+            <a:ext cx="2740036" cy="830997"/>
+          </a:xfrm>
+          <a:prstGeom prst="rect">
+            <a:avLst/>
+          </a:prstGeom>
+          <a:noFill/>
+        </p:spPr>
+        <p:txBody>
+          <a:bodyPr wrap="square" rtlCol="0">
+            <a:spAutoFit/>
+          </a:bodyPr>
+          <a:lstStyle/>
+          <a:p>
+            <a:pPr algn="ctr"/>
+            <a:r>
+              <a:rPr lang="en-US" sz="2400" dirty="0">
+                <a:latin typeface="Trebuchet MS" panose="020B0703020202090204" pitchFamily="34" charset="0"/>
+              </a:rPr>
+              <a:t>Good </a:t>
+            </a:r>
+            <a:r>
+              <a:rPr lang="en-US" sz="2400" dirty="0" err="1">
+                <a:latin typeface="Trebuchet MS" panose="020B0703020202090204" pitchFamily="34" charset="0"/>
+              </a:rPr>
+              <a:t>cells:Animal</a:t>
+            </a:r>
+            <a:r>
+              <a:rPr lang="en-US" sz="2400" dirty="0">
+                <a:latin typeface="Trebuchet MS" panose="020B0703020202090204" pitchFamily="34" charset="0"/>
+              </a:rPr>
+              <a:t> ratio</a:t>
+            </a:r>
+          </a:p>
+        </p:txBody>
+      </p:sp>
+      <p:sp>
+        <p:nvSpPr>
+          <p:cNvPr id="12" name="TextBox 11">
+            <a:extLst>
+              <a:ext uri="{FF2B5EF4-FFF2-40B4-BE49-F238E27FC236}">
+                <a16:creationId xmlns:a16="http://schemas.microsoft.com/office/drawing/2014/main" id="{D723819A-1047-8578-5602-65C0029C4C7D}"/>
+              </a:ext>
+            </a:extLst>
+          </p:cNvPr>
+          <p:cNvSpPr txBox="1"/>
+          <p:nvPr/>
+        </p:nvSpPr>
+        <p:spPr>
+          <a:xfrm>
+            <a:off x="8171940" y="4183690"/>
+            <a:ext cx="2212815" cy="769441"/>
+          </a:xfrm>
+          <a:prstGeom prst="rect">
+            <a:avLst/>
+          </a:prstGeom>
+          <a:noFill/>
+        </p:spPr>
+        <p:txBody>
+          <a:bodyPr wrap="square" rtlCol="0">
+            <a:spAutoFit/>
+          </a:bodyPr>
+          <a:lstStyle/>
+          <a:p>
+            <a:pPr algn="ctr"/>
+            <a:r>
+              <a:rPr lang="en-US" sz="4400" b="1" dirty="0">
+                <a:latin typeface="Trebuchet MS" panose="020B0703020202090204" pitchFamily="34" charset="0"/>
+              </a:rPr>
+              <a:t>1.9</a:t>
+            </a:r>
+          </a:p>
+        </p:txBody>
+      </p:sp>
+      <p:sp>
+        <p:nvSpPr>
+          <p:cNvPr id="13" name="TextBox 12">
+            <a:extLst>
+              <a:ext uri="{FF2B5EF4-FFF2-40B4-BE49-F238E27FC236}">
+                <a16:creationId xmlns:a16="http://schemas.microsoft.com/office/drawing/2014/main" id="{87B238B3-9D12-E759-DF5D-D4DCAC8B3A86}"/>
+              </a:ext>
+            </a:extLst>
+          </p:cNvPr>
+          <p:cNvSpPr txBox="1"/>
+          <p:nvPr/>
+        </p:nvSpPr>
+        <p:spPr>
+          <a:xfrm>
+            <a:off x="1807245" y="5143039"/>
+            <a:ext cx="2212815" cy="830997"/>
+          </a:xfrm>
+          <a:prstGeom prst="rect">
+            <a:avLst/>
+          </a:prstGeom>
+          <a:noFill/>
+        </p:spPr>
+        <p:txBody>
+          <a:bodyPr wrap="square" rtlCol="0">
+            <a:spAutoFit/>
+          </a:bodyPr>
+          <a:lstStyle/>
+          <a:p>
+            <a:pPr algn="ctr"/>
+            <a:r>
+              <a:rPr lang="en-US" sz="2400" dirty="0">
+                <a:latin typeface="Trebuchet MS" panose="020B0703020202090204" pitchFamily="34" charset="0"/>
+              </a:rPr>
+              <a:t>Minutes spent watching tube</a:t>
+            </a:r>
+          </a:p>
+        </p:txBody>
+      </p:sp>
+      <p:sp>
+        <p:nvSpPr>
+          <p:cNvPr id="14" name="TextBox 13">
+            <a:extLst>
+              <a:ext uri="{FF2B5EF4-FFF2-40B4-BE49-F238E27FC236}">
+                <a16:creationId xmlns:a16="http://schemas.microsoft.com/office/drawing/2014/main" id="{499F8C86-DF06-AACA-E16F-AD23F1D32ED3}"/>
+              </a:ext>
+            </a:extLst>
+          </p:cNvPr>
+          <p:cNvSpPr txBox="1"/>
+          <p:nvPr/>
+        </p:nvSpPr>
+        <p:spPr>
+          <a:xfrm>
+            <a:off x="1807245" y="4183690"/>
+            <a:ext cx="2212815" cy="769441"/>
+          </a:xfrm>
+          <a:prstGeom prst="rect">
+            <a:avLst/>
+          </a:prstGeom>
+          <a:noFill/>
+        </p:spPr>
+        <p:txBody>
+          <a:bodyPr wrap="square" rtlCol="0">
+            <a:spAutoFit/>
+          </a:bodyPr>
+          <a:lstStyle/>
+          <a:p>
+            <a:pPr algn="ctr"/>
+            <a:r>
+              <a:rPr lang="en-US" sz="4400" b="1" dirty="0">
+                <a:latin typeface="Trebuchet MS" panose="020B0703020202090204" pitchFamily="34" charset="0"/>
+              </a:rPr>
+              <a:t>450</a:t>
+            </a:r>
+          </a:p>
+        </p:txBody>
+      </p:sp>
+      <p:sp>
+        <p:nvSpPr>
+          <p:cNvPr id="20" name="Cloud 19">
+            <a:extLst>
+              <a:ext uri="{FF2B5EF4-FFF2-40B4-BE49-F238E27FC236}">
+                <a16:creationId xmlns:a16="http://schemas.microsoft.com/office/drawing/2014/main" id="{C7BB2C28-D846-71F6-4149-D967804FF549}"/>
+              </a:ext>
+            </a:extLst>
+          </p:cNvPr>
+          <p:cNvSpPr/>
+          <p:nvPr/>
+        </p:nvSpPr>
+        <p:spPr>
+          <a:xfrm>
+            <a:off x="1137708" y="3947022"/>
+            <a:ext cx="4091114" cy="2674310"/>
+          </a:xfrm>
+          <a:prstGeom prst="cloud">
+            <a:avLst/>
+          </a:prstGeom>
+          <a:solidFill>
+            <a:srgbClr val="6497B1"/>
+          </a:solidFill>
+          <a:ln>
+            <a:solidFill>
+              <a:srgbClr val="6497B1"/>
+            </a:solidFill>
+          </a:ln>
+        </p:spPr>
+        <p:style>
+          <a:lnRef idx="2">
+            <a:schemeClr val="accent1">
+              <a:shade val="15000"/>
+            </a:schemeClr>
+          </a:lnRef>
+          <a:fillRef idx="1">
+            <a:schemeClr val="accent1"/>
+          </a:fillRef>
+          <a:effectRef idx="0">
+            <a:schemeClr val="accent1"/>
+          </a:effectRef>
+          <a:fontRef idx="minor">
+            <a:schemeClr val="lt1"/>
+          </a:fontRef>
+        </p:style>
+        <p:txBody>
+          <a:bodyPr rtlCol="0" anchor="ctr"/>
+          <a:lstStyle/>
+          <a:p>
+            <a:pPr algn="ctr"/>
+            <a:endParaRPr lang="en-US"/>
+          </a:p>
+        </p:txBody>
+      </p:sp>
+      <p:sp>
+        <p:nvSpPr>
+          <p:cNvPr id="22" name="Oval Callout 21">
+            <a:extLst>
+              <a:ext uri="{FF2B5EF4-FFF2-40B4-BE49-F238E27FC236}">
+                <a16:creationId xmlns:a16="http://schemas.microsoft.com/office/drawing/2014/main" id="{1E98F5BA-5E8B-FD36-E5C4-26EDBCCD248B}"/>
+              </a:ext>
+            </a:extLst>
+          </p:cNvPr>
+          <p:cNvSpPr/>
+          <p:nvPr/>
+        </p:nvSpPr>
+        <p:spPr>
+          <a:xfrm>
+            <a:off x="7554443" y="3922213"/>
+            <a:ext cx="3719384" cy="2512200"/>
+          </a:xfrm>
+          <a:prstGeom prst="wedgeEllipseCallout">
+            <a:avLst/>
+          </a:prstGeom>
+          <a:solidFill>
+            <a:srgbClr val="005B96"/>
+          </a:solidFill>
+          <a:ln>
+            <a:solidFill>
+              <a:srgbClr val="005B96"/>
+            </a:solidFill>
+          </a:ln>
+        </p:spPr>
+        <p:style>
+          <a:lnRef idx="2">
+            <a:schemeClr val="accent1">
+              <a:shade val="15000"/>
+            </a:schemeClr>
+          </a:lnRef>
+          <a:fillRef idx="1">
+            <a:schemeClr val="accent1"/>
+          </a:fillRef>
+          <a:effectRef idx="0">
+            <a:schemeClr val="accent1"/>
+          </a:effectRef>
+          <a:fontRef idx="minor">
+            <a:schemeClr val="lt1"/>
+          </a:fontRef>
+        </p:style>
+        <p:txBody>
+          <a:bodyPr rtlCol="0" anchor="ctr"/>
+          <a:lstStyle/>
+          <a:p>
+            <a:pPr algn="ctr"/>
+            <a:endParaRPr lang="en-US"/>
+          </a:p>
+        </p:txBody>
+      </p:sp>
+      <p:sp>
+        <p:nvSpPr>
+          <p:cNvPr id="26" name="Explosion 1 25">
+            <a:extLst>
+              <a:ext uri="{FF2B5EF4-FFF2-40B4-BE49-F238E27FC236}">
+                <a16:creationId xmlns:a16="http://schemas.microsoft.com/office/drawing/2014/main" id="{F4A1409B-9A9C-462F-3021-23BCFC1718AB}"/>
+              </a:ext>
+            </a:extLst>
+          </p:cNvPr>
+          <p:cNvSpPr/>
+          <p:nvPr/>
+        </p:nvSpPr>
+        <p:spPr>
+          <a:xfrm rot="10605610">
+            <a:off x="3158726" y="3587815"/>
+            <a:ext cx="5874544" cy="3081876"/>
+          </a:xfrm>
+          <a:prstGeom prst="irregularSeal1">
+            <a:avLst/>
+          </a:prstGeom>
+          <a:solidFill>
+            <a:srgbClr val="C11C84"/>
+          </a:solidFill>
+          <a:ln>
+            <a:solidFill>
+              <a:srgbClr val="C11C84"/>
+            </a:solidFill>
+          </a:ln>
+        </p:spPr>
+        <p:style>
+          <a:lnRef idx="2">
+            <a:schemeClr val="accent1">
+              <a:shade val="15000"/>
+            </a:schemeClr>
+          </a:lnRef>
+          <a:fillRef idx="1">
+            <a:schemeClr val="accent1"/>
+          </a:fillRef>
+          <a:effectRef idx="0">
+            <a:schemeClr val="accent1"/>
+          </a:effectRef>
+          <a:fontRef idx="minor">
+            <a:schemeClr val="lt1"/>
+          </a:fontRef>
+        </p:style>
+        <p:txBody>
+          <a:bodyPr rtlCol="0" anchor="ctr"/>
+          <a:lstStyle/>
+          <a:p>
+            <a:pPr algn="ctr"/>
+            <a:endParaRPr lang="en-US" dirty="0"/>
+          </a:p>
+        </p:txBody>
+      </p:sp>
+      <p:sp>
+        <p:nvSpPr>
+          <p:cNvPr id="15" name="TextBox 14">
+            <a:extLst>
+              <a:ext uri="{FF2B5EF4-FFF2-40B4-BE49-F238E27FC236}">
+                <a16:creationId xmlns:a16="http://schemas.microsoft.com/office/drawing/2014/main" id="{A32DB679-602E-50E5-DB51-7256F891F6DB}"/>
+              </a:ext>
+            </a:extLst>
+          </p:cNvPr>
+          <p:cNvSpPr txBox="1"/>
+          <p:nvPr/>
+        </p:nvSpPr>
+        <p:spPr>
+          <a:xfrm>
+            <a:off x="2629446" y="286378"/>
+            <a:ext cx="7279105" cy="707886"/>
+          </a:xfrm>
+          <a:prstGeom prst="rect">
+            <a:avLst/>
+          </a:prstGeom>
+          <a:noFill/>
+        </p:spPr>
+        <p:txBody>
+          <a:bodyPr wrap="square" rtlCol="0">
+            <a:spAutoFit/>
+          </a:bodyPr>
+          <a:lstStyle/>
+          <a:p>
+            <a:pPr algn="ctr"/>
+            <a:r>
+              <a:rPr lang="en-US" sz="4000" b="1" dirty="0">
+                <a:latin typeface="Trebuchet MS" panose="020B0703020202090204" pitchFamily="34" charset="0"/>
+              </a:rPr>
+              <a:t>May &amp; June Wrapped</a:t>
+            </a:r>
+          </a:p>
+        </p:txBody>
+      </p:sp>
+    </p:spTree>
+    <p:extLst>
+      <p:ext uri="{BB962C8B-B14F-4D97-AF65-F5344CB8AC3E}">
+        <p14:creationId xmlns:p14="http://schemas.microsoft.com/office/powerpoint/2010/main" val="1523873261"/>
+      </p:ext>
+    </p:extLst>
+  </p:cSld>
+  <p:clrMapOvr>
+    <a:masterClrMapping/>
+  </p:clrMapOvr>
+</p:sld>
+</file>
+
+<file path=ppt/slides/slide6.xml><?xml version="1.0" encoding="utf-8"?>
+<p:sld xmlns:a="http://schemas.openxmlformats.org/drawingml/2006/main" xmlns:r="http://schemas.openxmlformats.org/officeDocument/2006/relationships" xmlns:p="http://schemas.openxmlformats.org/presentationml/2006/main">
+  <p:cSld>
+    <p:bg>
+      <p:bgPr>
+        <a:solidFill>
+          <a:srgbClr val="6497B1"/>
+        </a:solidFill>
+        <a:effectLst/>
+      </p:bgPr>
+    </p:bg>
+    <p:spTree>
+      <p:nvGrpSpPr>
+        <p:cNvPr id="1" name="">
+          <a:extLst>
+            <a:ext uri="{FF2B5EF4-FFF2-40B4-BE49-F238E27FC236}">
+              <a16:creationId xmlns:a16="http://schemas.microsoft.com/office/drawing/2014/main" id="{933EF663-2584-E480-A2BD-780BF5831954}"/>
+            </a:ext>
+          </a:extLst>
+        </p:cNvPr>
+        <p:cNvGrpSpPr/>
+        <p:nvPr/>
+      </p:nvGrpSpPr>
+      <p:grpSpPr>
+        <a:xfrm>
+          <a:off x="0" y="0"/>
+          <a:ext cx="0" cy="0"/>
+          <a:chOff x="0" y="0"/>
+          <a:chExt cx="0" cy="0"/>
+        </a:xfrm>
+      </p:grpSpPr>
+      <p:sp>
+        <p:nvSpPr>
+          <p:cNvPr id="3" name="TextBox 2">
+            <a:extLst>
+              <a:ext uri="{FF2B5EF4-FFF2-40B4-BE49-F238E27FC236}">
+                <a16:creationId xmlns:a16="http://schemas.microsoft.com/office/drawing/2014/main" id="{2A34F7F9-E30B-075C-F004-1CABCCF261A8}"/>
+              </a:ext>
+            </a:extLst>
+          </p:cNvPr>
+          <p:cNvSpPr txBox="1"/>
+          <p:nvPr/>
+        </p:nvSpPr>
+        <p:spPr>
+          <a:xfrm>
+            <a:off x="1807245" y="2888934"/>
+            <a:ext cx="2212815" cy="830997"/>
+          </a:xfrm>
+          <a:prstGeom prst="rect">
+            <a:avLst/>
+          </a:prstGeom>
+          <a:noFill/>
+        </p:spPr>
+        <p:txBody>
+          <a:bodyPr wrap="square" rtlCol="0">
+            <a:spAutoFit/>
+          </a:bodyPr>
+          <a:lstStyle/>
+          <a:p>
+            <a:pPr algn="ctr"/>
+            <a:r>
+              <a:rPr lang="en-US" sz="2400" dirty="0">
+                <a:latin typeface="Trebuchet MS" panose="020B0703020202090204" pitchFamily="34" charset="0"/>
+              </a:rPr>
+              <a:t>Full-length cells recorded</a:t>
+            </a:r>
+          </a:p>
+        </p:txBody>
+      </p:sp>
+      <p:sp>
+        <p:nvSpPr>
+          <p:cNvPr id="4" name="TextBox 3">
+            <a:extLst>
+              <a:ext uri="{FF2B5EF4-FFF2-40B4-BE49-F238E27FC236}">
+                <a16:creationId xmlns:a16="http://schemas.microsoft.com/office/drawing/2014/main" id="{1F1A982E-2A6D-F1EF-0DAC-B4C49E120FE9}"/>
+              </a:ext>
+            </a:extLst>
+          </p:cNvPr>
+          <p:cNvSpPr txBox="1"/>
+          <p:nvPr/>
+        </p:nvSpPr>
+        <p:spPr>
+          <a:xfrm>
+            <a:off x="4989593" y="2874647"/>
+            <a:ext cx="2212815" cy="830997"/>
+          </a:xfrm>
+          <a:prstGeom prst="rect">
+            <a:avLst/>
+          </a:prstGeom>
+          <a:noFill/>
+        </p:spPr>
+        <p:txBody>
+          <a:bodyPr wrap="square" rtlCol="0">
+            <a:spAutoFit/>
+          </a:bodyPr>
+          <a:lstStyle/>
+          <a:p>
+            <a:pPr algn="ctr"/>
+            <a:r>
+              <a:rPr lang="en-US" sz="2400" dirty="0">
+                <a:latin typeface="Trebuchet MS" panose="020B0703020202090204" pitchFamily="34" charset="0"/>
+              </a:rPr>
+              <a:t>Good full- length cells</a:t>
+            </a:r>
+          </a:p>
+        </p:txBody>
+      </p:sp>
+      <p:sp>
+        <p:nvSpPr>
+          <p:cNvPr id="5" name="TextBox 4">
+            <a:extLst>
+              <a:ext uri="{FF2B5EF4-FFF2-40B4-BE49-F238E27FC236}">
+                <a16:creationId xmlns:a16="http://schemas.microsoft.com/office/drawing/2014/main" id="{787ED1C4-0AFE-43F3-44D6-91F168748F8D}"/>
+              </a:ext>
+            </a:extLst>
+          </p:cNvPr>
+          <p:cNvSpPr txBox="1"/>
+          <p:nvPr/>
+        </p:nvSpPr>
+        <p:spPr>
+          <a:xfrm>
+            <a:off x="1807245" y="1943870"/>
+            <a:ext cx="2212815" cy="769441"/>
+          </a:xfrm>
+          <a:prstGeom prst="rect">
+            <a:avLst/>
+          </a:prstGeom>
+          <a:noFill/>
+        </p:spPr>
+        <p:txBody>
+          <a:bodyPr wrap="square" rtlCol="0">
+            <a:spAutoFit/>
+          </a:bodyPr>
+          <a:lstStyle/>
+          <a:p>
+            <a:pPr algn="ctr"/>
+            <a:r>
+              <a:rPr lang="en-US" sz="4400" b="1" dirty="0">
+                <a:latin typeface="Trebuchet MS" panose="020B0703020202090204" pitchFamily="34" charset="0"/>
+              </a:rPr>
+              <a:t>19</a:t>
+            </a:r>
+          </a:p>
+        </p:txBody>
+      </p:sp>
+      <p:sp>
+        <p:nvSpPr>
+          <p:cNvPr id="6" name="TextBox 5">
+            <a:extLst>
+              <a:ext uri="{FF2B5EF4-FFF2-40B4-BE49-F238E27FC236}">
+                <a16:creationId xmlns:a16="http://schemas.microsoft.com/office/drawing/2014/main" id="{7B0FE6D0-805F-AE89-061E-A0144B34B108}"/>
+              </a:ext>
+            </a:extLst>
+          </p:cNvPr>
+          <p:cNvSpPr txBox="1"/>
+          <p:nvPr/>
+        </p:nvSpPr>
+        <p:spPr>
+          <a:xfrm>
+            <a:off x="4989592" y="1929584"/>
+            <a:ext cx="2212815" cy="769441"/>
+          </a:xfrm>
+          <a:prstGeom prst="rect">
+            <a:avLst/>
+          </a:prstGeom>
+          <a:noFill/>
+        </p:spPr>
+        <p:txBody>
+          <a:bodyPr wrap="square" rtlCol="0">
+            <a:spAutoFit/>
+          </a:bodyPr>
+          <a:lstStyle/>
+          <a:p>
+            <a:pPr algn="ctr"/>
+            <a:r>
+              <a:rPr lang="en-US" sz="4400" b="1" dirty="0">
+                <a:latin typeface="Trebuchet MS" panose="020B0703020202090204" pitchFamily="34" charset="0"/>
+              </a:rPr>
+              <a:t>17</a:t>
+            </a:r>
+          </a:p>
+        </p:txBody>
+      </p:sp>
+      <p:sp>
+        <p:nvSpPr>
+          <p:cNvPr id="7" name="TextBox 6">
+            <a:extLst>
+              <a:ext uri="{FF2B5EF4-FFF2-40B4-BE49-F238E27FC236}">
+                <a16:creationId xmlns:a16="http://schemas.microsoft.com/office/drawing/2014/main" id="{9791C682-592A-6215-1DC2-9F76BFDB7E1D}"/>
+              </a:ext>
+            </a:extLst>
+          </p:cNvPr>
+          <p:cNvSpPr txBox="1"/>
+          <p:nvPr/>
+        </p:nvSpPr>
+        <p:spPr>
+          <a:xfrm>
+            <a:off x="4989593" y="5128753"/>
+            <a:ext cx="2212815" cy="830997"/>
+          </a:xfrm>
+          <a:prstGeom prst="rect">
+            <a:avLst/>
+          </a:prstGeom>
+          <a:noFill/>
+        </p:spPr>
+        <p:txBody>
+          <a:bodyPr wrap="square" rtlCol="0">
+            <a:spAutoFit/>
+          </a:bodyPr>
+          <a:lstStyle/>
+          <a:p>
+            <a:pPr algn="ctr"/>
+            <a:r>
+              <a:rPr lang="en-US" sz="2400" dirty="0" err="1">
+                <a:latin typeface="Trebuchet MS" panose="020B0703020202090204" pitchFamily="34" charset="0"/>
+              </a:rPr>
+              <a:t>Cells:Animal</a:t>
+            </a:r>
+            <a:r>
+              <a:rPr lang="en-US" sz="2400" dirty="0">
+                <a:latin typeface="Trebuchet MS" panose="020B0703020202090204" pitchFamily="34" charset="0"/>
+              </a:rPr>
+              <a:t> </a:t>
+            </a:r>
+          </a:p>
+          <a:p>
+            <a:pPr algn="ctr"/>
+            <a:r>
+              <a:rPr lang="en-US" sz="2400" dirty="0">
+                <a:latin typeface="Trebuchet MS" panose="020B0703020202090204" pitchFamily="34" charset="0"/>
+              </a:rPr>
+              <a:t>ratio</a:t>
+            </a:r>
+          </a:p>
+        </p:txBody>
+      </p:sp>
+      <p:sp>
+        <p:nvSpPr>
+          <p:cNvPr id="8" name="TextBox 7">
+            <a:extLst>
+              <a:ext uri="{FF2B5EF4-FFF2-40B4-BE49-F238E27FC236}">
+                <a16:creationId xmlns:a16="http://schemas.microsoft.com/office/drawing/2014/main" id="{4B52BE14-A2E1-1923-DB39-14E9708B0D51}"/>
+              </a:ext>
+            </a:extLst>
+          </p:cNvPr>
+          <p:cNvSpPr txBox="1"/>
+          <p:nvPr/>
+        </p:nvSpPr>
+        <p:spPr>
+          <a:xfrm>
+            <a:off x="4989592" y="4183690"/>
+            <a:ext cx="2212815" cy="769441"/>
+          </a:xfrm>
+          <a:prstGeom prst="rect">
+            <a:avLst/>
+          </a:prstGeom>
+          <a:noFill/>
+        </p:spPr>
+        <p:txBody>
+          <a:bodyPr wrap="square" rtlCol="0">
+            <a:spAutoFit/>
+          </a:bodyPr>
+          <a:lstStyle/>
+          <a:p>
+            <a:pPr algn="ctr"/>
+            <a:r>
+              <a:rPr lang="en-US" sz="4400" b="1" dirty="0">
+                <a:latin typeface="Trebuchet MS" panose="020B0703020202090204" pitchFamily="34" charset="0"/>
+              </a:rPr>
+              <a:t>2.1</a:t>
+            </a:r>
+          </a:p>
+        </p:txBody>
+      </p:sp>
+      <p:sp>
+        <p:nvSpPr>
+          <p:cNvPr id="9" name="TextBox 8">
+            <a:extLst>
+              <a:ext uri="{FF2B5EF4-FFF2-40B4-BE49-F238E27FC236}">
+                <a16:creationId xmlns:a16="http://schemas.microsoft.com/office/drawing/2014/main" id="{83171E48-D76F-6AD2-8FD9-7847DF36C22B}"/>
+              </a:ext>
+            </a:extLst>
+          </p:cNvPr>
+          <p:cNvSpPr txBox="1"/>
+          <p:nvPr/>
+        </p:nvSpPr>
+        <p:spPr>
+          <a:xfrm>
+            <a:off x="8171941" y="2888933"/>
+            <a:ext cx="2212815" cy="830997"/>
+          </a:xfrm>
+          <a:prstGeom prst="rect">
+            <a:avLst/>
+          </a:prstGeom>
+          <a:noFill/>
+        </p:spPr>
+        <p:txBody>
+          <a:bodyPr wrap="square" rtlCol="0">
+            <a:spAutoFit/>
+          </a:bodyPr>
+          <a:lstStyle/>
+          <a:p>
+            <a:pPr algn="ctr"/>
+            <a:r>
+              <a:rPr lang="en-US" sz="2400" dirty="0">
+                <a:latin typeface="Trebuchet MS" panose="020B0703020202090204" pitchFamily="34" charset="0"/>
+              </a:rPr>
+              <a:t>Record cell day</a:t>
+            </a:r>
+          </a:p>
+        </p:txBody>
+      </p:sp>
+      <p:sp>
+        <p:nvSpPr>
+          <p:cNvPr id="10" name="TextBox 9">
+            <a:extLst>
+              <a:ext uri="{FF2B5EF4-FFF2-40B4-BE49-F238E27FC236}">
+                <a16:creationId xmlns:a16="http://schemas.microsoft.com/office/drawing/2014/main" id="{59A07D8C-76DB-74AB-7CFB-E241BD129F0D}"/>
+              </a:ext>
+            </a:extLst>
+          </p:cNvPr>
+          <p:cNvSpPr txBox="1"/>
+          <p:nvPr/>
+        </p:nvSpPr>
+        <p:spPr>
+          <a:xfrm>
+            <a:off x="8171940" y="1943870"/>
+            <a:ext cx="2212815" cy="769441"/>
+          </a:xfrm>
+          <a:prstGeom prst="rect">
+            <a:avLst/>
+          </a:prstGeom>
+          <a:noFill/>
+        </p:spPr>
+        <p:txBody>
+          <a:bodyPr wrap="square" rtlCol="0">
+            <a:spAutoFit/>
+          </a:bodyPr>
+          <a:lstStyle/>
+          <a:p>
+            <a:pPr algn="ctr"/>
+            <a:r>
+              <a:rPr lang="en-US" sz="4400" b="1" dirty="0">
+                <a:latin typeface="Trebuchet MS" panose="020B0703020202090204" pitchFamily="34" charset="0"/>
+              </a:rPr>
+              <a:t>4</a:t>
+            </a:r>
+          </a:p>
+        </p:txBody>
+      </p:sp>
+      <p:sp>
+        <p:nvSpPr>
+          <p:cNvPr id="11" name="TextBox 10">
+            <a:extLst>
+              <a:ext uri="{FF2B5EF4-FFF2-40B4-BE49-F238E27FC236}">
+                <a16:creationId xmlns:a16="http://schemas.microsoft.com/office/drawing/2014/main" id="{4F15151A-ACA8-C45A-6BED-A412604D6D6F}"/>
+              </a:ext>
+            </a:extLst>
+          </p:cNvPr>
+          <p:cNvSpPr txBox="1"/>
+          <p:nvPr/>
+        </p:nvSpPr>
+        <p:spPr>
+          <a:xfrm>
+            <a:off x="7908329" y="5128753"/>
+            <a:ext cx="2740036" cy="830997"/>
+          </a:xfrm>
+          <a:prstGeom prst="rect">
+            <a:avLst/>
+          </a:prstGeom>
+          <a:noFill/>
+        </p:spPr>
+        <p:txBody>
+          <a:bodyPr wrap="square" rtlCol="0">
+            <a:spAutoFit/>
+          </a:bodyPr>
+          <a:lstStyle/>
+          <a:p>
+            <a:pPr algn="ctr"/>
+            <a:r>
+              <a:rPr lang="en-US" sz="2400" dirty="0">
+                <a:latin typeface="Trebuchet MS" panose="020B0703020202090204" pitchFamily="34" charset="0"/>
+              </a:rPr>
+              <a:t>Good </a:t>
+            </a:r>
+            <a:r>
+              <a:rPr lang="en-US" sz="2400" dirty="0" err="1">
+                <a:latin typeface="Trebuchet MS" panose="020B0703020202090204" pitchFamily="34" charset="0"/>
+              </a:rPr>
+              <a:t>cells:Animal</a:t>
+            </a:r>
+            <a:r>
+              <a:rPr lang="en-US" sz="2400" dirty="0">
+                <a:latin typeface="Trebuchet MS" panose="020B0703020202090204" pitchFamily="34" charset="0"/>
+              </a:rPr>
+              <a:t> ratio</a:t>
+            </a:r>
+          </a:p>
+        </p:txBody>
+      </p:sp>
+      <p:sp>
+        <p:nvSpPr>
+          <p:cNvPr id="12" name="TextBox 11">
+            <a:extLst>
+              <a:ext uri="{FF2B5EF4-FFF2-40B4-BE49-F238E27FC236}">
+                <a16:creationId xmlns:a16="http://schemas.microsoft.com/office/drawing/2014/main" id="{DDDCA8A4-FA44-FD68-3DC4-F40D236A0B7F}"/>
+              </a:ext>
+            </a:extLst>
+          </p:cNvPr>
+          <p:cNvSpPr txBox="1"/>
+          <p:nvPr/>
+        </p:nvSpPr>
+        <p:spPr>
+          <a:xfrm>
+            <a:off x="8171940" y="4183690"/>
+            <a:ext cx="2212815" cy="769441"/>
+          </a:xfrm>
+          <a:prstGeom prst="rect">
+            <a:avLst/>
+          </a:prstGeom>
+          <a:noFill/>
+        </p:spPr>
+        <p:txBody>
+          <a:bodyPr wrap="square" rtlCol="0">
+            <a:spAutoFit/>
+          </a:bodyPr>
+          <a:lstStyle/>
+          <a:p>
+            <a:pPr algn="ctr"/>
+            <a:r>
+              <a:rPr lang="en-US" sz="4400" b="1" dirty="0">
+                <a:latin typeface="Trebuchet MS" panose="020B0703020202090204" pitchFamily="34" charset="0"/>
+              </a:rPr>
+              <a:t>1.9</a:t>
+            </a:r>
+          </a:p>
+        </p:txBody>
+      </p:sp>
+      <p:sp>
+        <p:nvSpPr>
+          <p:cNvPr id="13" name="TextBox 12">
+            <a:extLst>
+              <a:ext uri="{FF2B5EF4-FFF2-40B4-BE49-F238E27FC236}">
+                <a16:creationId xmlns:a16="http://schemas.microsoft.com/office/drawing/2014/main" id="{12855FAF-76A4-9641-1875-BAFA793F9FB5}"/>
+              </a:ext>
+            </a:extLst>
+          </p:cNvPr>
+          <p:cNvSpPr txBox="1"/>
+          <p:nvPr/>
+        </p:nvSpPr>
+        <p:spPr>
+          <a:xfrm>
+            <a:off x="1807245" y="5143039"/>
+            <a:ext cx="2212815" cy="830997"/>
+          </a:xfrm>
+          <a:prstGeom prst="rect">
+            <a:avLst/>
+          </a:prstGeom>
+          <a:noFill/>
+        </p:spPr>
+        <p:txBody>
+          <a:bodyPr wrap="square" rtlCol="0">
+            <a:spAutoFit/>
+          </a:bodyPr>
+          <a:lstStyle/>
+          <a:p>
+            <a:pPr algn="ctr"/>
+            <a:r>
+              <a:rPr lang="en-US" sz="2400" dirty="0">
+                <a:latin typeface="Trebuchet MS" panose="020B0703020202090204" pitchFamily="34" charset="0"/>
+              </a:rPr>
+              <a:t>Minutes spent watching tube</a:t>
+            </a:r>
+          </a:p>
+        </p:txBody>
+      </p:sp>
+      <p:sp>
+        <p:nvSpPr>
+          <p:cNvPr id="14" name="TextBox 13">
+            <a:extLst>
+              <a:ext uri="{FF2B5EF4-FFF2-40B4-BE49-F238E27FC236}">
+                <a16:creationId xmlns:a16="http://schemas.microsoft.com/office/drawing/2014/main" id="{1564DC33-D6A9-24E0-E833-A71E1CB89479}"/>
+              </a:ext>
+            </a:extLst>
+          </p:cNvPr>
+          <p:cNvSpPr txBox="1"/>
+          <p:nvPr/>
+        </p:nvSpPr>
+        <p:spPr>
+          <a:xfrm>
+            <a:off x="1807245" y="4183690"/>
+            <a:ext cx="2212815" cy="769441"/>
+          </a:xfrm>
+          <a:prstGeom prst="rect">
+            <a:avLst/>
+          </a:prstGeom>
+          <a:noFill/>
+        </p:spPr>
+        <p:txBody>
+          <a:bodyPr wrap="square" rtlCol="0">
+            <a:spAutoFit/>
+          </a:bodyPr>
+          <a:lstStyle/>
+          <a:p>
+            <a:pPr algn="ctr"/>
+            <a:r>
+              <a:rPr lang="en-US" sz="4400" b="1" dirty="0">
+                <a:latin typeface="Trebuchet MS" panose="020B0703020202090204" pitchFamily="34" charset="0"/>
+              </a:rPr>
+              <a:t>450</a:t>
+            </a:r>
+          </a:p>
+        </p:txBody>
+      </p:sp>
+      <p:sp>
+        <p:nvSpPr>
+          <p:cNvPr id="22" name="Oval Callout 21">
+            <a:extLst>
+              <a:ext uri="{FF2B5EF4-FFF2-40B4-BE49-F238E27FC236}">
+                <a16:creationId xmlns:a16="http://schemas.microsoft.com/office/drawing/2014/main" id="{D5BC171F-3BF2-8C2A-2F08-DA0D376D7BF2}"/>
+              </a:ext>
+            </a:extLst>
+          </p:cNvPr>
+          <p:cNvSpPr/>
+          <p:nvPr/>
+        </p:nvSpPr>
+        <p:spPr>
+          <a:xfrm>
+            <a:off x="7554443" y="3922213"/>
+            <a:ext cx="3719384" cy="2512200"/>
+          </a:xfrm>
+          <a:prstGeom prst="wedgeEllipseCallout">
+            <a:avLst/>
+          </a:prstGeom>
+          <a:solidFill>
+            <a:srgbClr val="005B96"/>
+          </a:solidFill>
+          <a:ln>
+            <a:solidFill>
+              <a:srgbClr val="005B96"/>
+            </a:solidFill>
+          </a:ln>
+        </p:spPr>
+        <p:style>
+          <a:lnRef idx="2">
+            <a:schemeClr val="accent1">
+              <a:shade val="15000"/>
+            </a:schemeClr>
+          </a:lnRef>
+          <a:fillRef idx="1">
+            <a:schemeClr val="accent1"/>
+          </a:fillRef>
+          <a:effectRef idx="0">
+            <a:schemeClr val="accent1"/>
+          </a:effectRef>
+          <a:fontRef idx="minor">
+            <a:schemeClr val="lt1"/>
+          </a:fontRef>
+        </p:style>
+        <p:txBody>
+          <a:bodyPr rtlCol="0" anchor="ctr"/>
+          <a:lstStyle/>
+          <a:p>
+            <a:pPr algn="ctr"/>
+            <a:endParaRPr lang="en-US"/>
+          </a:p>
+        </p:txBody>
+      </p:sp>
+      <p:sp>
+        <p:nvSpPr>
+          <p:cNvPr id="26" name="Explosion 1 25">
+            <a:extLst>
+              <a:ext uri="{FF2B5EF4-FFF2-40B4-BE49-F238E27FC236}">
+                <a16:creationId xmlns:a16="http://schemas.microsoft.com/office/drawing/2014/main" id="{2C9C973A-18AC-0642-4B14-E69128C62E65}"/>
+              </a:ext>
+            </a:extLst>
+          </p:cNvPr>
+          <p:cNvSpPr/>
+          <p:nvPr/>
+        </p:nvSpPr>
+        <p:spPr>
+          <a:xfrm rot="10605610">
+            <a:off x="3158726" y="3587815"/>
+            <a:ext cx="5874544" cy="3081876"/>
+          </a:xfrm>
+          <a:prstGeom prst="irregularSeal1">
+            <a:avLst/>
+          </a:prstGeom>
+          <a:solidFill>
+            <a:srgbClr val="C11C84"/>
+          </a:solidFill>
+          <a:ln>
+            <a:solidFill>
+              <a:srgbClr val="C11C84"/>
+            </a:solidFill>
+          </a:ln>
+        </p:spPr>
+        <p:style>
+          <a:lnRef idx="2">
+            <a:schemeClr val="accent1">
+              <a:shade val="15000"/>
+            </a:schemeClr>
+          </a:lnRef>
+          <a:fillRef idx="1">
+            <a:schemeClr val="accent1"/>
+          </a:fillRef>
+          <a:effectRef idx="0">
+            <a:schemeClr val="accent1"/>
+          </a:effectRef>
+          <a:fontRef idx="minor">
+            <a:schemeClr val="lt1"/>
+          </a:fontRef>
+        </p:style>
+        <p:txBody>
+          <a:bodyPr rtlCol="0" anchor="ctr"/>
+          <a:lstStyle/>
+          <a:p>
+            <a:pPr algn="ctr"/>
+            <a:endParaRPr lang="en-US" dirty="0"/>
+          </a:p>
+        </p:txBody>
+      </p:sp>
+      <p:sp>
+        <p:nvSpPr>
+          <p:cNvPr id="15" name="TextBox 14">
+            <a:extLst>
+              <a:ext uri="{FF2B5EF4-FFF2-40B4-BE49-F238E27FC236}">
+                <a16:creationId xmlns:a16="http://schemas.microsoft.com/office/drawing/2014/main" id="{DDBFA487-01FB-0D84-481F-AC036712DFA4}"/>
+              </a:ext>
+            </a:extLst>
+          </p:cNvPr>
+          <p:cNvSpPr txBox="1"/>
+          <p:nvPr/>
+        </p:nvSpPr>
+        <p:spPr>
+          <a:xfrm>
+            <a:off x="2629446" y="286378"/>
+            <a:ext cx="7279105" cy="707886"/>
+          </a:xfrm>
+          <a:prstGeom prst="rect">
+            <a:avLst/>
+          </a:prstGeom>
+          <a:noFill/>
+        </p:spPr>
+        <p:txBody>
+          <a:bodyPr wrap="square" rtlCol="0">
+            <a:spAutoFit/>
+          </a:bodyPr>
+          <a:lstStyle/>
+          <a:p>
+            <a:pPr algn="ctr"/>
+            <a:r>
+              <a:rPr lang="en-US" sz="4000" b="1" dirty="0">
+                <a:latin typeface="Trebuchet MS" panose="020B0703020202090204" pitchFamily="34" charset="0"/>
+              </a:rPr>
+              <a:t>May &amp; June Wrapped</a:t>
+            </a:r>
+          </a:p>
+        </p:txBody>
+      </p:sp>
+    </p:spTree>
+    <p:extLst>
+      <p:ext uri="{BB962C8B-B14F-4D97-AF65-F5344CB8AC3E}">
+        <p14:creationId xmlns:p14="http://schemas.microsoft.com/office/powerpoint/2010/main" val="4086850718"/>
+      </p:ext>
+    </p:extLst>
+  </p:cSld>
+  <p:clrMapOvr>
+    <a:masterClrMapping/>
+  </p:clrMapOvr>
+</p:sld>
+</file>
+
+<file path=ppt/slides/slide7.xml><?xml version="1.0" encoding="utf-8"?>
+<p:sld xmlns:a="http://schemas.openxmlformats.org/drawingml/2006/main" xmlns:r="http://schemas.openxmlformats.org/officeDocument/2006/relationships" xmlns:p="http://schemas.openxmlformats.org/presentationml/2006/main">
+  <p:cSld>
+    <p:bg>
+      <p:bgPr>
+        <a:solidFill>
+          <a:srgbClr val="C11C84"/>
+        </a:solidFill>
+        <a:effectLst/>
+      </p:bgPr>
+    </p:bg>
+    <p:spTree>
+      <p:nvGrpSpPr>
+        <p:cNvPr id="1" name="">
+          <a:extLst>
+            <a:ext uri="{FF2B5EF4-FFF2-40B4-BE49-F238E27FC236}">
+              <a16:creationId xmlns:a16="http://schemas.microsoft.com/office/drawing/2014/main" id="{E887F20B-9DD0-9D0B-02B8-5ABAE99286D1}"/>
+            </a:ext>
+          </a:extLst>
+        </p:cNvPr>
+        <p:cNvGrpSpPr/>
+        <p:nvPr/>
+      </p:nvGrpSpPr>
+      <p:grpSpPr>
+        <a:xfrm>
+          <a:off x="0" y="0"/>
+          <a:ext cx="0" cy="0"/>
+          <a:chOff x="0" y="0"/>
+          <a:chExt cx="0" cy="0"/>
+        </a:xfrm>
+      </p:grpSpPr>
+      <p:sp>
+        <p:nvSpPr>
+          <p:cNvPr id="3" name="TextBox 2">
+            <a:extLst>
+              <a:ext uri="{FF2B5EF4-FFF2-40B4-BE49-F238E27FC236}">
+                <a16:creationId xmlns:a16="http://schemas.microsoft.com/office/drawing/2014/main" id="{A849BB06-011C-BCCC-CB3A-207734B241A3}"/>
+              </a:ext>
+            </a:extLst>
+          </p:cNvPr>
+          <p:cNvSpPr txBox="1"/>
+          <p:nvPr/>
+        </p:nvSpPr>
+        <p:spPr>
+          <a:xfrm>
+            <a:off x="1807245" y="2888934"/>
+            <a:ext cx="2212815" cy="830997"/>
+          </a:xfrm>
+          <a:prstGeom prst="rect">
+            <a:avLst/>
+          </a:prstGeom>
+          <a:noFill/>
+        </p:spPr>
+        <p:txBody>
+          <a:bodyPr wrap="square" rtlCol="0">
+            <a:spAutoFit/>
+          </a:bodyPr>
+          <a:lstStyle/>
+          <a:p>
+            <a:pPr algn="ctr"/>
+            <a:r>
+              <a:rPr lang="en-US" sz="2400" dirty="0">
+                <a:latin typeface="Trebuchet MS" panose="020B0703020202090204" pitchFamily="34" charset="0"/>
+              </a:rPr>
+              <a:t>Full-length cells recorded</a:t>
+            </a:r>
+          </a:p>
+        </p:txBody>
+      </p:sp>
+      <p:sp>
+        <p:nvSpPr>
+          <p:cNvPr id="4" name="TextBox 3">
+            <a:extLst>
+              <a:ext uri="{FF2B5EF4-FFF2-40B4-BE49-F238E27FC236}">
+                <a16:creationId xmlns:a16="http://schemas.microsoft.com/office/drawing/2014/main" id="{6D054D5B-2013-1204-B714-DC899AA081BA}"/>
+              </a:ext>
+            </a:extLst>
+          </p:cNvPr>
+          <p:cNvSpPr txBox="1"/>
+          <p:nvPr/>
+        </p:nvSpPr>
+        <p:spPr>
+          <a:xfrm>
+            <a:off x="4989593" y="2874647"/>
+            <a:ext cx="2212815" cy="830997"/>
+          </a:xfrm>
+          <a:prstGeom prst="rect">
+            <a:avLst/>
+          </a:prstGeom>
+          <a:noFill/>
+        </p:spPr>
+        <p:txBody>
+          <a:bodyPr wrap="square" rtlCol="0">
+            <a:spAutoFit/>
+          </a:bodyPr>
+          <a:lstStyle/>
+          <a:p>
+            <a:pPr algn="ctr"/>
+            <a:r>
+              <a:rPr lang="en-US" sz="2400" dirty="0">
+                <a:latin typeface="Trebuchet MS" panose="020B0703020202090204" pitchFamily="34" charset="0"/>
+              </a:rPr>
+              <a:t>Good full- length cells</a:t>
+            </a:r>
+          </a:p>
+        </p:txBody>
+      </p:sp>
+      <p:sp>
+        <p:nvSpPr>
+          <p:cNvPr id="5" name="TextBox 4">
+            <a:extLst>
+              <a:ext uri="{FF2B5EF4-FFF2-40B4-BE49-F238E27FC236}">
+                <a16:creationId xmlns:a16="http://schemas.microsoft.com/office/drawing/2014/main" id="{472E4CD3-D8B7-C374-5724-9FA14B34422E}"/>
+              </a:ext>
+            </a:extLst>
+          </p:cNvPr>
+          <p:cNvSpPr txBox="1"/>
+          <p:nvPr/>
+        </p:nvSpPr>
+        <p:spPr>
+          <a:xfrm>
+            <a:off x="1807245" y="1943870"/>
+            <a:ext cx="2212815" cy="769441"/>
+          </a:xfrm>
+          <a:prstGeom prst="rect">
+            <a:avLst/>
+          </a:prstGeom>
+          <a:noFill/>
+        </p:spPr>
+        <p:txBody>
+          <a:bodyPr wrap="square" rtlCol="0">
+            <a:spAutoFit/>
+          </a:bodyPr>
+          <a:lstStyle/>
+          <a:p>
+            <a:pPr algn="ctr"/>
+            <a:r>
+              <a:rPr lang="en-US" sz="4400" b="1" dirty="0">
+                <a:latin typeface="Trebuchet MS" panose="020B0703020202090204" pitchFamily="34" charset="0"/>
+              </a:rPr>
+              <a:t>19</a:t>
+            </a:r>
+          </a:p>
+        </p:txBody>
+      </p:sp>
+      <p:sp>
+        <p:nvSpPr>
+          <p:cNvPr id="6" name="TextBox 5">
+            <a:extLst>
+              <a:ext uri="{FF2B5EF4-FFF2-40B4-BE49-F238E27FC236}">
+                <a16:creationId xmlns:a16="http://schemas.microsoft.com/office/drawing/2014/main" id="{C71A5F27-FA45-91E5-76BD-0804EB84A8A7}"/>
+              </a:ext>
+            </a:extLst>
+          </p:cNvPr>
+          <p:cNvSpPr txBox="1"/>
+          <p:nvPr/>
+        </p:nvSpPr>
+        <p:spPr>
+          <a:xfrm>
+            <a:off x="4989592" y="1929584"/>
+            <a:ext cx="2212815" cy="769441"/>
+          </a:xfrm>
+          <a:prstGeom prst="rect">
+            <a:avLst/>
+          </a:prstGeom>
+          <a:noFill/>
+        </p:spPr>
+        <p:txBody>
+          <a:bodyPr wrap="square" rtlCol="0">
+            <a:spAutoFit/>
+          </a:bodyPr>
+          <a:lstStyle/>
+          <a:p>
+            <a:pPr algn="ctr"/>
+            <a:r>
+              <a:rPr lang="en-US" sz="4400" b="1" dirty="0">
+                <a:latin typeface="Trebuchet MS" panose="020B0703020202090204" pitchFamily="34" charset="0"/>
+              </a:rPr>
+              <a:t>17</a:t>
+            </a:r>
+          </a:p>
+        </p:txBody>
+      </p:sp>
+      <p:sp>
+        <p:nvSpPr>
+          <p:cNvPr id="7" name="TextBox 6">
+            <a:extLst>
+              <a:ext uri="{FF2B5EF4-FFF2-40B4-BE49-F238E27FC236}">
+                <a16:creationId xmlns:a16="http://schemas.microsoft.com/office/drawing/2014/main" id="{086333D6-6989-F614-5965-9D5B62D6E806}"/>
+              </a:ext>
+            </a:extLst>
+          </p:cNvPr>
+          <p:cNvSpPr txBox="1"/>
+          <p:nvPr/>
+        </p:nvSpPr>
+        <p:spPr>
+          <a:xfrm>
+            <a:off x="4989593" y="5128753"/>
+            <a:ext cx="2212815" cy="830997"/>
+          </a:xfrm>
+          <a:prstGeom prst="rect">
+            <a:avLst/>
+          </a:prstGeom>
+          <a:noFill/>
+        </p:spPr>
+        <p:txBody>
+          <a:bodyPr wrap="square" rtlCol="0">
+            <a:spAutoFit/>
+          </a:bodyPr>
+          <a:lstStyle/>
+          <a:p>
+            <a:pPr algn="ctr"/>
+            <a:r>
+              <a:rPr lang="en-US" sz="2400" dirty="0" err="1">
+                <a:latin typeface="Trebuchet MS" panose="020B0703020202090204" pitchFamily="34" charset="0"/>
+              </a:rPr>
+              <a:t>Cell:Animal</a:t>
+            </a:r>
+            <a:r>
+              <a:rPr lang="en-US" sz="2400" dirty="0">
+                <a:latin typeface="Trebuchet MS" panose="020B0703020202090204" pitchFamily="34" charset="0"/>
+              </a:rPr>
+              <a:t> </a:t>
+            </a:r>
+          </a:p>
+          <a:p>
+            <a:pPr algn="ctr"/>
+            <a:r>
+              <a:rPr lang="en-US" sz="2400" dirty="0">
+                <a:latin typeface="Trebuchet MS" panose="020B0703020202090204" pitchFamily="34" charset="0"/>
+              </a:rPr>
+              <a:t>ratio</a:t>
+            </a:r>
+          </a:p>
+        </p:txBody>
+      </p:sp>
+      <p:sp>
+        <p:nvSpPr>
+          <p:cNvPr id="8" name="TextBox 7">
+            <a:extLst>
+              <a:ext uri="{FF2B5EF4-FFF2-40B4-BE49-F238E27FC236}">
+                <a16:creationId xmlns:a16="http://schemas.microsoft.com/office/drawing/2014/main" id="{34E9C1DE-7389-C16A-B357-12145E53459A}"/>
+              </a:ext>
+            </a:extLst>
+          </p:cNvPr>
+          <p:cNvSpPr txBox="1"/>
+          <p:nvPr/>
+        </p:nvSpPr>
+        <p:spPr>
+          <a:xfrm>
+            <a:off x="4989592" y="4183690"/>
+            <a:ext cx="2212815" cy="769441"/>
+          </a:xfrm>
+          <a:prstGeom prst="rect">
+            <a:avLst/>
+          </a:prstGeom>
+          <a:noFill/>
+        </p:spPr>
+        <p:txBody>
+          <a:bodyPr wrap="square" rtlCol="0">
+            <a:spAutoFit/>
+          </a:bodyPr>
+          <a:lstStyle/>
+          <a:p>
+            <a:pPr algn="ctr"/>
+            <a:r>
+              <a:rPr lang="en-US" sz="4400" b="1" dirty="0">
+                <a:latin typeface="Trebuchet MS" panose="020B0703020202090204" pitchFamily="34" charset="0"/>
+              </a:rPr>
+              <a:t>2.1</a:t>
+            </a:r>
+          </a:p>
+        </p:txBody>
+      </p:sp>
+      <p:sp>
+        <p:nvSpPr>
+          <p:cNvPr id="9" name="TextBox 8">
+            <a:extLst>
+              <a:ext uri="{FF2B5EF4-FFF2-40B4-BE49-F238E27FC236}">
+                <a16:creationId xmlns:a16="http://schemas.microsoft.com/office/drawing/2014/main" id="{2C94B670-7D45-1A4B-A439-5BD47731EA4C}"/>
+              </a:ext>
+            </a:extLst>
+          </p:cNvPr>
+          <p:cNvSpPr txBox="1"/>
+          <p:nvPr/>
+        </p:nvSpPr>
+        <p:spPr>
+          <a:xfrm>
+            <a:off x="8171941" y="2888933"/>
+            <a:ext cx="2212815" cy="830997"/>
+          </a:xfrm>
+          <a:prstGeom prst="rect">
+            <a:avLst/>
+          </a:prstGeom>
+          <a:noFill/>
+        </p:spPr>
+        <p:txBody>
+          <a:bodyPr wrap="square" rtlCol="0">
+            <a:spAutoFit/>
+          </a:bodyPr>
+          <a:lstStyle/>
+          <a:p>
+            <a:pPr algn="ctr"/>
+            <a:r>
+              <a:rPr lang="en-US" sz="2400" dirty="0">
+                <a:latin typeface="Trebuchet MS" panose="020B0703020202090204" pitchFamily="34" charset="0"/>
+              </a:rPr>
+              <a:t>Record cell day</a:t>
+            </a:r>
+          </a:p>
+        </p:txBody>
+      </p:sp>
+      <p:sp>
+        <p:nvSpPr>
+          <p:cNvPr id="10" name="TextBox 9">
+            <a:extLst>
+              <a:ext uri="{FF2B5EF4-FFF2-40B4-BE49-F238E27FC236}">
+                <a16:creationId xmlns:a16="http://schemas.microsoft.com/office/drawing/2014/main" id="{14B9760D-AD02-B02E-D97F-030DC16554DC}"/>
+              </a:ext>
+            </a:extLst>
+          </p:cNvPr>
+          <p:cNvSpPr txBox="1"/>
+          <p:nvPr/>
+        </p:nvSpPr>
+        <p:spPr>
+          <a:xfrm>
+            <a:off x="8171940" y="1943870"/>
+            <a:ext cx="2212815" cy="769441"/>
+          </a:xfrm>
+          <a:prstGeom prst="rect">
+            <a:avLst/>
+          </a:prstGeom>
+          <a:noFill/>
+        </p:spPr>
+        <p:txBody>
+          <a:bodyPr wrap="square" rtlCol="0">
+            <a:spAutoFit/>
+          </a:bodyPr>
+          <a:lstStyle/>
+          <a:p>
+            <a:pPr algn="ctr"/>
+            <a:r>
+              <a:rPr lang="en-US" sz="4400" b="1" dirty="0">
+                <a:latin typeface="Trebuchet MS" panose="020B0703020202090204" pitchFamily="34" charset="0"/>
+              </a:rPr>
+              <a:t>4</a:t>
+            </a:r>
+          </a:p>
+        </p:txBody>
+      </p:sp>
+      <p:sp>
+        <p:nvSpPr>
+          <p:cNvPr id="11" name="TextBox 10">
+            <a:extLst>
+              <a:ext uri="{FF2B5EF4-FFF2-40B4-BE49-F238E27FC236}">
+                <a16:creationId xmlns:a16="http://schemas.microsoft.com/office/drawing/2014/main" id="{8B6FC6B4-6DB6-F67D-4F64-96AFF5C65FF9}"/>
+              </a:ext>
+            </a:extLst>
+          </p:cNvPr>
+          <p:cNvSpPr txBox="1"/>
+          <p:nvPr/>
+        </p:nvSpPr>
+        <p:spPr>
+          <a:xfrm>
+            <a:off x="7908329" y="5128753"/>
+            <a:ext cx="2740036" cy="830997"/>
+          </a:xfrm>
+          <a:prstGeom prst="rect">
+            <a:avLst/>
+          </a:prstGeom>
+          <a:noFill/>
+        </p:spPr>
+        <p:txBody>
+          <a:bodyPr wrap="square" rtlCol="0">
+            <a:spAutoFit/>
+          </a:bodyPr>
+          <a:lstStyle/>
+          <a:p>
+            <a:pPr algn="ctr"/>
+            <a:r>
+              <a:rPr lang="en-US" sz="2400" dirty="0">
+                <a:latin typeface="Trebuchet MS" panose="020B0703020202090204" pitchFamily="34" charset="0"/>
+              </a:rPr>
+              <a:t>Good </a:t>
+            </a:r>
+            <a:r>
+              <a:rPr lang="en-US" sz="2400" dirty="0" err="1">
+                <a:latin typeface="Trebuchet MS" panose="020B0703020202090204" pitchFamily="34" charset="0"/>
+              </a:rPr>
+              <a:t>cells:Animal</a:t>
+            </a:r>
+            <a:r>
+              <a:rPr lang="en-US" sz="2400" dirty="0">
+                <a:latin typeface="Trebuchet MS" panose="020B0703020202090204" pitchFamily="34" charset="0"/>
+              </a:rPr>
+              <a:t> ratio</a:t>
+            </a:r>
+          </a:p>
+        </p:txBody>
+      </p:sp>
+      <p:sp>
+        <p:nvSpPr>
+          <p:cNvPr id="12" name="TextBox 11">
+            <a:extLst>
+              <a:ext uri="{FF2B5EF4-FFF2-40B4-BE49-F238E27FC236}">
+                <a16:creationId xmlns:a16="http://schemas.microsoft.com/office/drawing/2014/main" id="{63B76F4C-246D-9A52-5319-7985F736886A}"/>
+              </a:ext>
+            </a:extLst>
+          </p:cNvPr>
+          <p:cNvSpPr txBox="1"/>
+          <p:nvPr/>
+        </p:nvSpPr>
+        <p:spPr>
+          <a:xfrm>
+            <a:off x="8171940" y="4183690"/>
+            <a:ext cx="2212815" cy="769441"/>
+          </a:xfrm>
+          <a:prstGeom prst="rect">
+            <a:avLst/>
+          </a:prstGeom>
+          <a:noFill/>
+        </p:spPr>
+        <p:txBody>
+          <a:bodyPr wrap="square" rtlCol="0">
+            <a:spAutoFit/>
+          </a:bodyPr>
+          <a:lstStyle/>
+          <a:p>
+            <a:pPr algn="ctr"/>
+            <a:r>
+              <a:rPr lang="en-US" sz="4400" b="1" dirty="0">
+                <a:latin typeface="Trebuchet MS" panose="020B0703020202090204" pitchFamily="34" charset="0"/>
+              </a:rPr>
+              <a:t>1.9</a:t>
+            </a:r>
+          </a:p>
+        </p:txBody>
+      </p:sp>
+      <p:sp>
+        <p:nvSpPr>
+          <p:cNvPr id="13" name="TextBox 12">
+            <a:extLst>
+              <a:ext uri="{FF2B5EF4-FFF2-40B4-BE49-F238E27FC236}">
+                <a16:creationId xmlns:a16="http://schemas.microsoft.com/office/drawing/2014/main" id="{B661E7A2-4C06-C404-E31A-D63964AE212A}"/>
+              </a:ext>
+            </a:extLst>
+          </p:cNvPr>
+          <p:cNvSpPr txBox="1"/>
+          <p:nvPr/>
+        </p:nvSpPr>
+        <p:spPr>
+          <a:xfrm>
+            <a:off x="1807245" y="5143039"/>
+            <a:ext cx="2212815" cy="830997"/>
+          </a:xfrm>
+          <a:prstGeom prst="rect">
+            <a:avLst/>
+          </a:prstGeom>
+          <a:noFill/>
+        </p:spPr>
+        <p:txBody>
+          <a:bodyPr wrap="square" rtlCol="0">
+            <a:spAutoFit/>
+          </a:bodyPr>
+          <a:lstStyle/>
+          <a:p>
+            <a:pPr algn="ctr"/>
+            <a:r>
+              <a:rPr lang="en-US" sz="2400" dirty="0">
+                <a:latin typeface="Trebuchet MS" panose="020B0703020202090204" pitchFamily="34" charset="0"/>
+              </a:rPr>
+              <a:t>Minutes spent watching tube</a:t>
+            </a:r>
+          </a:p>
+        </p:txBody>
+      </p:sp>
+      <p:sp>
+        <p:nvSpPr>
+          <p:cNvPr id="14" name="TextBox 13">
+            <a:extLst>
+              <a:ext uri="{FF2B5EF4-FFF2-40B4-BE49-F238E27FC236}">
+                <a16:creationId xmlns:a16="http://schemas.microsoft.com/office/drawing/2014/main" id="{6025B2C0-D758-F732-4FDF-4F78927501C9}"/>
+              </a:ext>
+            </a:extLst>
+          </p:cNvPr>
+          <p:cNvSpPr txBox="1"/>
+          <p:nvPr/>
+        </p:nvSpPr>
+        <p:spPr>
+          <a:xfrm>
+            <a:off x="1807245" y="4183690"/>
+            <a:ext cx="2212815" cy="769441"/>
+          </a:xfrm>
+          <a:prstGeom prst="rect">
+            <a:avLst/>
+          </a:prstGeom>
+          <a:noFill/>
+        </p:spPr>
+        <p:txBody>
+          <a:bodyPr wrap="square" rtlCol="0">
+            <a:spAutoFit/>
+          </a:bodyPr>
+          <a:lstStyle/>
+          <a:p>
+            <a:pPr algn="ctr"/>
+            <a:r>
+              <a:rPr lang="en-US" sz="4400" b="1" dirty="0">
+                <a:latin typeface="Trebuchet MS" panose="020B0703020202090204" pitchFamily="34" charset="0"/>
+              </a:rPr>
+              <a:t>450</a:t>
+            </a:r>
+          </a:p>
+        </p:txBody>
+      </p:sp>
+      <p:sp>
+        <p:nvSpPr>
+          <p:cNvPr id="22" name="Oval Callout 21">
+            <a:extLst>
+              <a:ext uri="{FF2B5EF4-FFF2-40B4-BE49-F238E27FC236}">
+                <a16:creationId xmlns:a16="http://schemas.microsoft.com/office/drawing/2014/main" id="{DD1F2793-BE96-D385-83A5-C1B77733AC56}"/>
+              </a:ext>
+            </a:extLst>
+          </p:cNvPr>
+          <p:cNvSpPr/>
+          <p:nvPr/>
+        </p:nvSpPr>
+        <p:spPr>
+          <a:xfrm>
+            <a:off x="7554443" y="3922213"/>
+            <a:ext cx="3719384" cy="2512200"/>
+          </a:xfrm>
+          <a:prstGeom prst="wedgeEllipseCallout">
+            <a:avLst/>
+          </a:prstGeom>
+          <a:solidFill>
+            <a:srgbClr val="005B96"/>
+          </a:solidFill>
+          <a:ln>
+            <a:solidFill>
+              <a:srgbClr val="005B96"/>
+            </a:solidFill>
+          </a:ln>
+        </p:spPr>
+        <p:style>
+          <a:lnRef idx="2">
+            <a:schemeClr val="accent1">
+              <a:shade val="15000"/>
+            </a:schemeClr>
+          </a:lnRef>
+          <a:fillRef idx="1">
+            <a:schemeClr val="accent1"/>
+          </a:fillRef>
+          <a:effectRef idx="0">
+            <a:schemeClr val="accent1"/>
+          </a:effectRef>
+          <a:fontRef idx="minor">
+            <a:schemeClr val="lt1"/>
+          </a:fontRef>
+        </p:style>
+        <p:txBody>
+          <a:bodyPr rtlCol="0" anchor="ctr"/>
+          <a:lstStyle/>
+          <a:p>
+            <a:pPr algn="ctr"/>
+            <a:endParaRPr lang="en-US"/>
+          </a:p>
+        </p:txBody>
+      </p:sp>
+      <p:sp>
+        <p:nvSpPr>
+          <p:cNvPr id="15" name="TextBox 14">
+            <a:extLst>
+              <a:ext uri="{FF2B5EF4-FFF2-40B4-BE49-F238E27FC236}">
+                <a16:creationId xmlns:a16="http://schemas.microsoft.com/office/drawing/2014/main" id="{0A2B9406-4E3B-8C89-EA27-EFE83FFD96B3}"/>
+              </a:ext>
+            </a:extLst>
+          </p:cNvPr>
+          <p:cNvSpPr txBox="1"/>
+          <p:nvPr/>
+        </p:nvSpPr>
+        <p:spPr>
+          <a:xfrm>
+            <a:off x="2629446" y="286378"/>
+            <a:ext cx="7279105" cy="707886"/>
+          </a:xfrm>
+          <a:prstGeom prst="rect">
+            <a:avLst/>
+          </a:prstGeom>
+          <a:noFill/>
+        </p:spPr>
+        <p:txBody>
+          <a:bodyPr wrap="square" rtlCol="0">
+            <a:spAutoFit/>
+          </a:bodyPr>
+          <a:lstStyle/>
+          <a:p>
+            <a:pPr algn="ctr"/>
+            <a:r>
+              <a:rPr lang="en-US" sz="4000" b="1" dirty="0">
+                <a:latin typeface="Trebuchet MS" panose="020B0703020202090204" pitchFamily="34" charset="0"/>
+              </a:rPr>
+              <a:t>May &amp; June Wrapped</a:t>
+            </a:r>
+          </a:p>
+        </p:txBody>
+      </p:sp>
+    </p:spTree>
+    <p:extLst>
+      <p:ext uri="{BB962C8B-B14F-4D97-AF65-F5344CB8AC3E}">
+        <p14:creationId xmlns:p14="http://schemas.microsoft.com/office/powerpoint/2010/main" val="3284777211"/>
+      </p:ext>
+    </p:extLst>
+  </p:cSld>
+  <p:clrMapOvr>
+    <a:masterClrMapping/>
+  </p:clrMapOvr>
+</p:sld>
+</file>
+
+<file path=ppt/slides/slide8.xml><?xml version="1.0" encoding="utf-8"?>
+<p:sld xmlns:a="http://schemas.openxmlformats.org/drawingml/2006/main" xmlns:r="http://schemas.openxmlformats.org/officeDocument/2006/relationships" xmlns:p="http://schemas.openxmlformats.org/presentationml/2006/main">
+  <p:cSld>
+    <p:bg>
+      <p:bgPr>
+        <a:solidFill>
+          <a:srgbClr val="005B96"/>
+        </a:solidFill>
+        <a:effectLst/>
+      </p:bgPr>
+    </p:bg>
+    <p:spTree>
+      <p:nvGrpSpPr>
+        <p:cNvPr id="1" name="">
+          <a:extLst>
+            <a:ext uri="{FF2B5EF4-FFF2-40B4-BE49-F238E27FC236}">
+              <a16:creationId xmlns:a16="http://schemas.microsoft.com/office/drawing/2014/main" id="{62B94E6F-DD77-4025-964A-F6A72F8077D1}"/>
+            </a:ext>
+          </a:extLst>
+        </p:cNvPr>
+        <p:cNvGrpSpPr/>
+        <p:nvPr/>
+      </p:nvGrpSpPr>
+      <p:grpSpPr>
+        <a:xfrm>
+          <a:off x="0" y="0"/>
+          <a:ext cx="0" cy="0"/>
+          <a:chOff x="0" y="0"/>
+          <a:chExt cx="0" cy="0"/>
+        </a:xfrm>
+      </p:grpSpPr>
+      <p:sp>
+        <p:nvSpPr>
+          <p:cNvPr id="3" name="TextBox 2">
+            <a:extLst>
+              <a:ext uri="{FF2B5EF4-FFF2-40B4-BE49-F238E27FC236}">
+                <a16:creationId xmlns:a16="http://schemas.microsoft.com/office/drawing/2014/main" id="{C590DD75-4153-2DE5-7B85-FB2A516D49FD}"/>
+              </a:ext>
+            </a:extLst>
+          </p:cNvPr>
+          <p:cNvSpPr txBox="1"/>
+          <p:nvPr/>
+        </p:nvSpPr>
+        <p:spPr>
+          <a:xfrm>
+            <a:off x="1807245" y="2888934"/>
+            <a:ext cx="2212815" cy="830997"/>
+          </a:xfrm>
+          <a:prstGeom prst="rect">
+            <a:avLst/>
+          </a:prstGeom>
+          <a:noFill/>
+        </p:spPr>
+        <p:txBody>
+          <a:bodyPr wrap="square" rtlCol="0">
+            <a:spAutoFit/>
+          </a:bodyPr>
+          <a:lstStyle/>
+          <a:p>
+            <a:pPr algn="ctr"/>
+            <a:r>
+              <a:rPr lang="en-US" sz="2400" dirty="0">
+                <a:latin typeface="Trebuchet MS" panose="020B0703020202090204" pitchFamily="34" charset="0"/>
+              </a:rPr>
+              <a:t>Full-length cells recorded</a:t>
+            </a:r>
+          </a:p>
+        </p:txBody>
+      </p:sp>
+      <p:sp>
+        <p:nvSpPr>
+          <p:cNvPr id="4" name="TextBox 3">
+            <a:extLst>
+              <a:ext uri="{FF2B5EF4-FFF2-40B4-BE49-F238E27FC236}">
+                <a16:creationId xmlns:a16="http://schemas.microsoft.com/office/drawing/2014/main" id="{6B3C6259-DE01-1E0A-CF90-8744410A5CBF}"/>
+              </a:ext>
+            </a:extLst>
+          </p:cNvPr>
+          <p:cNvSpPr txBox="1"/>
+          <p:nvPr/>
+        </p:nvSpPr>
+        <p:spPr>
+          <a:xfrm>
+            <a:off x="4989593" y="2874647"/>
+            <a:ext cx="2212815" cy="830997"/>
+          </a:xfrm>
+          <a:prstGeom prst="rect">
+            <a:avLst/>
+          </a:prstGeom>
+          <a:noFill/>
+        </p:spPr>
+        <p:txBody>
+          <a:bodyPr wrap="square" rtlCol="0">
+            <a:spAutoFit/>
+          </a:bodyPr>
+          <a:lstStyle/>
+          <a:p>
+            <a:pPr algn="ctr"/>
+            <a:r>
+              <a:rPr lang="en-US" sz="2400" dirty="0">
+                <a:latin typeface="Trebuchet MS" panose="020B0703020202090204" pitchFamily="34" charset="0"/>
+              </a:rPr>
+              <a:t>Good full- length cells</a:t>
+            </a:r>
+          </a:p>
+        </p:txBody>
+      </p:sp>
+      <p:sp>
+        <p:nvSpPr>
+          <p:cNvPr id="5" name="TextBox 4">
+            <a:extLst>
+              <a:ext uri="{FF2B5EF4-FFF2-40B4-BE49-F238E27FC236}">
+                <a16:creationId xmlns:a16="http://schemas.microsoft.com/office/drawing/2014/main" id="{7FE09A1E-39F7-23E5-6E8E-37922AFBB5FC}"/>
+              </a:ext>
+            </a:extLst>
+          </p:cNvPr>
+          <p:cNvSpPr txBox="1"/>
+          <p:nvPr/>
+        </p:nvSpPr>
+        <p:spPr>
+          <a:xfrm>
+            <a:off x="1807245" y="1943870"/>
+            <a:ext cx="2212815" cy="769441"/>
+          </a:xfrm>
+          <a:prstGeom prst="rect">
+            <a:avLst/>
+          </a:prstGeom>
+          <a:noFill/>
+        </p:spPr>
+        <p:txBody>
+          <a:bodyPr wrap="square" rtlCol="0">
+            <a:spAutoFit/>
+          </a:bodyPr>
+          <a:lstStyle/>
+          <a:p>
+            <a:pPr algn="ctr"/>
+            <a:r>
+              <a:rPr lang="en-US" sz="4400" b="1" dirty="0">
+                <a:latin typeface="Trebuchet MS" panose="020B0703020202090204" pitchFamily="34" charset="0"/>
+              </a:rPr>
+              <a:t>19</a:t>
+            </a:r>
+          </a:p>
+        </p:txBody>
+      </p:sp>
+      <p:sp>
+        <p:nvSpPr>
+          <p:cNvPr id="6" name="TextBox 5">
+            <a:extLst>
+              <a:ext uri="{FF2B5EF4-FFF2-40B4-BE49-F238E27FC236}">
+                <a16:creationId xmlns:a16="http://schemas.microsoft.com/office/drawing/2014/main" id="{2E6DFD45-AD49-83E0-04B0-AB3A26E3611F}"/>
+              </a:ext>
+            </a:extLst>
+          </p:cNvPr>
+          <p:cNvSpPr txBox="1"/>
+          <p:nvPr/>
+        </p:nvSpPr>
+        <p:spPr>
+          <a:xfrm>
+            <a:off x="4989592" y="1929584"/>
+            <a:ext cx="2212815" cy="769441"/>
+          </a:xfrm>
+          <a:prstGeom prst="rect">
+            <a:avLst/>
+          </a:prstGeom>
+          <a:noFill/>
+        </p:spPr>
+        <p:txBody>
+          <a:bodyPr wrap="square" rtlCol="0">
+            <a:spAutoFit/>
+          </a:bodyPr>
+          <a:lstStyle/>
+          <a:p>
+            <a:pPr algn="ctr"/>
+            <a:r>
+              <a:rPr lang="en-US" sz="4400" b="1" dirty="0">
+                <a:latin typeface="Trebuchet MS" panose="020B0703020202090204" pitchFamily="34" charset="0"/>
+              </a:rPr>
+              <a:t>17</a:t>
+            </a:r>
+          </a:p>
+        </p:txBody>
+      </p:sp>
+      <p:sp>
+        <p:nvSpPr>
+          <p:cNvPr id="7" name="TextBox 6">
+            <a:extLst>
+              <a:ext uri="{FF2B5EF4-FFF2-40B4-BE49-F238E27FC236}">
+                <a16:creationId xmlns:a16="http://schemas.microsoft.com/office/drawing/2014/main" id="{890E3E5D-35DC-B6D5-5232-F67F2409C110}"/>
+              </a:ext>
+            </a:extLst>
+          </p:cNvPr>
+          <p:cNvSpPr txBox="1"/>
+          <p:nvPr/>
+        </p:nvSpPr>
+        <p:spPr>
+          <a:xfrm>
+            <a:off x="4989593" y="5128753"/>
+            <a:ext cx="2212815" cy="830997"/>
+          </a:xfrm>
+          <a:prstGeom prst="rect">
+            <a:avLst/>
+          </a:prstGeom>
+          <a:noFill/>
+        </p:spPr>
+        <p:txBody>
+          <a:bodyPr wrap="square" rtlCol="0">
+            <a:spAutoFit/>
+          </a:bodyPr>
+          <a:lstStyle/>
+          <a:p>
+            <a:pPr algn="ctr"/>
+            <a:r>
+              <a:rPr lang="en-US" sz="2400" dirty="0" err="1">
+                <a:latin typeface="Trebuchet MS" panose="020B0703020202090204" pitchFamily="34" charset="0"/>
+              </a:rPr>
+              <a:t>Cell:Animal</a:t>
+            </a:r>
+            <a:r>
+              <a:rPr lang="en-US" sz="2400" dirty="0">
+                <a:latin typeface="Trebuchet MS" panose="020B0703020202090204" pitchFamily="34" charset="0"/>
+              </a:rPr>
+              <a:t> </a:t>
+            </a:r>
+          </a:p>
+          <a:p>
+            <a:pPr algn="ctr"/>
+            <a:r>
+              <a:rPr lang="en-US" sz="2400" dirty="0">
+                <a:latin typeface="Trebuchet MS" panose="020B0703020202090204" pitchFamily="34" charset="0"/>
+              </a:rPr>
+              <a:t>ratio</a:t>
+            </a:r>
+          </a:p>
+        </p:txBody>
+      </p:sp>
+      <p:sp>
+        <p:nvSpPr>
+          <p:cNvPr id="8" name="TextBox 7">
+            <a:extLst>
+              <a:ext uri="{FF2B5EF4-FFF2-40B4-BE49-F238E27FC236}">
+                <a16:creationId xmlns:a16="http://schemas.microsoft.com/office/drawing/2014/main" id="{0B050424-6B7F-0A46-B014-2A826540CB5F}"/>
+              </a:ext>
+            </a:extLst>
+          </p:cNvPr>
+          <p:cNvSpPr txBox="1"/>
+          <p:nvPr/>
+        </p:nvSpPr>
+        <p:spPr>
+          <a:xfrm>
+            <a:off x="4989592" y="4183690"/>
+            <a:ext cx="2212815" cy="769441"/>
+          </a:xfrm>
+          <a:prstGeom prst="rect">
+            <a:avLst/>
+          </a:prstGeom>
+          <a:noFill/>
+        </p:spPr>
+        <p:txBody>
+          <a:bodyPr wrap="square" rtlCol="0">
+            <a:spAutoFit/>
+          </a:bodyPr>
+          <a:lstStyle/>
+          <a:p>
+            <a:pPr algn="ctr"/>
+            <a:r>
+              <a:rPr lang="en-US" sz="4400" b="1" dirty="0">
+                <a:latin typeface="Trebuchet MS" panose="020B0703020202090204" pitchFamily="34" charset="0"/>
+              </a:rPr>
+              <a:t>2.1</a:t>
+            </a:r>
+          </a:p>
+        </p:txBody>
+      </p:sp>
+      <p:sp>
+        <p:nvSpPr>
+          <p:cNvPr id="9" name="TextBox 8">
+            <a:extLst>
+              <a:ext uri="{FF2B5EF4-FFF2-40B4-BE49-F238E27FC236}">
+                <a16:creationId xmlns:a16="http://schemas.microsoft.com/office/drawing/2014/main" id="{C8AF712C-A3C2-673A-E7BB-20467631CA38}"/>
+              </a:ext>
+            </a:extLst>
+          </p:cNvPr>
+          <p:cNvSpPr txBox="1"/>
+          <p:nvPr/>
+        </p:nvSpPr>
+        <p:spPr>
+          <a:xfrm>
+            <a:off x="8171941" y="2888933"/>
+            <a:ext cx="2212815" cy="830997"/>
+          </a:xfrm>
+          <a:prstGeom prst="rect">
+            <a:avLst/>
+          </a:prstGeom>
+          <a:noFill/>
+        </p:spPr>
+        <p:txBody>
+          <a:bodyPr wrap="square" rtlCol="0">
+            <a:spAutoFit/>
+          </a:bodyPr>
+          <a:lstStyle/>
+          <a:p>
+            <a:pPr algn="ctr"/>
+            <a:r>
+              <a:rPr lang="en-US" sz="2400" dirty="0">
+                <a:latin typeface="Trebuchet MS" panose="020B0703020202090204" pitchFamily="34" charset="0"/>
+              </a:rPr>
+              <a:t>Record cell day</a:t>
+            </a:r>
+          </a:p>
+        </p:txBody>
+      </p:sp>
+      <p:sp>
+        <p:nvSpPr>
+          <p:cNvPr id="10" name="TextBox 9">
+            <a:extLst>
+              <a:ext uri="{FF2B5EF4-FFF2-40B4-BE49-F238E27FC236}">
+                <a16:creationId xmlns:a16="http://schemas.microsoft.com/office/drawing/2014/main" id="{2BD8665F-FE71-7221-F928-516BE88497E8}"/>
+              </a:ext>
+            </a:extLst>
+          </p:cNvPr>
+          <p:cNvSpPr txBox="1"/>
+          <p:nvPr/>
+        </p:nvSpPr>
+        <p:spPr>
+          <a:xfrm>
+            <a:off x="8171940" y="1943870"/>
+            <a:ext cx="2212815" cy="769441"/>
+          </a:xfrm>
+          <a:prstGeom prst="rect">
+            <a:avLst/>
+          </a:prstGeom>
+          <a:noFill/>
+        </p:spPr>
+        <p:txBody>
+          <a:bodyPr wrap="square" rtlCol="0">
+            <a:spAutoFit/>
+          </a:bodyPr>
+          <a:lstStyle/>
+          <a:p>
+            <a:pPr algn="ctr"/>
+            <a:r>
+              <a:rPr lang="en-US" sz="4400" b="1" dirty="0">
+                <a:latin typeface="Trebuchet MS" panose="020B0703020202090204" pitchFamily="34" charset="0"/>
+              </a:rPr>
+              <a:t>4</a:t>
+            </a:r>
+          </a:p>
+        </p:txBody>
+      </p:sp>
+      <p:sp>
+        <p:nvSpPr>
+          <p:cNvPr id="11" name="TextBox 10">
+            <a:extLst>
+              <a:ext uri="{FF2B5EF4-FFF2-40B4-BE49-F238E27FC236}">
+                <a16:creationId xmlns:a16="http://schemas.microsoft.com/office/drawing/2014/main" id="{CB1FC932-DF6B-EA1B-4FB8-13BB829FA082}"/>
+              </a:ext>
+            </a:extLst>
+          </p:cNvPr>
+          <p:cNvSpPr txBox="1"/>
+          <p:nvPr/>
+        </p:nvSpPr>
+        <p:spPr>
+          <a:xfrm>
+            <a:off x="7908329" y="5128753"/>
+            <a:ext cx="2740036" cy="830997"/>
+          </a:xfrm>
+          <a:prstGeom prst="rect">
+            <a:avLst/>
+          </a:prstGeom>
+          <a:noFill/>
+        </p:spPr>
+        <p:txBody>
+          <a:bodyPr wrap="square" rtlCol="0">
+            <a:spAutoFit/>
+          </a:bodyPr>
+          <a:lstStyle/>
+          <a:p>
+            <a:pPr algn="ctr"/>
+            <a:r>
+              <a:rPr lang="en-US" sz="2400" dirty="0">
+                <a:latin typeface="Trebuchet MS" panose="020B0703020202090204" pitchFamily="34" charset="0"/>
+              </a:rPr>
+              <a:t>Good </a:t>
+            </a:r>
+            <a:r>
+              <a:rPr lang="en-US" sz="2400" dirty="0" err="1">
+                <a:latin typeface="Trebuchet MS" panose="020B0703020202090204" pitchFamily="34" charset="0"/>
+              </a:rPr>
+              <a:t>cell:Animal</a:t>
+            </a:r>
+            <a:r>
+              <a:rPr lang="en-US" sz="2400" dirty="0">
+                <a:latin typeface="Trebuchet MS" panose="020B0703020202090204" pitchFamily="34" charset="0"/>
+              </a:rPr>
+              <a:t> ratio</a:t>
+            </a:r>
+          </a:p>
+        </p:txBody>
+      </p:sp>
+      <p:sp>
+        <p:nvSpPr>
+          <p:cNvPr id="12" name="TextBox 11">
+            <a:extLst>
+              <a:ext uri="{FF2B5EF4-FFF2-40B4-BE49-F238E27FC236}">
+                <a16:creationId xmlns:a16="http://schemas.microsoft.com/office/drawing/2014/main" id="{528327A2-90A0-4F88-54BA-26BED6F7D686}"/>
+              </a:ext>
+            </a:extLst>
+          </p:cNvPr>
+          <p:cNvSpPr txBox="1"/>
+          <p:nvPr/>
+        </p:nvSpPr>
+        <p:spPr>
+          <a:xfrm>
+            <a:off x="8171940" y="4183690"/>
+            <a:ext cx="2212815" cy="769441"/>
+          </a:xfrm>
+          <a:prstGeom prst="rect">
+            <a:avLst/>
+          </a:prstGeom>
+          <a:noFill/>
+        </p:spPr>
+        <p:txBody>
+          <a:bodyPr wrap="square" rtlCol="0">
+            <a:spAutoFit/>
+          </a:bodyPr>
+          <a:lstStyle/>
+          <a:p>
+            <a:pPr algn="ctr"/>
+            <a:r>
+              <a:rPr lang="en-US" sz="4400" b="1" dirty="0">
+                <a:latin typeface="Trebuchet MS" panose="020B0703020202090204" pitchFamily="34" charset="0"/>
+              </a:rPr>
+              <a:t>1.9</a:t>
+            </a:r>
+          </a:p>
+        </p:txBody>
+      </p:sp>
+      <p:sp>
+        <p:nvSpPr>
+          <p:cNvPr id="13" name="TextBox 12">
+            <a:extLst>
+              <a:ext uri="{FF2B5EF4-FFF2-40B4-BE49-F238E27FC236}">
+                <a16:creationId xmlns:a16="http://schemas.microsoft.com/office/drawing/2014/main" id="{F72A7547-23A5-C63E-003E-9BC51547B47F}"/>
+              </a:ext>
+            </a:extLst>
+          </p:cNvPr>
+          <p:cNvSpPr txBox="1"/>
+          <p:nvPr/>
+        </p:nvSpPr>
+        <p:spPr>
+          <a:xfrm>
+            <a:off x="1807245" y="5143039"/>
+            <a:ext cx="2212815" cy="830997"/>
+          </a:xfrm>
+          <a:prstGeom prst="rect">
+            <a:avLst/>
+          </a:prstGeom>
+          <a:noFill/>
+        </p:spPr>
+        <p:txBody>
+          <a:bodyPr wrap="square" rtlCol="0">
+            <a:spAutoFit/>
+          </a:bodyPr>
+          <a:lstStyle/>
+          <a:p>
+            <a:pPr algn="ctr"/>
+            <a:r>
+              <a:rPr lang="en-US" sz="2400" dirty="0">
+                <a:latin typeface="Trebuchet MS" panose="020B0703020202090204" pitchFamily="34" charset="0"/>
+              </a:rPr>
+              <a:t>Minutes spent watching tube</a:t>
+            </a:r>
+          </a:p>
+        </p:txBody>
+      </p:sp>
+      <p:sp>
+        <p:nvSpPr>
+          <p:cNvPr id="14" name="TextBox 13">
+            <a:extLst>
+              <a:ext uri="{FF2B5EF4-FFF2-40B4-BE49-F238E27FC236}">
+                <a16:creationId xmlns:a16="http://schemas.microsoft.com/office/drawing/2014/main" id="{63F9EBCF-B55E-F61D-2F8D-27DB77C0B261}"/>
+              </a:ext>
+            </a:extLst>
+          </p:cNvPr>
+          <p:cNvSpPr txBox="1"/>
+          <p:nvPr/>
+        </p:nvSpPr>
+        <p:spPr>
+          <a:xfrm>
+            <a:off x="1807245" y="4183690"/>
+            <a:ext cx="2212815" cy="769441"/>
+          </a:xfrm>
+          <a:prstGeom prst="rect">
+            <a:avLst/>
+          </a:prstGeom>
+          <a:noFill/>
+        </p:spPr>
+        <p:txBody>
+          <a:bodyPr wrap="square" rtlCol="0">
+            <a:spAutoFit/>
+          </a:bodyPr>
+          <a:lstStyle/>
+          <a:p>
+            <a:pPr algn="ctr"/>
+            <a:r>
+              <a:rPr lang="en-US" sz="4400" b="1" dirty="0">
+                <a:latin typeface="Trebuchet MS" panose="020B0703020202090204" pitchFamily="34" charset="0"/>
+              </a:rPr>
+              <a:t>450</a:t>
+            </a:r>
+          </a:p>
+        </p:txBody>
+      </p:sp>
+      <p:sp>
+        <p:nvSpPr>
+          <p:cNvPr id="15" name="TextBox 14">
+            <a:extLst>
+              <a:ext uri="{FF2B5EF4-FFF2-40B4-BE49-F238E27FC236}">
+                <a16:creationId xmlns:a16="http://schemas.microsoft.com/office/drawing/2014/main" id="{0FCCF383-1EF6-2DF7-0F6B-54096E4783CF}"/>
+              </a:ext>
+            </a:extLst>
+          </p:cNvPr>
+          <p:cNvSpPr txBox="1"/>
+          <p:nvPr/>
+        </p:nvSpPr>
+        <p:spPr>
+          <a:xfrm>
+            <a:off x="2629446" y="286378"/>
+            <a:ext cx="7279105" cy="707886"/>
+          </a:xfrm>
+          <a:prstGeom prst="rect">
+            <a:avLst/>
+          </a:prstGeom>
+          <a:noFill/>
+        </p:spPr>
+        <p:txBody>
+          <a:bodyPr wrap="square" rtlCol="0">
+            <a:spAutoFit/>
+          </a:bodyPr>
+          <a:lstStyle/>
+          <a:p>
+            <a:pPr algn="ctr"/>
+            <a:r>
+              <a:rPr lang="en-US" sz="4000" b="1" dirty="0">
+                <a:latin typeface="Trebuchet MS" panose="020B0703020202090204" pitchFamily="34" charset="0"/>
+              </a:rPr>
+              <a:t>May &amp; June Wrapped</a:t>
+            </a:r>
+          </a:p>
+        </p:txBody>
+      </p:sp>
+    </p:spTree>
+    <p:extLst>
+      <p:ext uri="{BB962C8B-B14F-4D97-AF65-F5344CB8AC3E}">
+        <p14:creationId xmlns:p14="http://schemas.microsoft.com/office/powerpoint/2010/main" val="3028033020"/>
+      </p:ext>
+    </p:extLst>
+  </p:cSld>
+  <p:clrMapOvr>
+    <a:masterClrMapping/>
+  </p:clrMapOvr>
+</p:sld>
+</file>
+
+<file path=ppt/slides/slide9.xml><?xml version="1.0" encoding="utf-8"?>
+<p:sld xmlns:a="http://schemas.openxmlformats.org/drawingml/2006/main" xmlns:r="http://schemas.openxmlformats.org/officeDocument/2006/relationships" xmlns:p="http://schemas.openxmlformats.org/presentationml/2006/main">
+  <p:cSld>
+    <p:bg>
+      <p:bgPr>
+        <a:solidFill>
+          <a:schemeClr val="bg1"/>
+        </a:solidFill>
+        <a:effectLst/>
+      </p:bgPr>
+    </p:bg>
+    <p:spTree>
+      <p:nvGrpSpPr>
+        <p:cNvPr id="1" name=""/>
+        <p:cNvGrpSpPr/>
+        <p:nvPr/>
+      </p:nvGrpSpPr>
+      <p:grpSpPr>
+        <a:xfrm>
+          <a:off x="0" y="0"/>
+          <a:ext cx="0" cy="0"/>
+          <a:chOff x="0" y="0"/>
+          <a:chExt cx="0" cy="0"/>
+        </a:xfrm>
+      </p:grpSpPr>
+      <p:pic>
+        <p:nvPicPr>
+          <p:cNvPr id="1026" name="Picture 2" descr="A collage of a person in a red jacket&#10;&#10;AI-generated content may be incorrect.">
+            <a:extLst>
+              <a:ext uri="{FF2B5EF4-FFF2-40B4-BE49-F238E27FC236}">
+                <a16:creationId xmlns:a16="http://schemas.microsoft.com/office/drawing/2014/main" id="{B8282E48-87F3-E77C-7745-EC1C93361B9D}"/>
+              </a:ext>
+            </a:extLst>
+          </p:cNvPr>
+          <p:cNvPicPr>
+            <a:picLocks noChangeAspect="1" noChangeArrowheads="1"/>
+          </p:cNvPicPr>
+          <p:nvPr/>
+        </p:nvPicPr>
+        <p:blipFill rotWithShape="1">
+          <a:blip r:embed="rId2">
+            <a:extLst>
+              <a:ext uri="{28A0092B-C50C-407E-A947-70E740481C1C}">
+                <a14:useLocalDpi xmlns:a14="http://schemas.microsoft.com/office/drawing/2010/main" val="0"/>
+              </a:ext>
+            </a:extLst>
+          </a:blip>
+          <a:srcRect t="761" b="851"/>
+          <a:stretch>
+            <a:fillRect/>
+          </a:stretch>
+        </p:blipFill>
+        <p:spPr bwMode="auto">
+          <a:xfrm>
+            <a:off x="1964265" y="85395"/>
+            <a:ext cx="8263469" cy="6687210"/>
+          </a:xfrm>
+          <a:prstGeom prst="rect">
+            <a:avLst/>
+          </a:prstGeom>
+          <a:noFill/>
+          <a:extLst>
+            <a:ext uri="{909E8E84-426E-40DD-AFC4-6F175D3DCCD1}">
+              <a14:hiddenFill xmlns:a14="http://schemas.microsoft.com/office/drawing/2010/main">
+                <a:solidFill>
+                  <a:srgbClr val="FFFFFF"/>
+                </a:solidFill>
+              </a14:hiddenFill>
+            </a:ext>
+          </a:extLst>
+        </p:spPr>
+      </p:pic>
+    </p:spTree>
+    <p:extLst>
+      <p:ext uri="{BB962C8B-B14F-4D97-AF65-F5344CB8AC3E}">
+        <p14:creationId xmlns:p14="http://schemas.microsoft.com/office/powerpoint/2010/main" val="3363339562"/>
       </p:ext>
     </p:extLst>
   </p:cSld>

--- a/Presentations/data_presentation_20250703.pptx
+++ b/Presentations/data_presentation_20250703.pptx
@@ -5524,7 +5524,19 @@
               <a:rPr lang="en-US" sz="2400" dirty="0">
                 <a:latin typeface="Trebuchet MS" panose="020B0703020202090204" pitchFamily="34" charset="0"/>
               </a:rPr>
-              <a:t>Acute stress increases AP frequency after HFS </a:t>
+              <a:t>Acute stress </a:t>
+            </a:r>
+            <a:r>
+              <a:rPr lang="en-US" sz="2400" dirty="0" err="1">
+                <a:latin typeface="Trebuchet MS" panose="020B0703020202090204" pitchFamily="34" charset="0"/>
+              </a:rPr>
+              <a:t>dectrases</a:t>
+            </a:r>
+            <a:r>
+              <a:rPr lang="en-US" sz="2400" dirty="0">
+                <a:latin typeface="Trebuchet MS" panose="020B0703020202090204" pitchFamily="34" charset="0"/>
+              </a:rPr>
+              <a:t> AP frequency after HFS </a:t>
             </a:r>
             <a:r>
               <a:rPr lang="en-US" sz="2400" dirty="0">

--- a/Presentations/data_presentation_20250703.pptx
+++ b/Presentations/data_presentation_20250703.pptx
@@ -5524,19 +5524,7 @@
               <a:rPr lang="en-US" sz="2400" dirty="0">
                 <a:latin typeface="Trebuchet MS" panose="020B0703020202090204" pitchFamily="34" charset="0"/>
               </a:rPr>
-              <a:t>Acute stress </a:t>
-            </a:r>
-            <a:r>
-              <a:rPr lang="en-US" sz="2400" dirty="0" err="1">
-                <a:latin typeface="Trebuchet MS" panose="020B0703020202090204" pitchFamily="34" charset="0"/>
-              </a:rPr>
-              <a:t>dectrases</a:t>
-            </a:r>
-            <a:r>
-              <a:rPr lang="en-US" sz="2400" dirty="0">
-                <a:latin typeface="Trebuchet MS" panose="020B0703020202090204" pitchFamily="34" charset="0"/>
-              </a:rPr>
-              <a:t> AP frequency after HFS </a:t>
+              <a:t>Acute stress decreases AP frequency after HFS </a:t>
             </a:r>
             <a:r>
               <a:rPr lang="en-US" sz="2400" dirty="0">

--- a/Presentations/data_presentation_20250703.pptx
+++ b/Presentations/data_presentation_20250703.pptx
@@ -5,7 +5,7 @@
     <p:sldMasterId id="2147483648" r:id="rId1"/>
   </p:sldMasterIdLst>
   <p:notesMasterIdLst>
-    <p:notesMasterId r:id="rId19"/>
+    <p:notesMasterId r:id="rId18"/>
   </p:notesMasterIdLst>
   <p:sldIdLst>
     <p:sldId id="256" r:id="rId2"/>
@@ -16,15 +16,14 @@
     <p:sldId id="272" r:id="rId7"/>
     <p:sldId id="273" r:id="rId8"/>
     <p:sldId id="274" r:id="rId9"/>
-    <p:sldId id="257" r:id="rId10"/>
-    <p:sldId id="258" r:id="rId11"/>
-    <p:sldId id="260" r:id="rId12"/>
-    <p:sldId id="259" r:id="rId13"/>
-    <p:sldId id="265" r:id="rId14"/>
-    <p:sldId id="266" r:id="rId15"/>
-    <p:sldId id="267" r:id="rId16"/>
-    <p:sldId id="263" r:id="rId17"/>
-    <p:sldId id="264" r:id="rId18"/>
+    <p:sldId id="258" r:id="rId10"/>
+    <p:sldId id="260" r:id="rId11"/>
+    <p:sldId id="259" r:id="rId12"/>
+    <p:sldId id="265" r:id="rId13"/>
+    <p:sldId id="266" r:id="rId14"/>
+    <p:sldId id="267" r:id="rId15"/>
+    <p:sldId id="263" r:id="rId16"/>
+    <p:sldId id="264" r:id="rId17"/>
   </p:sldIdLst>
   <p:sldSz cx="12192000" cy="6858000"/>
   <p:notesSz cx="6858000" cy="9144000"/>
@@ -213,7 +212,7 @@
           <a:p>
             <a:fld id="{20FE7400-C293-EA48-B8E6-D467DD4C8176}" type="datetimeFigureOut">
               <a:rPr lang="en-US" smtClean="0"/>
-              <a:t>7/2/25</a:t>
+              <a:t>7/3/25</a:t>
             </a:fld>
             <a:endParaRPr lang="en-US"/>
           </a:p>
@@ -629,7 +628,7 @@
           <a:p>
             <a:fld id="{D984E0C7-4FAE-DF41-A5B4-0D4F28BFF05D}" type="slidenum">
               <a:rPr lang="en-US" smtClean="0"/>
-              <a:t>16</a:t>
+              <a:t>15</a:t>
             </a:fld>
             <a:endParaRPr lang="en-US"/>
           </a:p>
@@ -737,7 +736,7 @@
           <a:p>
             <a:fld id="{D984E0C7-4FAE-DF41-A5B4-0D4F28BFF05D}" type="slidenum">
               <a:rPr lang="en-US" smtClean="0"/>
-              <a:t>17</a:t>
+              <a:t>16</a:t>
             </a:fld>
             <a:endParaRPr lang="en-US"/>
           </a:p>
@@ -903,7 +902,7 @@
           <a:p>
             <a:fld id="{1127FE35-B012-804B-86A9-13B9276DEBED}" type="datetimeFigureOut">
               <a:rPr lang="en-US" smtClean="0"/>
-              <a:t>7/2/25</a:t>
+              <a:t>7/3/25</a:t>
             </a:fld>
             <a:endParaRPr lang="en-US"/>
           </a:p>
@@ -1101,7 +1100,7 @@
           <a:p>
             <a:fld id="{1127FE35-B012-804B-86A9-13B9276DEBED}" type="datetimeFigureOut">
               <a:rPr lang="en-US" smtClean="0"/>
-              <a:t>7/2/25</a:t>
+              <a:t>7/3/25</a:t>
             </a:fld>
             <a:endParaRPr lang="en-US"/>
           </a:p>
@@ -1309,7 +1308,7 @@
           <a:p>
             <a:fld id="{1127FE35-B012-804B-86A9-13B9276DEBED}" type="datetimeFigureOut">
               <a:rPr lang="en-US" smtClean="0"/>
-              <a:t>7/2/25</a:t>
+              <a:t>7/3/25</a:t>
             </a:fld>
             <a:endParaRPr lang="en-US"/>
           </a:p>
@@ -1507,7 +1506,7 @@
           <a:p>
             <a:fld id="{1127FE35-B012-804B-86A9-13B9276DEBED}" type="datetimeFigureOut">
               <a:rPr lang="en-US" smtClean="0"/>
-              <a:t>7/2/25</a:t>
+              <a:t>7/3/25</a:t>
             </a:fld>
             <a:endParaRPr lang="en-US"/>
           </a:p>
@@ -1782,7 +1781,7 @@
           <a:p>
             <a:fld id="{1127FE35-B012-804B-86A9-13B9276DEBED}" type="datetimeFigureOut">
               <a:rPr lang="en-US" smtClean="0"/>
-              <a:t>7/2/25</a:t>
+              <a:t>7/3/25</a:t>
             </a:fld>
             <a:endParaRPr lang="en-US"/>
           </a:p>
@@ -2047,7 +2046,7 @@
           <a:p>
             <a:fld id="{1127FE35-B012-804B-86A9-13B9276DEBED}" type="datetimeFigureOut">
               <a:rPr lang="en-US" smtClean="0"/>
-              <a:t>7/2/25</a:t>
+              <a:t>7/3/25</a:t>
             </a:fld>
             <a:endParaRPr lang="en-US"/>
           </a:p>
@@ -2459,7 +2458,7 @@
           <a:p>
             <a:fld id="{1127FE35-B012-804B-86A9-13B9276DEBED}" type="datetimeFigureOut">
               <a:rPr lang="en-US" smtClean="0"/>
-              <a:t>7/2/25</a:t>
+              <a:t>7/3/25</a:t>
             </a:fld>
             <a:endParaRPr lang="en-US"/>
           </a:p>
@@ -2600,7 +2599,7 @@
           <a:p>
             <a:fld id="{1127FE35-B012-804B-86A9-13B9276DEBED}" type="datetimeFigureOut">
               <a:rPr lang="en-US" smtClean="0"/>
-              <a:t>7/2/25</a:t>
+              <a:t>7/3/25</a:t>
             </a:fld>
             <a:endParaRPr lang="en-US"/>
           </a:p>
@@ -2713,7 +2712,7 @@
           <a:p>
             <a:fld id="{1127FE35-B012-804B-86A9-13B9276DEBED}" type="datetimeFigureOut">
               <a:rPr lang="en-US" smtClean="0"/>
-              <a:t>7/2/25</a:t>
+              <a:t>7/3/25</a:t>
             </a:fld>
             <a:endParaRPr lang="en-US"/>
           </a:p>
@@ -3024,7 +3023,7 @@
           <a:p>
             <a:fld id="{1127FE35-B012-804B-86A9-13B9276DEBED}" type="datetimeFigureOut">
               <a:rPr lang="en-US" smtClean="0"/>
-              <a:t>7/2/25</a:t>
+              <a:t>7/3/25</a:t>
             </a:fld>
             <a:endParaRPr lang="en-US"/>
           </a:p>
@@ -3312,7 +3311,7 @@
           <a:p>
             <a:fld id="{1127FE35-B012-804B-86A9-13B9276DEBED}" type="datetimeFigureOut">
               <a:rPr lang="en-US" smtClean="0"/>
-              <a:t>7/2/25</a:t>
+              <a:t>7/3/25</a:t>
             </a:fld>
             <a:endParaRPr lang="en-US"/>
           </a:p>
@@ -3553,7 +3552,7 @@
           <a:p>
             <a:fld id="{1127FE35-B012-804B-86A9-13B9276DEBED}" type="datetimeFigureOut">
               <a:rPr lang="en-US" smtClean="0"/>
-              <a:t>7/2/25</a:t>
+              <a:t>7/3/25</a:t>
             </a:fld>
             <a:endParaRPr lang="en-US"/>
           </a:p>
@@ -4005,7 +4004,25 @@
                 </a:solidFill>
                 <a:latin typeface="Trebuchet MS" panose="020B0703020202090204" pitchFamily="34" charset="0"/>
               </a:rPr>
-              <a:t>Acute stress decreases the long-term activity of appetite regulating neurons in the hypothalamus</a:t>
+              <a:t>Acute stress </a:t>
+            </a:r>
+            <a:r>
+              <a:rPr lang="en-CA" b="1" dirty="0">
+                <a:solidFill>
+                  <a:srgbClr val="005B96"/>
+                </a:solidFill>
+                <a:latin typeface="Trebuchet MS" panose="020B0703020202090204" pitchFamily="34" charset="0"/>
+              </a:rPr>
+              <a:t>decreases</a:t>
+            </a:r>
+            <a:r>
+              <a:rPr lang="en-CA" b="1" dirty="0">
+                <a:solidFill>
+                  <a:srgbClr val="EB647E"/>
+                </a:solidFill>
+                <a:latin typeface="Trebuchet MS" panose="020B0703020202090204" pitchFamily="34" charset="0"/>
+              </a:rPr>
+              <a:t> the long-term activity of appetite regulating neurons in the hypothalamus</a:t>
             </a:r>
             <a:endParaRPr lang="en-US" b="1" dirty="0">
               <a:solidFill>
@@ -4079,218 +4096,6 @@
 </file>
 
 <file path=ppt/slides/slide10.xml><?xml version="1.0" encoding="utf-8"?>
-<p:sld xmlns:a="http://schemas.openxmlformats.org/drawingml/2006/main" xmlns:r="http://schemas.openxmlformats.org/officeDocument/2006/relationships" xmlns:p="http://schemas.openxmlformats.org/presentationml/2006/main">
-  <p:cSld>
-    <p:bg>
-      <p:bgPr>
-        <a:solidFill>
-          <a:schemeClr val="bg1"/>
-        </a:solidFill>
-        <a:effectLst/>
-      </p:bgPr>
-    </p:bg>
-    <p:spTree>
-      <p:nvGrpSpPr>
-        <p:cNvPr id="1" name=""/>
-        <p:cNvGrpSpPr/>
-        <p:nvPr/>
-      </p:nvGrpSpPr>
-      <p:grpSpPr>
-        <a:xfrm>
-          <a:off x="0" y="0"/>
-          <a:ext cx="0" cy="0"/>
-          <a:chOff x="0" y="0"/>
-          <a:chExt cx="0" cy="0"/>
-        </a:xfrm>
-      </p:grpSpPr>
-      <p:pic>
-        <p:nvPicPr>
-          <p:cNvPr id="5" name="Picture 4" descr="A graph with dots and lines&#10;&#10;AI-generated content may be incorrect.">
-            <a:extLst>
-              <a:ext uri="{FF2B5EF4-FFF2-40B4-BE49-F238E27FC236}">
-                <a16:creationId xmlns:a16="http://schemas.microsoft.com/office/drawing/2014/main" id="{2246E274-5240-3826-529E-7520D22D8A23}"/>
-              </a:ext>
-            </a:extLst>
-          </p:cNvPr>
-          <p:cNvPicPr>
-            <a:picLocks noChangeAspect="1"/>
-          </p:cNvPicPr>
-          <p:nvPr/>
-        </p:nvPicPr>
-        <p:blipFill>
-          <a:blip r:embed="rId2"/>
-          <a:stretch>
-            <a:fillRect/>
-          </a:stretch>
-        </p:blipFill>
-        <p:spPr>
-          <a:xfrm>
-            <a:off x="84224" y="1034718"/>
-            <a:ext cx="6112275" cy="4370274"/>
-          </a:xfrm>
-          <a:prstGeom prst="rect">
-            <a:avLst/>
-          </a:prstGeom>
-        </p:spPr>
-      </p:pic>
-      <p:pic>
-        <p:nvPicPr>
-          <p:cNvPr id="3" name="Picture 2" descr="A graph with dots and lines&#10;&#10;AI-generated content may be incorrect.">
-            <a:extLst>
-              <a:ext uri="{FF2B5EF4-FFF2-40B4-BE49-F238E27FC236}">
-                <a16:creationId xmlns:a16="http://schemas.microsoft.com/office/drawing/2014/main" id="{7562FCD6-0940-590A-55A4-CC7A854D8477}"/>
-              </a:ext>
-            </a:extLst>
-          </p:cNvPr>
-          <p:cNvPicPr>
-            <a:picLocks noChangeAspect="1"/>
-          </p:cNvPicPr>
-          <p:nvPr/>
-        </p:nvPicPr>
-        <p:blipFill>
-          <a:blip r:embed="rId3"/>
-          <a:stretch>
-            <a:fillRect/>
-          </a:stretch>
-        </p:blipFill>
-        <p:spPr>
-          <a:xfrm>
-            <a:off x="5986381" y="1034718"/>
-            <a:ext cx="6112276" cy="4370275"/>
-          </a:xfrm>
-          <a:prstGeom prst="rect">
-            <a:avLst/>
-          </a:prstGeom>
-        </p:spPr>
-      </p:pic>
-      <p:sp>
-        <p:nvSpPr>
-          <p:cNvPr id="6" name="TextBox 5">
-            <a:extLst>
-              <a:ext uri="{FF2B5EF4-FFF2-40B4-BE49-F238E27FC236}">
-                <a16:creationId xmlns:a16="http://schemas.microsoft.com/office/drawing/2014/main" id="{38BCE970-9CC7-4110-352D-F4B702519165}"/>
-              </a:ext>
-            </a:extLst>
-          </p:cNvPr>
-          <p:cNvSpPr txBox="1"/>
-          <p:nvPr/>
-        </p:nvSpPr>
-        <p:spPr>
-          <a:xfrm>
-            <a:off x="7843822" y="665386"/>
-            <a:ext cx="3705726" cy="369332"/>
-          </a:xfrm>
-          <a:prstGeom prst="rect">
-            <a:avLst/>
-          </a:prstGeom>
-          <a:noFill/>
-        </p:spPr>
-        <p:txBody>
-          <a:bodyPr wrap="square" rtlCol="0">
-            <a:spAutoFit/>
-          </a:bodyPr>
-          <a:lstStyle/>
-          <a:p>
-            <a:pPr algn="ctr"/>
-            <a:r>
-              <a:rPr lang="en-US" dirty="0">
-                <a:latin typeface="Trebuchet MS" panose="020B0703020202090204" pitchFamily="34" charset="0"/>
-              </a:rPr>
-              <a:t>Acute Stress + Control Treatment</a:t>
-            </a:r>
-          </a:p>
-        </p:txBody>
-      </p:sp>
-      <p:sp>
-        <p:nvSpPr>
-          <p:cNvPr id="7" name="TextBox 6">
-            <a:extLst>
-              <a:ext uri="{FF2B5EF4-FFF2-40B4-BE49-F238E27FC236}">
-                <a16:creationId xmlns:a16="http://schemas.microsoft.com/office/drawing/2014/main" id="{E0ACB8E1-3ED1-ED50-BFF5-1E2F075CE3B5}"/>
-              </a:ext>
-            </a:extLst>
-          </p:cNvPr>
-          <p:cNvSpPr txBox="1"/>
-          <p:nvPr/>
-        </p:nvSpPr>
-        <p:spPr>
-          <a:xfrm>
-            <a:off x="1731547" y="665386"/>
-            <a:ext cx="3705726" cy="369332"/>
-          </a:xfrm>
-          <a:prstGeom prst="rect">
-            <a:avLst/>
-          </a:prstGeom>
-          <a:noFill/>
-        </p:spPr>
-        <p:txBody>
-          <a:bodyPr wrap="square" rtlCol="0">
-            <a:spAutoFit/>
-          </a:bodyPr>
-          <a:lstStyle/>
-          <a:p>
-            <a:pPr algn="ctr"/>
-            <a:r>
-              <a:rPr lang="en-US" dirty="0">
-                <a:latin typeface="Trebuchet MS" panose="020B0703020202090204" pitchFamily="34" charset="0"/>
-              </a:rPr>
-              <a:t>Naïve + Control Treatment</a:t>
-            </a:r>
-          </a:p>
-        </p:txBody>
-      </p:sp>
-      <p:sp>
-        <p:nvSpPr>
-          <p:cNvPr id="8" name="TextBox 7">
-            <a:extLst>
-              <a:ext uri="{FF2B5EF4-FFF2-40B4-BE49-F238E27FC236}">
-                <a16:creationId xmlns:a16="http://schemas.microsoft.com/office/drawing/2014/main" id="{334D5AF6-1251-FEFD-750A-0BDFACCC7C74}"/>
-              </a:ext>
-            </a:extLst>
-          </p:cNvPr>
-          <p:cNvSpPr txBox="1"/>
-          <p:nvPr/>
-        </p:nvSpPr>
-        <p:spPr>
-          <a:xfrm>
-            <a:off x="2346828" y="5407783"/>
-            <a:ext cx="7279105" cy="830997"/>
-          </a:xfrm>
-          <a:prstGeom prst="rect">
-            <a:avLst/>
-          </a:prstGeom>
-          <a:noFill/>
-        </p:spPr>
-        <p:txBody>
-          <a:bodyPr wrap="square" rtlCol="0">
-            <a:spAutoFit/>
-          </a:bodyPr>
-          <a:lstStyle/>
-          <a:p>
-            <a:pPr algn="ctr"/>
-            <a:r>
-              <a:rPr lang="en-US" sz="2400" dirty="0">
-                <a:latin typeface="Trebuchet MS" panose="020B0703020202090204" pitchFamily="34" charset="0"/>
-              </a:rPr>
-              <a:t>Acute stress decreases evoked excitatory current amplitude after HFS</a:t>
-            </a:r>
-          </a:p>
-        </p:txBody>
-      </p:sp>
-    </p:spTree>
-    <p:extLst>
-      <p:ext uri="{BB962C8B-B14F-4D97-AF65-F5344CB8AC3E}">
-        <p14:creationId xmlns:p14="http://schemas.microsoft.com/office/powerpoint/2010/main" val="1986017985"/>
-      </p:ext>
-    </p:extLst>
-  </p:cSld>
-  <p:clrMapOvr>
-    <a:masterClrMapping/>
-  </p:clrMapOvr>
-</p:sld>
-</file>
-
-<file path=ppt/slides/slide11.xml><?xml version="1.0" encoding="utf-8"?>
 <p:sld xmlns:a="http://schemas.openxmlformats.org/drawingml/2006/main" xmlns:r="http://schemas.openxmlformats.org/officeDocument/2006/relationships" xmlns:p="http://schemas.openxmlformats.org/presentationml/2006/main">
   <p:cSld>
     <p:bg>
@@ -4516,7 +4321,7 @@
 </p:sld>
 </file>
 
-<file path=ppt/slides/slide12.xml><?xml version="1.0" encoding="utf-8"?>
+<file path=ppt/slides/slide11.xml><?xml version="1.0" encoding="utf-8"?>
 <p:sld xmlns:a="http://schemas.openxmlformats.org/drawingml/2006/main" xmlns:r="http://schemas.openxmlformats.org/officeDocument/2006/relationships" xmlns:p="http://schemas.openxmlformats.org/presentationml/2006/main">
   <p:cSld>
     <p:bg>
@@ -4757,6 +4562,104 @@
 </p:sld>
 </file>
 
+<file path=ppt/slides/slide12.xml><?xml version="1.0" encoding="utf-8"?>
+<p:sld xmlns:a="http://schemas.openxmlformats.org/drawingml/2006/main" xmlns:r="http://schemas.openxmlformats.org/officeDocument/2006/relationships" xmlns:p="http://schemas.openxmlformats.org/presentationml/2006/main">
+  <p:cSld>
+    <p:spTree>
+      <p:nvGrpSpPr>
+        <p:cNvPr id="1" name=""/>
+        <p:cNvGrpSpPr/>
+        <p:nvPr/>
+      </p:nvGrpSpPr>
+      <p:grpSpPr>
+        <a:xfrm>
+          <a:off x="0" y="0"/>
+          <a:ext cx="0" cy="0"/>
+          <a:chOff x="0" y="0"/>
+          <a:chExt cx="0" cy="0"/>
+        </a:xfrm>
+      </p:grpSpPr>
+      <p:pic>
+        <p:nvPicPr>
+          <p:cNvPr id="3" name="Picture 2" descr="A graph of a number of dots&#10;&#10;AI-generated content may be incorrect.">
+            <a:extLst>
+              <a:ext uri="{FF2B5EF4-FFF2-40B4-BE49-F238E27FC236}">
+                <a16:creationId xmlns:a16="http://schemas.microsoft.com/office/drawing/2014/main" id="{BB076852-7D8E-E0DE-8A6B-94CD2F71B861}"/>
+              </a:ext>
+            </a:extLst>
+          </p:cNvPr>
+          <p:cNvPicPr>
+            <a:picLocks noChangeAspect="1"/>
+          </p:cNvPicPr>
+          <p:nvPr/>
+        </p:nvPicPr>
+        <p:blipFill>
+          <a:blip r:embed="rId2"/>
+          <a:stretch>
+            <a:fillRect/>
+          </a:stretch>
+        </p:blipFill>
+        <p:spPr>
+          <a:xfrm>
+            <a:off x="1641389" y="1053658"/>
+            <a:ext cx="7772400" cy="5551714"/>
+          </a:xfrm>
+          <a:prstGeom prst="rect">
+            <a:avLst/>
+          </a:prstGeom>
+        </p:spPr>
+      </p:pic>
+      <p:sp>
+        <p:nvSpPr>
+          <p:cNvPr id="4" name="TextBox 3">
+            <a:extLst>
+              <a:ext uri="{FF2B5EF4-FFF2-40B4-BE49-F238E27FC236}">
+                <a16:creationId xmlns:a16="http://schemas.microsoft.com/office/drawing/2014/main" id="{73BC7780-6C86-85E7-64A6-9A9D917E5249}"/>
+              </a:ext>
+            </a:extLst>
+          </p:cNvPr>
+          <p:cNvSpPr txBox="1"/>
+          <p:nvPr/>
+        </p:nvSpPr>
+        <p:spPr>
+          <a:xfrm>
+            <a:off x="3892379" y="1121620"/>
+            <a:ext cx="4073708" cy="369332"/>
+          </a:xfrm>
+          <a:prstGeom prst="rect">
+            <a:avLst/>
+          </a:prstGeom>
+          <a:noFill/>
+        </p:spPr>
+        <p:txBody>
+          <a:bodyPr wrap="square" rtlCol="0">
+            <a:spAutoFit/>
+          </a:bodyPr>
+          <a:lstStyle/>
+          <a:p>
+            <a:pPr algn="ctr"/>
+            <a:r>
+              <a:rPr lang="en-US" dirty="0">
+                <a:latin typeface="Trebuchet MS" panose="020B0703020202090204" pitchFamily="34" charset="0"/>
+              </a:rPr>
+              <a:t>Repeated Stress + Control Treatment</a:t>
+            </a:r>
+          </a:p>
+        </p:txBody>
+      </p:sp>
+    </p:spTree>
+    <p:extLst>
+      <p:ext uri="{BB962C8B-B14F-4D97-AF65-F5344CB8AC3E}">
+        <p14:creationId xmlns:p14="http://schemas.microsoft.com/office/powerpoint/2010/main" val="2338657142"/>
+      </p:ext>
+    </p:extLst>
+  </p:cSld>
+  <p:clrMapOvr>
+    <a:masterClrMapping/>
+  </p:clrMapOvr>
+</p:sld>
+</file>
+
 <file path=ppt/slides/slide13.xml><?xml version="1.0" encoding="utf-8"?>
 <p:sld xmlns:a="http://schemas.openxmlformats.org/drawingml/2006/main" xmlns:r="http://schemas.openxmlformats.org/officeDocument/2006/relationships" xmlns:p="http://schemas.openxmlformats.org/presentationml/2006/main">
   <p:cSld>
@@ -4776,10 +4679,10 @@
       </p:grpSpPr>
       <p:pic>
         <p:nvPicPr>
-          <p:cNvPr id="3" name="Picture 2" descr="A graph of a number of dots&#10;&#10;AI-generated content may be incorrect.">
-            <a:extLst>
-              <a:ext uri="{FF2B5EF4-FFF2-40B4-BE49-F238E27FC236}">
-                <a16:creationId xmlns:a16="http://schemas.microsoft.com/office/drawing/2014/main" id="{BB076852-7D8E-E0DE-8A6B-94CD2F71B861}"/>
+          <p:cNvPr id="3" name="Picture 2">
+            <a:extLst>
+              <a:ext uri="{FF2B5EF4-FFF2-40B4-BE49-F238E27FC236}">
+                <a16:creationId xmlns:a16="http://schemas.microsoft.com/office/drawing/2014/main" id="{D3C50A49-8A5E-9ADF-FBA0-0C571A872CA0}"/>
               </a:ext>
             </a:extLst>
           </p:cNvPr>
@@ -4796,7 +4699,7 @@
         </p:blipFill>
         <p:spPr>
           <a:xfrm>
-            <a:off x="1641389" y="1053658"/>
+            <a:off x="578710" y="829926"/>
             <a:ext cx="7772400" cy="5551714"/>
           </a:xfrm>
           <a:prstGeom prst="rect">
@@ -4806,10 +4709,10 @@
       </p:pic>
       <p:sp>
         <p:nvSpPr>
-          <p:cNvPr id="4" name="TextBox 3">
-            <a:extLst>
-              <a:ext uri="{FF2B5EF4-FFF2-40B4-BE49-F238E27FC236}">
-                <a16:creationId xmlns:a16="http://schemas.microsoft.com/office/drawing/2014/main" id="{73BC7780-6C86-85E7-64A6-9A9D917E5249}"/>
+          <p:cNvPr id="5" name="TextBox 4">
+            <a:extLst>
+              <a:ext uri="{FF2B5EF4-FFF2-40B4-BE49-F238E27FC236}">
+                <a16:creationId xmlns:a16="http://schemas.microsoft.com/office/drawing/2014/main" id="{C952D33C-B622-DA5A-5874-55495DDD6983}"/>
               </a:ext>
             </a:extLst>
           </p:cNvPr>
@@ -4818,8 +4721,8 @@
         </p:nvSpPr>
         <p:spPr>
           <a:xfrm>
-            <a:off x="3892379" y="1121620"/>
-            <a:ext cx="4073708" cy="369332"/>
+            <a:off x="8649729" y="2266955"/>
+            <a:ext cx="2592859" cy="2677656"/>
           </a:xfrm>
           <a:prstGeom prst="rect">
             <a:avLst/>
@@ -4834,10 +4737,57 @@
           <a:p>
             <a:pPr algn="ctr"/>
             <a:r>
+              <a:rPr lang="en-US" sz="2400" dirty="0">
+                <a:latin typeface="Trebuchet MS" panose="020B0703020202090204" pitchFamily="34" charset="0"/>
+              </a:rPr>
+              <a:t>Acute stress decreases the probability of glutamate release after HFS </a:t>
+            </a:r>
+            <a:r>
+              <a:rPr lang="en-US" sz="2400" dirty="0">
+                <a:solidFill>
+                  <a:srgbClr val="EB647E"/>
+                </a:solidFill>
+                <a:latin typeface="Trebuchet MS" panose="020B0703020202090204" pitchFamily="34" charset="0"/>
+              </a:rPr>
+              <a:t>in females but not males</a:t>
+            </a:r>
+          </a:p>
+        </p:txBody>
+      </p:sp>
+      <p:sp>
+        <p:nvSpPr>
+          <p:cNvPr id="6" name="TextBox 5">
+            <a:extLst>
+              <a:ext uri="{FF2B5EF4-FFF2-40B4-BE49-F238E27FC236}">
+                <a16:creationId xmlns:a16="http://schemas.microsoft.com/office/drawing/2014/main" id="{9C4E838A-CA6F-5658-E2C5-0B5C8001BC15}"/>
+              </a:ext>
+            </a:extLst>
+          </p:cNvPr>
+          <p:cNvSpPr txBox="1"/>
+          <p:nvPr/>
+        </p:nvSpPr>
+        <p:spPr>
+          <a:xfrm>
+            <a:off x="3296534" y="645260"/>
+            <a:ext cx="3705726" cy="369332"/>
+          </a:xfrm>
+          <a:prstGeom prst="rect">
+            <a:avLst/>
+          </a:prstGeom>
+          <a:noFill/>
+        </p:spPr>
+        <p:txBody>
+          <a:bodyPr wrap="square" rtlCol="0">
+            <a:spAutoFit/>
+          </a:bodyPr>
+          <a:lstStyle/>
+          <a:p>
+            <a:pPr algn="ctr"/>
+            <a:r>
               <a:rPr lang="en-US" dirty="0">
                 <a:latin typeface="Trebuchet MS" panose="020B0703020202090204" pitchFamily="34" charset="0"/>
               </a:rPr>
-              <a:t>Repeated Stress + Control Treatment</a:t>
+              <a:t>Acute Stress + Control Treatment</a:t>
             </a:r>
           </a:p>
         </p:txBody>
@@ -4845,7 +4795,7 @@
     </p:spTree>
     <p:extLst>
       <p:ext uri="{BB962C8B-B14F-4D97-AF65-F5344CB8AC3E}">
-        <p14:creationId xmlns:p14="http://schemas.microsoft.com/office/powerpoint/2010/main" val="2338657142"/>
+        <p14:creationId xmlns:p14="http://schemas.microsoft.com/office/powerpoint/2010/main" val="3176065296"/>
       </p:ext>
     </p:extLst>
   </p:cSld>
@@ -4874,151 +4824,6 @@
       </p:grpSpPr>
       <p:pic>
         <p:nvPicPr>
-          <p:cNvPr id="3" name="Picture 2">
-            <a:extLst>
-              <a:ext uri="{FF2B5EF4-FFF2-40B4-BE49-F238E27FC236}">
-                <a16:creationId xmlns:a16="http://schemas.microsoft.com/office/drawing/2014/main" id="{D3C50A49-8A5E-9ADF-FBA0-0C571A872CA0}"/>
-              </a:ext>
-            </a:extLst>
-          </p:cNvPr>
-          <p:cNvPicPr>
-            <a:picLocks noChangeAspect="1"/>
-          </p:cNvPicPr>
-          <p:nvPr/>
-        </p:nvPicPr>
-        <p:blipFill>
-          <a:blip r:embed="rId2"/>
-          <a:stretch>
-            <a:fillRect/>
-          </a:stretch>
-        </p:blipFill>
-        <p:spPr>
-          <a:xfrm>
-            <a:off x="578710" y="829926"/>
-            <a:ext cx="7772400" cy="5551714"/>
-          </a:xfrm>
-          <a:prstGeom prst="rect">
-            <a:avLst/>
-          </a:prstGeom>
-        </p:spPr>
-      </p:pic>
-      <p:sp>
-        <p:nvSpPr>
-          <p:cNvPr id="5" name="TextBox 4">
-            <a:extLst>
-              <a:ext uri="{FF2B5EF4-FFF2-40B4-BE49-F238E27FC236}">
-                <a16:creationId xmlns:a16="http://schemas.microsoft.com/office/drawing/2014/main" id="{C952D33C-B622-DA5A-5874-55495DDD6983}"/>
-              </a:ext>
-            </a:extLst>
-          </p:cNvPr>
-          <p:cNvSpPr txBox="1"/>
-          <p:nvPr/>
-        </p:nvSpPr>
-        <p:spPr>
-          <a:xfrm>
-            <a:off x="8649729" y="2266955"/>
-            <a:ext cx="2592859" cy="2677656"/>
-          </a:xfrm>
-          <a:prstGeom prst="rect">
-            <a:avLst/>
-          </a:prstGeom>
-          <a:noFill/>
-        </p:spPr>
-        <p:txBody>
-          <a:bodyPr wrap="square" rtlCol="0">
-            <a:spAutoFit/>
-          </a:bodyPr>
-          <a:lstStyle/>
-          <a:p>
-            <a:pPr algn="ctr"/>
-            <a:r>
-              <a:rPr lang="en-US" sz="2400" dirty="0">
-                <a:latin typeface="Trebuchet MS" panose="020B0703020202090204" pitchFamily="34" charset="0"/>
-              </a:rPr>
-              <a:t>Acute stress decreases the probability of glutamate release after HFS </a:t>
-            </a:r>
-            <a:r>
-              <a:rPr lang="en-US" sz="2400" dirty="0">
-                <a:solidFill>
-                  <a:srgbClr val="EB647E"/>
-                </a:solidFill>
-                <a:latin typeface="Trebuchet MS" panose="020B0703020202090204" pitchFamily="34" charset="0"/>
-              </a:rPr>
-              <a:t>in females but not males</a:t>
-            </a:r>
-          </a:p>
-        </p:txBody>
-      </p:sp>
-      <p:sp>
-        <p:nvSpPr>
-          <p:cNvPr id="6" name="TextBox 5">
-            <a:extLst>
-              <a:ext uri="{FF2B5EF4-FFF2-40B4-BE49-F238E27FC236}">
-                <a16:creationId xmlns:a16="http://schemas.microsoft.com/office/drawing/2014/main" id="{9C4E838A-CA6F-5658-E2C5-0B5C8001BC15}"/>
-              </a:ext>
-            </a:extLst>
-          </p:cNvPr>
-          <p:cNvSpPr txBox="1"/>
-          <p:nvPr/>
-        </p:nvSpPr>
-        <p:spPr>
-          <a:xfrm>
-            <a:off x="3296534" y="645260"/>
-            <a:ext cx="3705726" cy="369332"/>
-          </a:xfrm>
-          <a:prstGeom prst="rect">
-            <a:avLst/>
-          </a:prstGeom>
-          <a:noFill/>
-        </p:spPr>
-        <p:txBody>
-          <a:bodyPr wrap="square" rtlCol="0">
-            <a:spAutoFit/>
-          </a:bodyPr>
-          <a:lstStyle/>
-          <a:p>
-            <a:pPr algn="ctr"/>
-            <a:r>
-              <a:rPr lang="en-US" dirty="0">
-                <a:latin typeface="Trebuchet MS" panose="020B0703020202090204" pitchFamily="34" charset="0"/>
-              </a:rPr>
-              <a:t>Acute Stress + Control Treatment</a:t>
-            </a:r>
-          </a:p>
-        </p:txBody>
-      </p:sp>
-    </p:spTree>
-    <p:extLst>
-      <p:ext uri="{BB962C8B-B14F-4D97-AF65-F5344CB8AC3E}">
-        <p14:creationId xmlns:p14="http://schemas.microsoft.com/office/powerpoint/2010/main" val="3176065296"/>
-      </p:ext>
-    </p:extLst>
-  </p:cSld>
-  <p:clrMapOvr>
-    <a:masterClrMapping/>
-  </p:clrMapOvr>
-</p:sld>
-</file>
-
-<file path=ppt/slides/slide15.xml><?xml version="1.0" encoding="utf-8"?>
-<p:sld xmlns:a="http://schemas.openxmlformats.org/drawingml/2006/main" xmlns:r="http://schemas.openxmlformats.org/officeDocument/2006/relationships" xmlns:p="http://schemas.openxmlformats.org/presentationml/2006/main">
-  <p:cSld>
-    <p:spTree>
-      <p:nvGrpSpPr>
-        <p:cNvPr id="1" name=""/>
-        <p:cNvGrpSpPr/>
-        <p:nvPr/>
-      </p:nvGrpSpPr>
-      <p:grpSpPr>
-        <a:xfrm>
-          <a:off x="0" y="0"/>
-          <a:ext cx="0" cy="0"/>
-          <a:chOff x="0" y="0"/>
-          <a:chExt cx="0" cy="0"/>
-        </a:xfrm>
-      </p:grpSpPr>
-      <p:pic>
-        <p:nvPicPr>
           <p:cNvPr id="3" name="Picture 2" descr="A graph of a patient's reaction&#10;&#10;AI-generated content may be incorrect.">
             <a:extLst>
               <a:ext uri="{FF2B5EF4-FFF2-40B4-BE49-F238E27FC236}">
@@ -5107,7 +4912,7 @@
 </p:sld>
 </file>
 
-<file path=ppt/slides/slide16.xml><?xml version="1.0" encoding="utf-8"?>
+<file path=ppt/slides/slide15.xml><?xml version="1.0" encoding="utf-8"?>
 <p:sld xmlns:a="http://schemas.openxmlformats.org/drawingml/2006/main" xmlns:r="http://schemas.openxmlformats.org/officeDocument/2006/relationships" xmlns:p="http://schemas.openxmlformats.org/presentationml/2006/main">
   <p:cSld>
     <p:bg>
@@ -5326,7 +5131,7 @@
 </p:sld>
 </file>
 
-<file path=ppt/slides/slide17.xml><?xml version="1.0" encoding="utf-8"?>
+<file path=ppt/slides/slide16.xml><?xml version="1.0" encoding="utf-8"?>
 <p:sld xmlns:a="http://schemas.openxmlformats.org/drawingml/2006/main" xmlns:r="http://schemas.openxmlformats.org/officeDocument/2006/relationships" xmlns:p="http://schemas.openxmlformats.org/presentationml/2006/main">
   <p:cSld>
     <p:bg>
@@ -10657,55 +10462,182 @@
       </p:grpSpPr>
       <p:pic>
         <p:nvPicPr>
-          <p:cNvPr id="1026" name="Picture 2" descr="A collage of a person in a red jacket&#10;&#10;AI-generated content may be incorrect.">
-            <a:extLst>
-              <a:ext uri="{FF2B5EF4-FFF2-40B4-BE49-F238E27FC236}">
-                <a16:creationId xmlns:a16="http://schemas.microsoft.com/office/drawing/2014/main" id="{B8282E48-87F3-E77C-7745-EC1C93361B9D}"/>
+          <p:cNvPr id="5" name="Picture 4" descr="A graph with dots and lines&#10;&#10;AI-generated content may be incorrect.">
+            <a:extLst>
+              <a:ext uri="{FF2B5EF4-FFF2-40B4-BE49-F238E27FC236}">
+                <a16:creationId xmlns:a16="http://schemas.microsoft.com/office/drawing/2014/main" id="{2246E274-5240-3826-529E-7520D22D8A23}"/>
               </a:ext>
             </a:extLst>
           </p:cNvPr>
           <p:cNvPicPr>
-            <a:picLocks noChangeAspect="1" noChangeArrowheads="1"/>
+            <a:picLocks noChangeAspect="1"/>
           </p:cNvPicPr>
           <p:nvPr/>
         </p:nvPicPr>
-        <p:blipFill rotWithShape="1">
-          <a:blip r:embed="rId2">
-            <a:extLst>
-              <a:ext uri="{28A0092B-C50C-407E-A947-70E740481C1C}">
-                <a14:useLocalDpi xmlns:a14="http://schemas.microsoft.com/office/drawing/2010/main" val="0"/>
-              </a:ext>
-            </a:extLst>
-          </a:blip>
-          <a:srcRect t="761" b="851"/>
+        <p:blipFill>
+          <a:blip r:embed="rId2"/>
           <a:stretch>
             <a:fillRect/>
           </a:stretch>
         </p:blipFill>
-        <p:spPr bwMode="auto">
-          <a:xfrm>
-            <a:off x="1964265" y="85395"/>
-            <a:ext cx="8263469" cy="6687210"/>
+        <p:spPr>
+          <a:xfrm>
+            <a:off x="84224" y="1034718"/>
+            <a:ext cx="6112275" cy="4370274"/>
+          </a:xfrm>
+          <a:prstGeom prst="rect">
+            <a:avLst/>
+          </a:prstGeom>
+        </p:spPr>
+      </p:pic>
+      <p:pic>
+        <p:nvPicPr>
+          <p:cNvPr id="3" name="Picture 2" descr="A graph with dots and lines&#10;&#10;AI-generated content may be incorrect.">
+            <a:extLst>
+              <a:ext uri="{FF2B5EF4-FFF2-40B4-BE49-F238E27FC236}">
+                <a16:creationId xmlns:a16="http://schemas.microsoft.com/office/drawing/2014/main" id="{7562FCD6-0940-590A-55A4-CC7A854D8477}"/>
+              </a:ext>
+            </a:extLst>
+          </p:cNvPr>
+          <p:cNvPicPr>
+            <a:picLocks noChangeAspect="1"/>
+          </p:cNvPicPr>
+          <p:nvPr/>
+        </p:nvPicPr>
+        <p:blipFill>
+          <a:blip r:embed="rId3"/>
+          <a:stretch>
+            <a:fillRect/>
+          </a:stretch>
+        </p:blipFill>
+        <p:spPr>
+          <a:xfrm>
+            <a:off x="5986381" y="1034718"/>
+            <a:ext cx="6112276" cy="4370275"/>
+          </a:xfrm>
+          <a:prstGeom prst="rect">
+            <a:avLst/>
+          </a:prstGeom>
+        </p:spPr>
+      </p:pic>
+      <p:sp>
+        <p:nvSpPr>
+          <p:cNvPr id="6" name="TextBox 5">
+            <a:extLst>
+              <a:ext uri="{FF2B5EF4-FFF2-40B4-BE49-F238E27FC236}">
+                <a16:creationId xmlns:a16="http://schemas.microsoft.com/office/drawing/2014/main" id="{38BCE970-9CC7-4110-352D-F4B702519165}"/>
+              </a:ext>
+            </a:extLst>
+          </p:cNvPr>
+          <p:cNvSpPr txBox="1"/>
+          <p:nvPr/>
+        </p:nvSpPr>
+        <p:spPr>
+          <a:xfrm>
+            <a:off x="7843822" y="665386"/>
+            <a:ext cx="3705726" cy="369332"/>
           </a:xfrm>
           <a:prstGeom prst="rect">
             <a:avLst/>
           </a:prstGeom>
           <a:noFill/>
-          <a:extLst>
-            <a:ext uri="{909E8E84-426E-40DD-AFC4-6F175D3DCCD1}">
-              <a14:hiddenFill xmlns:a14="http://schemas.microsoft.com/office/drawing/2010/main">
-                <a:solidFill>
-                  <a:srgbClr val="FFFFFF"/>
-                </a:solidFill>
-              </a14:hiddenFill>
-            </a:ext>
-          </a:extLst>
-        </p:spPr>
-      </p:pic>
+        </p:spPr>
+        <p:txBody>
+          <a:bodyPr wrap="square" rtlCol="0">
+            <a:spAutoFit/>
+          </a:bodyPr>
+          <a:lstStyle/>
+          <a:p>
+            <a:pPr algn="ctr"/>
+            <a:r>
+              <a:rPr lang="en-US" dirty="0">
+                <a:latin typeface="Trebuchet MS" panose="020B0703020202090204" pitchFamily="34" charset="0"/>
+              </a:rPr>
+              <a:t>Acute Stress + Control Treatment</a:t>
+            </a:r>
+          </a:p>
+        </p:txBody>
+      </p:sp>
+      <p:sp>
+        <p:nvSpPr>
+          <p:cNvPr id="7" name="TextBox 6">
+            <a:extLst>
+              <a:ext uri="{FF2B5EF4-FFF2-40B4-BE49-F238E27FC236}">
+                <a16:creationId xmlns:a16="http://schemas.microsoft.com/office/drawing/2014/main" id="{E0ACB8E1-3ED1-ED50-BFF5-1E2F075CE3B5}"/>
+              </a:ext>
+            </a:extLst>
+          </p:cNvPr>
+          <p:cNvSpPr txBox="1"/>
+          <p:nvPr/>
+        </p:nvSpPr>
+        <p:spPr>
+          <a:xfrm>
+            <a:off x="1731547" y="665386"/>
+            <a:ext cx="3705726" cy="369332"/>
+          </a:xfrm>
+          <a:prstGeom prst="rect">
+            <a:avLst/>
+          </a:prstGeom>
+          <a:noFill/>
+        </p:spPr>
+        <p:txBody>
+          <a:bodyPr wrap="square" rtlCol="0">
+            <a:spAutoFit/>
+          </a:bodyPr>
+          <a:lstStyle/>
+          <a:p>
+            <a:pPr algn="ctr"/>
+            <a:r>
+              <a:rPr lang="en-US" dirty="0">
+                <a:latin typeface="Trebuchet MS" panose="020B0703020202090204" pitchFamily="34" charset="0"/>
+              </a:rPr>
+              <a:t>Naïve + Control Treatment</a:t>
+            </a:r>
+          </a:p>
+        </p:txBody>
+      </p:sp>
+      <p:sp>
+        <p:nvSpPr>
+          <p:cNvPr id="8" name="TextBox 7">
+            <a:extLst>
+              <a:ext uri="{FF2B5EF4-FFF2-40B4-BE49-F238E27FC236}">
+                <a16:creationId xmlns:a16="http://schemas.microsoft.com/office/drawing/2014/main" id="{334D5AF6-1251-FEFD-750A-0BDFACCC7C74}"/>
+              </a:ext>
+            </a:extLst>
+          </p:cNvPr>
+          <p:cNvSpPr txBox="1"/>
+          <p:nvPr/>
+        </p:nvSpPr>
+        <p:spPr>
+          <a:xfrm>
+            <a:off x="2346828" y="5407783"/>
+            <a:ext cx="7279105" cy="830997"/>
+          </a:xfrm>
+          <a:prstGeom prst="rect">
+            <a:avLst/>
+          </a:prstGeom>
+          <a:noFill/>
+        </p:spPr>
+        <p:txBody>
+          <a:bodyPr wrap="square" rtlCol="0">
+            <a:spAutoFit/>
+          </a:bodyPr>
+          <a:lstStyle/>
+          <a:p>
+            <a:pPr algn="ctr"/>
+            <a:r>
+              <a:rPr lang="en-US" sz="2400" dirty="0">
+                <a:latin typeface="Trebuchet MS" panose="020B0703020202090204" pitchFamily="34" charset="0"/>
+              </a:rPr>
+              <a:t>Acute stress decreases evoked excitatory current amplitude after HFS</a:t>
+            </a:r>
+          </a:p>
+        </p:txBody>
+      </p:sp>
     </p:spTree>
     <p:extLst>
       <p:ext uri="{BB962C8B-B14F-4D97-AF65-F5344CB8AC3E}">
-        <p14:creationId xmlns:p14="http://schemas.microsoft.com/office/powerpoint/2010/main" val="3363339562"/>
+        <p14:creationId xmlns:p14="http://schemas.microsoft.com/office/powerpoint/2010/main" val="1986017985"/>
       </p:ext>
     </p:extLst>
   </p:cSld>

--- a/Presentations/data_presentation_20250703.pptx
+++ b/Presentations/data_presentation_20250703.pptx
@@ -212,7 +212,7 @@
           <a:p>
             <a:fld id="{20FE7400-C293-EA48-B8E6-D467DD4C8176}" type="datetimeFigureOut">
               <a:rPr lang="en-US" smtClean="0"/>
-              <a:t>7/3/25</a:t>
+              <a:t>7/6/25</a:t>
             </a:fld>
             <a:endParaRPr lang="en-US"/>
           </a:p>
@@ -902,7 +902,7 @@
           <a:p>
             <a:fld id="{1127FE35-B012-804B-86A9-13B9276DEBED}" type="datetimeFigureOut">
               <a:rPr lang="en-US" smtClean="0"/>
-              <a:t>7/3/25</a:t>
+              <a:t>7/6/25</a:t>
             </a:fld>
             <a:endParaRPr lang="en-US"/>
           </a:p>
@@ -1100,7 +1100,7 @@
           <a:p>
             <a:fld id="{1127FE35-B012-804B-86A9-13B9276DEBED}" type="datetimeFigureOut">
               <a:rPr lang="en-US" smtClean="0"/>
-              <a:t>7/3/25</a:t>
+              <a:t>7/6/25</a:t>
             </a:fld>
             <a:endParaRPr lang="en-US"/>
           </a:p>
@@ -1308,7 +1308,7 @@
           <a:p>
             <a:fld id="{1127FE35-B012-804B-86A9-13B9276DEBED}" type="datetimeFigureOut">
               <a:rPr lang="en-US" smtClean="0"/>
-              <a:t>7/3/25</a:t>
+              <a:t>7/6/25</a:t>
             </a:fld>
             <a:endParaRPr lang="en-US"/>
           </a:p>
@@ -1506,7 +1506,7 @@
           <a:p>
             <a:fld id="{1127FE35-B012-804B-86A9-13B9276DEBED}" type="datetimeFigureOut">
               <a:rPr lang="en-US" smtClean="0"/>
-              <a:t>7/3/25</a:t>
+              <a:t>7/6/25</a:t>
             </a:fld>
             <a:endParaRPr lang="en-US"/>
           </a:p>
@@ -1781,7 +1781,7 @@
           <a:p>
             <a:fld id="{1127FE35-B012-804B-86A9-13B9276DEBED}" type="datetimeFigureOut">
               <a:rPr lang="en-US" smtClean="0"/>
-              <a:t>7/3/25</a:t>
+              <a:t>7/6/25</a:t>
             </a:fld>
             <a:endParaRPr lang="en-US"/>
           </a:p>
@@ -2046,7 +2046,7 @@
           <a:p>
             <a:fld id="{1127FE35-B012-804B-86A9-13B9276DEBED}" type="datetimeFigureOut">
               <a:rPr lang="en-US" smtClean="0"/>
-              <a:t>7/3/25</a:t>
+              <a:t>7/6/25</a:t>
             </a:fld>
             <a:endParaRPr lang="en-US"/>
           </a:p>
@@ -2458,7 +2458,7 @@
           <a:p>
             <a:fld id="{1127FE35-B012-804B-86A9-13B9276DEBED}" type="datetimeFigureOut">
               <a:rPr lang="en-US" smtClean="0"/>
-              <a:t>7/3/25</a:t>
+              <a:t>7/6/25</a:t>
             </a:fld>
             <a:endParaRPr lang="en-US"/>
           </a:p>
@@ -2599,7 +2599,7 @@
           <a:p>
             <a:fld id="{1127FE35-B012-804B-86A9-13B9276DEBED}" type="datetimeFigureOut">
               <a:rPr lang="en-US" smtClean="0"/>
-              <a:t>7/3/25</a:t>
+              <a:t>7/6/25</a:t>
             </a:fld>
             <a:endParaRPr lang="en-US"/>
           </a:p>
@@ -2712,7 +2712,7 @@
           <a:p>
             <a:fld id="{1127FE35-B012-804B-86A9-13B9276DEBED}" type="datetimeFigureOut">
               <a:rPr lang="en-US" smtClean="0"/>
-              <a:t>7/3/25</a:t>
+              <a:t>7/6/25</a:t>
             </a:fld>
             <a:endParaRPr lang="en-US"/>
           </a:p>
@@ -3023,7 +3023,7 @@
           <a:p>
             <a:fld id="{1127FE35-B012-804B-86A9-13B9276DEBED}" type="datetimeFigureOut">
               <a:rPr lang="en-US" smtClean="0"/>
-              <a:t>7/3/25</a:t>
+              <a:t>7/6/25</a:t>
             </a:fld>
             <a:endParaRPr lang="en-US"/>
           </a:p>
@@ -3311,7 +3311,7 @@
           <a:p>
             <a:fld id="{1127FE35-B012-804B-86A9-13B9276DEBED}" type="datetimeFigureOut">
               <a:rPr lang="en-US" smtClean="0"/>
-              <a:t>7/3/25</a:t>
+              <a:t>7/6/25</a:t>
             </a:fld>
             <a:endParaRPr lang="en-US"/>
           </a:p>
@@ -3552,7 +3552,7 @@
           <a:p>
             <a:fld id="{1127FE35-B012-804B-86A9-13B9276DEBED}" type="datetimeFigureOut">
               <a:rPr lang="en-US" smtClean="0"/>
-              <a:t>7/3/25</a:t>
+              <a:t>7/6/25</a:t>
             </a:fld>
             <a:endParaRPr lang="en-US"/>
           </a:p>
